--- a/ANZ Presentation.pptx
+++ b/ANZ Presentation.pptx
@@ -5,10 +5,10 @@
     <p:sldMasterId id="2147483657" r:id="rId5"/>
   </p:sldMasterIdLst>
   <p:notesMasterIdLst>
-    <p:notesMasterId r:id="rId24"/>
+    <p:notesMasterId r:id="rId23"/>
   </p:notesMasterIdLst>
   <p:handoutMasterIdLst>
-    <p:handoutMasterId r:id="rId25"/>
+    <p:handoutMasterId r:id="rId24"/>
   </p:handoutMasterIdLst>
   <p:sldIdLst>
     <p:sldId id="274" r:id="rId6"/>
@@ -16,19 +16,18 @@
     <p:sldId id="336" r:id="rId8"/>
     <p:sldId id="373" r:id="rId9"/>
     <p:sldId id="377" r:id="rId10"/>
-    <p:sldId id="392" r:id="rId11"/>
-    <p:sldId id="379" r:id="rId12"/>
-    <p:sldId id="376" r:id="rId13"/>
-    <p:sldId id="374" r:id="rId14"/>
-    <p:sldId id="375" r:id="rId15"/>
-    <p:sldId id="378" r:id="rId16"/>
-    <p:sldId id="380" r:id="rId17"/>
-    <p:sldId id="390" r:id="rId18"/>
-    <p:sldId id="368" r:id="rId19"/>
-    <p:sldId id="391" r:id="rId20"/>
-    <p:sldId id="393" r:id="rId21"/>
-    <p:sldId id="386" r:id="rId22"/>
-    <p:sldId id="388" r:id="rId23"/>
+    <p:sldId id="379" r:id="rId11"/>
+    <p:sldId id="376" r:id="rId12"/>
+    <p:sldId id="374" r:id="rId13"/>
+    <p:sldId id="375" r:id="rId14"/>
+    <p:sldId id="378" r:id="rId15"/>
+    <p:sldId id="380" r:id="rId16"/>
+    <p:sldId id="390" r:id="rId17"/>
+    <p:sldId id="368" r:id="rId18"/>
+    <p:sldId id="391" r:id="rId19"/>
+    <p:sldId id="393" r:id="rId20"/>
+    <p:sldId id="386" r:id="rId21"/>
+    <p:sldId id="388" r:id="rId22"/>
   </p:sldIdLst>
   <p:sldSz cx="12192000" cy="6858000"/>
   <p:notesSz cx="6805613" cy="9939338"/>
@@ -137,7 +136,6 @@
             <p14:sldId id="336"/>
             <p14:sldId id="373"/>
             <p14:sldId id="377"/>
-            <p14:sldId id="392"/>
             <p14:sldId id="379"/>
             <p14:sldId id="376"/>
             <p14:sldId id="374"/>
@@ -231,6 +229,14 @@
   <p:cmAuthor id="0" name="Shay" initials="" lastIdx="0" clrIdx="0"/>
   <p:cmAuthor id="1" name="Shay" initials="S" lastIdx="1" clrIdx="1"/>
 </p:cmAuthorLst>
+</file>
+
+<file path=ppt/revisionInfo.xml><?xml version="1.0" encoding="utf-8"?>
+<p1510:revInfo xmlns:a="http://schemas.openxmlformats.org/drawingml/2006/main" xmlns:r="http://schemas.openxmlformats.org/officeDocument/2006/relationships" xmlns:p1510="http://schemas.microsoft.com/office/powerpoint/2015/10/main">
+  <p1510:revLst>
+    <p1510:client id="{D55567D9-7E1C-3D48-ACA1-49C59B22B5F5}" v="86" dt="2023-03-30T21:41:22.409"/>
+  </p1510:revLst>
+</p1510:revInfo>
 </file>
 
 <file path=ppt/diagrams/colors1.xml><?xml version="1.0" encoding="utf-8"?>
@@ -1131,138 +1137,6 @@
         </a:p>
       </dgm:t>
     </dgm:pt>
-    <dgm:pt modelId="{62F061ED-0E3C-4EDF-8E6C-427908B20236}">
-      <dgm:prSet phldrT="[Text]" custT="1"/>
-      <dgm:spPr>
-        <a:solidFill>
-          <a:srgbClr val="E9F5FE"/>
-        </a:solidFill>
-      </dgm:spPr>
-      <dgm:t>
-        <a:bodyPr/>
-        <a:lstStyle/>
-        <a:p>
-          <a:r>
-            <a:rPr lang="en-US" sz="2000" dirty="0">
-              <a:solidFill>
-                <a:srgbClr val="007DBA"/>
-              </a:solidFill>
-            </a:rPr>
-            <a:t>Financial hardship labelled</a:t>
-          </a:r>
-        </a:p>
-      </dgm:t>
-    </dgm:pt>
-    <dgm:pt modelId="{73F8C55F-05E9-47DE-B111-A559160B2825}" type="parTrans" cxnId="{8AD808F6-7A42-4965-A375-B4E263A5FB05}">
-      <dgm:prSet/>
-      <dgm:spPr/>
-      <dgm:t>
-        <a:bodyPr/>
-        <a:lstStyle/>
-        <a:p>
-          <a:endParaRPr lang="en-US"/>
-        </a:p>
-      </dgm:t>
-    </dgm:pt>
-    <dgm:pt modelId="{B400B4BC-1C94-465F-9A34-B2C8C58FCB55}" type="sibTrans" cxnId="{8AD808F6-7A42-4965-A375-B4E263A5FB05}">
-      <dgm:prSet/>
-      <dgm:spPr/>
-      <dgm:t>
-        <a:bodyPr/>
-        <a:lstStyle/>
-        <a:p>
-          <a:endParaRPr lang="en-US"/>
-        </a:p>
-      </dgm:t>
-    </dgm:pt>
-    <dgm:pt modelId="{1C9E09E3-9A8B-4C6B-9D68-9C06D57AB84F}">
-      <dgm:prSet phldrT="[Text]" custT="1"/>
-      <dgm:spPr>
-        <a:solidFill>
-          <a:srgbClr val="E9F5FE"/>
-        </a:solidFill>
-      </dgm:spPr>
-      <dgm:t>
-        <a:bodyPr/>
-        <a:lstStyle/>
-        <a:p>
-          <a:r>
-            <a:rPr lang="en-US" sz="2000" dirty="0">
-              <a:solidFill>
-                <a:srgbClr val="007DBA"/>
-              </a:solidFill>
-            </a:rPr>
-            <a:t>Expense categories credit</a:t>
-          </a:r>
-        </a:p>
-      </dgm:t>
-    </dgm:pt>
-    <dgm:pt modelId="{CD061890-CC03-4D79-9026-8554153140F1}" type="parTrans" cxnId="{A64D17F8-5691-4E32-BBC6-D12BAA7F4EFE}">
-      <dgm:prSet/>
-      <dgm:spPr/>
-      <dgm:t>
-        <a:bodyPr/>
-        <a:lstStyle/>
-        <a:p>
-          <a:endParaRPr lang="en-US"/>
-        </a:p>
-      </dgm:t>
-    </dgm:pt>
-    <dgm:pt modelId="{18273008-C41D-4586-BDA5-F0BB8637487C}" type="sibTrans" cxnId="{A64D17F8-5691-4E32-BBC6-D12BAA7F4EFE}">
-      <dgm:prSet/>
-      <dgm:spPr/>
-      <dgm:t>
-        <a:bodyPr/>
-        <a:lstStyle/>
-        <a:p>
-          <a:endParaRPr lang="en-US"/>
-        </a:p>
-      </dgm:t>
-    </dgm:pt>
-    <dgm:pt modelId="{8479338A-A427-4313-921C-548EF7F18736}">
-      <dgm:prSet phldrT="[Text]" custT="1"/>
-      <dgm:spPr>
-        <a:solidFill>
-          <a:srgbClr val="E9F5FE"/>
-        </a:solidFill>
-      </dgm:spPr>
-      <dgm:t>
-        <a:bodyPr/>
-        <a:lstStyle/>
-        <a:p>
-          <a:r>
-            <a:rPr lang="en-US" sz="2000" dirty="0">
-              <a:solidFill>
-                <a:srgbClr val="007DBA"/>
-              </a:solidFill>
-            </a:rPr>
-            <a:t>Expense categories debit</a:t>
-          </a:r>
-        </a:p>
-      </dgm:t>
-    </dgm:pt>
-    <dgm:pt modelId="{34B86BF1-A72E-41DF-AFD1-542C6026E42B}" type="parTrans" cxnId="{32B3E9C8-FADD-4789-99BD-C18F2ADA6968}">
-      <dgm:prSet/>
-      <dgm:spPr/>
-      <dgm:t>
-        <a:bodyPr/>
-        <a:lstStyle/>
-        <a:p>
-          <a:endParaRPr lang="en-US"/>
-        </a:p>
-      </dgm:t>
-    </dgm:pt>
-    <dgm:pt modelId="{F833F92B-4385-47F6-AE84-73CED4DB6A66}" type="sibTrans" cxnId="{32B3E9C8-FADD-4789-99BD-C18F2ADA6968}">
-      <dgm:prSet/>
-      <dgm:spPr/>
-      <dgm:t>
-        <a:bodyPr/>
-        <a:lstStyle/>
-        <a:p>
-          <a:endParaRPr lang="en-US"/>
-        </a:p>
-      </dgm:t>
-    </dgm:pt>
     <dgm:pt modelId="{A83F08B2-66DD-4562-B72E-AE8D844478CB}" type="pres">
       <dgm:prSet presAssocID="{20422956-1C7D-4FFD-AA39-D223AB80D9DE}" presName="linear" presStyleCnt="0">
         <dgm:presLayoutVars>
@@ -1273,7 +1147,7 @@
       <dgm:spPr/>
     </dgm:pt>
     <dgm:pt modelId="{4184AF32-7D86-471B-80AA-A44BD377FA01}" type="pres">
-      <dgm:prSet presAssocID="{CEBBE3A1-2D67-47FD-ACE3-FB09DA9E4444}" presName="parentText" presStyleLbl="node1" presStyleIdx="0" presStyleCnt="6" custLinFactNeighborX="71522" custLinFactNeighborY="-1474">
+      <dgm:prSet presAssocID="{CEBBE3A1-2D67-47FD-ACE3-FB09DA9E4444}" presName="parentText" presStyleLbl="node1" presStyleIdx="0" presStyleCnt="3" custLinFactNeighborX="71522" custLinFactNeighborY="-1474">
         <dgm:presLayoutVars>
           <dgm:chMax val="0"/>
           <dgm:bulletEnabled val="1"/>
@@ -1286,7 +1160,7 @@
       <dgm:spPr/>
     </dgm:pt>
     <dgm:pt modelId="{22DA6EBD-A47B-4AD4-B346-FA96B1D03997}" type="pres">
-      <dgm:prSet presAssocID="{07344FE9-A9E8-4149-B193-C1DCE8C046A7}" presName="parentText" presStyleLbl="node1" presStyleIdx="1" presStyleCnt="6">
+      <dgm:prSet presAssocID="{07344FE9-A9E8-4149-B193-C1DCE8C046A7}" presName="parentText" presStyleLbl="node1" presStyleIdx="1" presStyleCnt="3">
         <dgm:presLayoutVars>
           <dgm:chMax val="0"/>
           <dgm:bulletEnabled val="1"/>
@@ -1299,46 +1173,7 @@
       <dgm:spPr/>
     </dgm:pt>
     <dgm:pt modelId="{BCBE6F3B-8C5D-4F8A-B6E2-1A934321DF77}" type="pres">
-      <dgm:prSet presAssocID="{3E05F140-E30D-4DA9-A6F7-6D95BE9E7F91}" presName="parentText" presStyleLbl="node1" presStyleIdx="2" presStyleCnt="6" custLinFactNeighborX="-1620" custLinFactNeighborY="-1762">
-        <dgm:presLayoutVars>
-          <dgm:chMax val="0"/>
-          <dgm:bulletEnabled val="1"/>
-        </dgm:presLayoutVars>
-      </dgm:prSet>
-      <dgm:spPr/>
-    </dgm:pt>
-    <dgm:pt modelId="{49C27D17-68EE-4A04-9529-BA62D5CB1115}" type="pres">
-      <dgm:prSet presAssocID="{79DC2456-F977-4990-ACF8-6ECCBEB50241}" presName="spacer" presStyleCnt="0"/>
-      <dgm:spPr/>
-    </dgm:pt>
-    <dgm:pt modelId="{FBEF76C0-5E14-4015-A3B2-5BC6DA8E1226}" type="pres">
-      <dgm:prSet presAssocID="{1C9E09E3-9A8B-4C6B-9D68-9C06D57AB84F}" presName="parentText" presStyleLbl="node1" presStyleIdx="3" presStyleCnt="6">
-        <dgm:presLayoutVars>
-          <dgm:chMax val="0"/>
-          <dgm:bulletEnabled val="1"/>
-        </dgm:presLayoutVars>
-      </dgm:prSet>
-      <dgm:spPr/>
-    </dgm:pt>
-    <dgm:pt modelId="{C781466B-1275-4630-93BB-8C40E488DC69}" type="pres">
-      <dgm:prSet presAssocID="{18273008-C41D-4586-BDA5-F0BB8637487C}" presName="spacer" presStyleCnt="0"/>
-      <dgm:spPr/>
-    </dgm:pt>
-    <dgm:pt modelId="{1B5215C3-E1B8-4B9F-B2CE-1E3B973EC77C}" type="pres">
-      <dgm:prSet presAssocID="{8479338A-A427-4313-921C-548EF7F18736}" presName="parentText" presStyleLbl="node1" presStyleIdx="4" presStyleCnt="6">
-        <dgm:presLayoutVars>
-          <dgm:chMax val="0"/>
-          <dgm:bulletEnabled val="1"/>
-        </dgm:presLayoutVars>
-      </dgm:prSet>
-      <dgm:spPr/>
-    </dgm:pt>
-    <dgm:pt modelId="{E51441AC-4D50-4C45-B413-0DE31628A813}" type="pres">
-      <dgm:prSet presAssocID="{F833F92B-4385-47F6-AE84-73CED4DB6A66}" presName="spacer" presStyleCnt="0"/>
-      <dgm:spPr/>
-    </dgm:pt>
-    <dgm:pt modelId="{40B5DAA4-F324-4988-97E6-FB87B4446D0E}" type="pres">
-      <dgm:prSet presAssocID="{62F061ED-0E3C-4EDF-8E6C-427908B20236}" presName="parentText" presStyleLbl="node1" presStyleIdx="5" presStyleCnt="6">
+      <dgm:prSet presAssocID="{3E05F140-E30D-4DA9-A6F7-6D95BE9E7F91}" presName="parentText" presStyleLbl="node1" presStyleIdx="2" presStyleCnt="3" custLinFactNeighborX="-1620" custLinFactNeighborY="-1762">
         <dgm:presLayoutVars>
           <dgm:chMax val="0"/>
           <dgm:bulletEnabled val="1"/>
@@ -1348,30 +1183,18 @@
     </dgm:pt>
   </dgm:ptLst>
   <dgm:cxnLst>
-    <dgm:cxn modelId="{4B02A611-4725-4C08-8EDC-B857D103C755}" type="presOf" srcId="{8479338A-A427-4313-921C-548EF7F18736}" destId="{1B5215C3-E1B8-4B9F-B2CE-1E3B973EC77C}" srcOrd="0" destOrd="0" presId="urn:microsoft.com/office/officeart/2005/8/layout/vList2"/>
     <dgm:cxn modelId="{1617FC49-D562-44F8-8737-17910D869DD6}" type="presOf" srcId="{CEBBE3A1-2D67-47FD-ACE3-FB09DA9E4444}" destId="{4184AF32-7D86-471B-80AA-A44BD377FA01}" srcOrd="0" destOrd="0" presId="urn:microsoft.com/office/officeart/2005/8/layout/vList2"/>
-    <dgm:cxn modelId="{57DBC57C-8DD5-47EB-BDE0-B15BC6F7B329}" type="presOf" srcId="{62F061ED-0E3C-4EDF-8E6C-427908B20236}" destId="{40B5DAA4-F324-4988-97E6-FB87B4446D0E}" srcOrd="0" destOrd="0" presId="urn:microsoft.com/office/officeart/2005/8/layout/vList2"/>
     <dgm:cxn modelId="{70A1DC81-F312-4DFA-99E8-464A2F028F52}" srcId="{20422956-1C7D-4FFD-AA39-D223AB80D9DE}" destId="{07344FE9-A9E8-4149-B193-C1DCE8C046A7}" srcOrd="1" destOrd="0" parTransId="{BCEF0806-3FE8-47E3-806E-DB177E043BC9}" sibTransId="{7FEE291B-2F25-4095-A0B2-39AF482A441D}"/>
     <dgm:cxn modelId="{952A01B0-1A91-4E4B-ADA9-2FEFE696C428}" type="presOf" srcId="{20422956-1C7D-4FFD-AA39-D223AB80D9DE}" destId="{A83F08B2-66DD-4562-B72E-AE8D844478CB}" srcOrd="0" destOrd="0" presId="urn:microsoft.com/office/officeart/2005/8/layout/vList2"/>
     <dgm:cxn modelId="{DBCC6FBB-45C4-4F3E-8757-AB7BCDF63AE8}" type="presOf" srcId="{3E05F140-E30D-4DA9-A6F7-6D95BE9E7F91}" destId="{BCBE6F3B-8C5D-4F8A-B6E2-1A934321DF77}" srcOrd="0" destOrd="0" presId="urn:microsoft.com/office/officeart/2005/8/layout/vList2"/>
-    <dgm:cxn modelId="{32B3E9C8-FADD-4789-99BD-C18F2ADA6968}" srcId="{20422956-1C7D-4FFD-AA39-D223AB80D9DE}" destId="{8479338A-A427-4313-921C-548EF7F18736}" srcOrd="4" destOrd="0" parTransId="{34B86BF1-A72E-41DF-AFD1-542C6026E42B}" sibTransId="{F833F92B-4385-47F6-AE84-73CED4DB6A66}"/>
     <dgm:cxn modelId="{339C80CA-B556-421E-8E75-0DEA97DDEACA}" srcId="{20422956-1C7D-4FFD-AA39-D223AB80D9DE}" destId="{CEBBE3A1-2D67-47FD-ACE3-FB09DA9E4444}" srcOrd="0" destOrd="0" parTransId="{556182E9-8AB1-4753-9E97-E0044E17627A}" sibTransId="{B3AB09CC-A3D3-4FF7-AC12-3B255A8C08AF}"/>
-    <dgm:cxn modelId="{FA26A3CE-ED2D-48BE-A5BE-55ED3E092143}" type="presOf" srcId="{1C9E09E3-9A8B-4C6B-9D68-9C06D57AB84F}" destId="{FBEF76C0-5E14-4015-A3B2-5BC6DA8E1226}" srcOrd="0" destOrd="0" presId="urn:microsoft.com/office/officeart/2005/8/layout/vList2"/>
     <dgm:cxn modelId="{45BF38E0-01DF-41D2-80ED-D4D230E9E92E}" srcId="{20422956-1C7D-4FFD-AA39-D223AB80D9DE}" destId="{3E05F140-E30D-4DA9-A6F7-6D95BE9E7F91}" srcOrd="2" destOrd="0" parTransId="{8C00C3BD-05F2-43EF-B467-D37FD296FDDD}" sibTransId="{79DC2456-F977-4990-ACF8-6ECCBEB50241}"/>
-    <dgm:cxn modelId="{8AD808F6-7A42-4965-A375-B4E263A5FB05}" srcId="{20422956-1C7D-4FFD-AA39-D223AB80D9DE}" destId="{62F061ED-0E3C-4EDF-8E6C-427908B20236}" srcOrd="5" destOrd="0" parTransId="{73F8C55F-05E9-47DE-B111-A559160B2825}" sibTransId="{B400B4BC-1C94-465F-9A34-B2C8C58FCB55}"/>
-    <dgm:cxn modelId="{A64D17F8-5691-4E32-BBC6-D12BAA7F4EFE}" srcId="{20422956-1C7D-4FFD-AA39-D223AB80D9DE}" destId="{1C9E09E3-9A8B-4C6B-9D68-9C06D57AB84F}" srcOrd="3" destOrd="0" parTransId="{CD061890-CC03-4D79-9026-8554153140F1}" sibTransId="{18273008-C41D-4586-BDA5-F0BB8637487C}"/>
     <dgm:cxn modelId="{A485F2FB-D622-4866-A878-55B76B2CAAC4}" type="presOf" srcId="{07344FE9-A9E8-4149-B193-C1DCE8C046A7}" destId="{22DA6EBD-A47B-4AD4-B346-FA96B1D03997}" srcOrd="0" destOrd="0" presId="urn:microsoft.com/office/officeart/2005/8/layout/vList2"/>
     <dgm:cxn modelId="{5051B890-2D04-4F8D-B3E6-FC843AA442B7}" type="presParOf" srcId="{A83F08B2-66DD-4562-B72E-AE8D844478CB}" destId="{4184AF32-7D86-471B-80AA-A44BD377FA01}" srcOrd="0" destOrd="0" presId="urn:microsoft.com/office/officeart/2005/8/layout/vList2"/>
     <dgm:cxn modelId="{89BE2143-B8F6-4FBF-AF39-92A25BB512B9}" type="presParOf" srcId="{A83F08B2-66DD-4562-B72E-AE8D844478CB}" destId="{BA7BD2DC-CAB4-4B57-BD2D-19546CF29507}" srcOrd="1" destOrd="0" presId="urn:microsoft.com/office/officeart/2005/8/layout/vList2"/>
     <dgm:cxn modelId="{00886FBF-589A-4679-A067-DD2E488194DB}" type="presParOf" srcId="{A83F08B2-66DD-4562-B72E-AE8D844478CB}" destId="{22DA6EBD-A47B-4AD4-B346-FA96B1D03997}" srcOrd="2" destOrd="0" presId="urn:microsoft.com/office/officeart/2005/8/layout/vList2"/>
     <dgm:cxn modelId="{BBDDF23A-E8F3-4C68-8A47-FD0AC9F12256}" type="presParOf" srcId="{A83F08B2-66DD-4562-B72E-AE8D844478CB}" destId="{1FE2FBC6-1662-424C-BCEE-E89C48629832}" srcOrd="3" destOrd="0" presId="urn:microsoft.com/office/officeart/2005/8/layout/vList2"/>
     <dgm:cxn modelId="{FEAFE113-299A-4EAF-A260-AA75737E95B8}" type="presParOf" srcId="{A83F08B2-66DD-4562-B72E-AE8D844478CB}" destId="{BCBE6F3B-8C5D-4F8A-B6E2-1A934321DF77}" srcOrd="4" destOrd="0" presId="urn:microsoft.com/office/officeart/2005/8/layout/vList2"/>
-    <dgm:cxn modelId="{7D2DC95B-6A81-4754-B1C7-11670F2E679D}" type="presParOf" srcId="{A83F08B2-66DD-4562-B72E-AE8D844478CB}" destId="{49C27D17-68EE-4A04-9529-BA62D5CB1115}" srcOrd="5" destOrd="0" presId="urn:microsoft.com/office/officeart/2005/8/layout/vList2"/>
-    <dgm:cxn modelId="{B932DC16-391C-4B9C-B83F-B5C91206EAD7}" type="presParOf" srcId="{A83F08B2-66DD-4562-B72E-AE8D844478CB}" destId="{FBEF76C0-5E14-4015-A3B2-5BC6DA8E1226}" srcOrd="6" destOrd="0" presId="urn:microsoft.com/office/officeart/2005/8/layout/vList2"/>
-    <dgm:cxn modelId="{862D472E-1F8E-4D79-8B19-2DEA98FADAB9}" type="presParOf" srcId="{A83F08B2-66DD-4562-B72E-AE8D844478CB}" destId="{C781466B-1275-4630-93BB-8C40E488DC69}" srcOrd="7" destOrd="0" presId="urn:microsoft.com/office/officeart/2005/8/layout/vList2"/>
-    <dgm:cxn modelId="{DE7C3096-0F31-410B-AFA3-E94E97D4400A}" type="presParOf" srcId="{A83F08B2-66DD-4562-B72E-AE8D844478CB}" destId="{1B5215C3-E1B8-4B9F-B2CE-1E3B973EC77C}" srcOrd="8" destOrd="0" presId="urn:microsoft.com/office/officeart/2005/8/layout/vList2"/>
-    <dgm:cxn modelId="{CB45B8EC-8518-41BD-BBE0-E2B0F0ED77E7}" type="presParOf" srcId="{A83F08B2-66DD-4562-B72E-AE8D844478CB}" destId="{E51441AC-4D50-4C45-B413-0DE31628A813}" srcOrd="9" destOrd="0" presId="urn:microsoft.com/office/officeart/2005/8/layout/vList2"/>
-    <dgm:cxn modelId="{91C95272-BAF3-44D5-AD8F-31D5EE69EEE4}" type="presParOf" srcId="{A83F08B2-66DD-4562-B72E-AE8D844478CB}" destId="{40B5DAA4-F324-4988-97E6-FB87B4446D0E}" srcOrd="10" destOrd="0" presId="urn:microsoft.com/office/officeart/2005/8/layout/vList2"/>
   </dgm:cxnLst>
   <dgm:bg/>
   <dgm:whole/>
@@ -1398,8 +1221,8 @@
       </dsp:nvSpPr>
       <dsp:spPr>
         <a:xfrm>
-          <a:off x="0" y="45846"/>
-          <a:ext cx="5794807" cy="561600"/>
+          <a:off x="0" y="25768"/>
+          <a:ext cx="5270547" cy="1160640"/>
         </a:xfrm>
         <a:prstGeom prst="roundRect">
           <a:avLst/>
@@ -1463,8 +1286,8 @@
         </a:p>
       </dsp:txBody>
       <dsp:txXfrm>
-        <a:off x="27415" y="73261"/>
-        <a:ext cx="5739977" cy="506770"/>
+        <a:off x="56658" y="82426"/>
+        <a:ext cx="5157231" cy="1047324"/>
       </dsp:txXfrm>
     </dsp:sp>
     <dsp:sp modelId="{22DA6EBD-A47B-4AD4-B346-FA96B1D03997}">
@@ -1474,8 +1297,8 @@
       </dsp:nvSpPr>
       <dsp:spPr>
         <a:xfrm>
-          <a:off x="0" y="695120"/>
-          <a:ext cx="5794807" cy="561600"/>
+          <a:off x="0" y="1367600"/>
+          <a:ext cx="5270547" cy="1160640"/>
         </a:xfrm>
         <a:prstGeom prst="roundRect">
           <a:avLst/>
@@ -1544,8 +1367,8 @@
         </a:p>
       </dsp:txBody>
       <dsp:txXfrm>
-        <a:off x="27415" y="722535"/>
-        <a:ext cx="5739977" cy="506770"/>
+        <a:off x="56658" y="1424258"/>
+        <a:ext cx="5157231" cy="1047324"/>
       </dsp:txXfrm>
     </dsp:sp>
     <dsp:sp modelId="{BCBE6F3B-8C5D-4F8A-B6E2-1A934321DF77}">
@@ -1555,8 +1378,8 @@
       </dsp:nvSpPr>
       <dsp:spPr>
         <a:xfrm>
-          <a:off x="0" y="1341598"/>
-          <a:ext cx="5794807" cy="561600"/>
+          <a:off x="0" y="2703654"/>
+          <a:ext cx="5270547" cy="1160640"/>
         </a:xfrm>
         <a:prstGeom prst="roundRect">
           <a:avLst/>
@@ -1620,236 +1443,8 @@
         </a:p>
       </dsp:txBody>
       <dsp:txXfrm>
-        <a:off x="27415" y="1369013"/>
-        <a:ext cx="5739977" cy="506770"/>
-      </dsp:txXfrm>
-    </dsp:sp>
-    <dsp:sp modelId="{FBEF76C0-5E14-4015-A3B2-5BC6DA8E1226}">
-      <dsp:nvSpPr>
-        <dsp:cNvPr id="0" name=""/>
-        <dsp:cNvSpPr/>
-      </dsp:nvSpPr>
-      <dsp:spPr>
-        <a:xfrm>
-          <a:off x="0" y="1991120"/>
-          <a:ext cx="5794807" cy="561600"/>
-        </a:xfrm>
-        <a:prstGeom prst="roundRect">
-          <a:avLst/>
-        </a:prstGeom>
-        <a:solidFill>
-          <a:srgbClr val="E9F5FE"/>
-        </a:solidFill>
-        <a:ln w="25400" cap="flat" cmpd="sng" algn="ctr">
-          <a:solidFill>
-            <a:schemeClr val="lt1">
-              <a:hueOff val="0"/>
-              <a:satOff val="0"/>
-              <a:lumOff val="0"/>
-              <a:alphaOff val="0"/>
-            </a:schemeClr>
-          </a:solidFill>
-          <a:prstDash val="solid"/>
-        </a:ln>
-        <a:effectLst/>
-      </dsp:spPr>
-      <dsp:style>
-        <a:lnRef idx="2">
-          <a:scrgbClr r="0" g="0" b="0"/>
-        </a:lnRef>
-        <a:fillRef idx="1">
-          <a:scrgbClr r="0" g="0" b="0"/>
-        </a:fillRef>
-        <a:effectRef idx="0">
-          <a:scrgbClr r="0" g="0" b="0"/>
-        </a:effectRef>
-        <a:fontRef idx="minor">
-          <a:schemeClr val="lt1"/>
-        </a:fontRef>
-      </dsp:style>
-      <dsp:txBody>
-        <a:bodyPr spcFirstLastPara="0" vert="horz" wrap="square" lIns="76200" tIns="76200" rIns="76200" bIns="76200" numCol="1" spcCol="1270" anchor="ctr" anchorCtr="0">
-          <a:noAutofit/>
-        </a:bodyPr>
-        <a:lstStyle/>
-        <a:p>
-          <a:pPr marL="0" lvl="0" indent="0" algn="l" defTabSz="889000">
-            <a:lnSpc>
-              <a:spcPct val="90000"/>
-            </a:lnSpc>
-            <a:spcBef>
-              <a:spcPct val="0"/>
-            </a:spcBef>
-            <a:spcAft>
-              <a:spcPct val="35000"/>
-            </a:spcAft>
-            <a:buNone/>
-          </a:pPr>
-          <a:r>
-            <a:rPr lang="en-US" sz="2000" kern="1200" dirty="0">
-              <a:solidFill>
-                <a:srgbClr val="007DBA"/>
-              </a:solidFill>
-            </a:rPr>
-            <a:t>Expense categories credit</a:t>
-          </a:r>
-        </a:p>
-      </dsp:txBody>
-      <dsp:txXfrm>
-        <a:off x="27415" y="2018535"/>
-        <a:ext cx="5739977" cy="506770"/>
-      </dsp:txXfrm>
-    </dsp:sp>
-    <dsp:sp modelId="{1B5215C3-E1B8-4B9F-B2CE-1E3B973EC77C}">
-      <dsp:nvSpPr>
-        <dsp:cNvPr id="0" name=""/>
-        <dsp:cNvSpPr/>
-      </dsp:nvSpPr>
-      <dsp:spPr>
-        <a:xfrm>
-          <a:off x="0" y="2639120"/>
-          <a:ext cx="5794807" cy="561600"/>
-        </a:xfrm>
-        <a:prstGeom prst="roundRect">
-          <a:avLst/>
-        </a:prstGeom>
-        <a:solidFill>
-          <a:srgbClr val="E9F5FE"/>
-        </a:solidFill>
-        <a:ln w="25400" cap="flat" cmpd="sng" algn="ctr">
-          <a:solidFill>
-            <a:schemeClr val="lt1">
-              <a:hueOff val="0"/>
-              <a:satOff val="0"/>
-              <a:lumOff val="0"/>
-              <a:alphaOff val="0"/>
-            </a:schemeClr>
-          </a:solidFill>
-          <a:prstDash val="solid"/>
-        </a:ln>
-        <a:effectLst/>
-      </dsp:spPr>
-      <dsp:style>
-        <a:lnRef idx="2">
-          <a:scrgbClr r="0" g="0" b="0"/>
-        </a:lnRef>
-        <a:fillRef idx="1">
-          <a:scrgbClr r="0" g="0" b="0"/>
-        </a:fillRef>
-        <a:effectRef idx="0">
-          <a:scrgbClr r="0" g="0" b="0"/>
-        </a:effectRef>
-        <a:fontRef idx="minor">
-          <a:schemeClr val="lt1"/>
-        </a:fontRef>
-      </dsp:style>
-      <dsp:txBody>
-        <a:bodyPr spcFirstLastPara="0" vert="horz" wrap="square" lIns="76200" tIns="76200" rIns="76200" bIns="76200" numCol="1" spcCol="1270" anchor="ctr" anchorCtr="0">
-          <a:noAutofit/>
-        </a:bodyPr>
-        <a:lstStyle/>
-        <a:p>
-          <a:pPr marL="0" lvl="0" indent="0" algn="l" defTabSz="889000">
-            <a:lnSpc>
-              <a:spcPct val="90000"/>
-            </a:lnSpc>
-            <a:spcBef>
-              <a:spcPct val="0"/>
-            </a:spcBef>
-            <a:spcAft>
-              <a:spcPct val="35000"/>
-            </a:spcAft>
-            <a:buNone/>
-          </a:pPr>
-          <a:r>
-            <a:rPr lang="en-US" sz="2000" kern="1200" dirty="0">
-              <a:solidFill>
-                <a:srgbClr val="007DBA"/>
-              </a:solidFill>
-            </a:rPr>
-            <a:t>Expense categories debit</a:t>
-          </a:r>
-        </a:p>
-      </dsp:txBody>
-      <dsp:txXfrm>
-        <a:off x="27415" y="2666535"/>
-        <a:ext cx="5739977" cy="506770"/>
-      </dsp:txXfrm>
-    </dsp:sp>
-    <dsp:sp modelId="{40B5DAA4-F324-4988-97E6-FB87B4446D0E}">
-      <dsp:nvSpPr>
-        <dsp:cNvPr id="0" name=""/>
-        <dsp:cNvSpPr/>
-      </dsp:nvSpPr>
-      <dsp:spPr>
-        <a:xfrm>
-          <a:off x="0" y="3287120"/>
-          <a:ext cx="5794807" cy="561600"/>
-        </a:xfrm>
-        <a:prstGeom prst="roundRect">
-          <a:avLst/>
-        </a:prstGeom>
-        <a:solidFill>
-          <a:srgbClr val="E9F5FE"/>
-        </a:solidFill>
-        <a:ln w="25400" cap="flat" cmpd="sng" algn="ctr">
-          <a:solidFill>
-            <a:schemeClr val="lt1">
-              <a:hueOff val="0"/>
-              <a:satOff val="0"/>
-              <a:lumOff val="0"/>
-              <a:alphaOff val="0"/>
-            </a:schemeClr>
-          </a:solidFill>
-          <a:prstDash val="solid"/>
-        </a:ln>
-        <a:effectLst/>
-      </dsp:spPr>
-      <dsp:style>
-        <a:lnRef idx="2">
-          <a:scrgbClr r="0" g="0" b="0"/>
-        </a:lnRef>
-        <a:fillRef idx="1">
-          <a:scrgbClr r="0" g="0" b="0"/>
-        </a:fillRef>
-        <a:effectRef idx="0">
-          <a:scrgbClr r="0" g="0" b="0"/>
-        </a:effectRef>
-        <a:fontRef idx="minor">
-          <a:schemeClr val="lt1"/>
-        </a:fontRef>
-      </dsp:style>
-      <dsp:txBody>
-        <a:bodyPr spcFirstLastPara="0" vert="horz" wrap="square" lIns="76200" tIns="76200" rIns="76200" bIns="76200" numCol="1" spcCol="1270" anchor="ctr" anchorCtr="0">
-          <a:noAutofit/>
-        </a:bodyPr>
-        <a:lstStyle/>
-        <a:p>
-          <a:pPr marL="0" lvl="0" indent="0" algn="l" defTabSz="889000">
-            <a:lnSpc>
-              <a:spcPct val="90000"/>
-            </a:lnSpc>
-            <a:spcBef>
-              <a:spcPct val="0"/>
-            </a:spcBef>
-            <a:spcAft>
-              <a:spcPct val="35000"/>
-            </a:spcAft>
-            <a:buNone/>
-          </a:pPr>
-          <a:r>
-            <a:rPr lang="en-US" sz="2000" kern="1200" dirty="0">
-              <a:solidFill>
-                <a:srgbClr val="007DBA"/>
-              </a:solidFill>
-            </a:rPr>
-            <a:t>Financial hardship labelled</a:t>
-          </a:r>
-        </a:p>
-      </dsp:txBody>
-      <dsp:txXfrm>
-        <a:off x="27415" y="3314535"/>
-        <a:ext cx="5739977" cy="506770"/>
+        <a:off x="56658" y="2760312"/>
+        <a:ext cx="5157231" cy="1047324"/>
       </dsp:txXfrm>
     </dsp:sp>
   </dsp:spTree>
@@ -3139,7 +2734,7 @@
               <a:rPr lang="en-AU" sz="1100">
                 <a:cs typeface="Arial" pitchFamily="34" charset="0"/>
               </a:rPr>
-              <a:t>30/3/2023</a:t>
+              <a:t>31/3/2023</a:t>
             </a:fld>
             <a:endParaRPr lang="en-AU" sz="1100" dirty="0">
               <a:cs typeface="Arial" pitchFamily="34" charset="0"/>
@@ -3317,7 +2912,7 @@
             <a:fld id="{9BB1C32A-CF46-409D-8B8D-587A7E3A4DCC}" type="datetimeFigureOut">
               <a:rPr lang="en-AU" smtClean="0"/>
               <a:pPr/>
-              <a:t>30/3/2023</a:t>
+              <a:t>31/3/2023</a:t>
             </a:fld>
             <a:endParaRPr lang="en-AU" dirty="0"/>
           </a:p>
@@ -3735,10 +3330,7 @@
           <a:bodyPr/>
           <a:lstStyle/>
           <a:p>
-            <a:r>
-              <a:rPr lang="en-AU" dirty="0"/>
-              <a:t>Number of features used in final table was xxx, and number </a:t>
-            </a:r>
+            <a:endParaRPr lang="en-AU"/>
           </a:p>
         </p:txBody>
       </p:sp>
@@ -3768,7 +3360,7 @@
     </p:spTree>
     <p:extLst>
       <p:ext uri="{BB962C8B-B14F-4D97-AF65-F5344CB8AC3E}">
-        <p14:creationId xmlns:p14="http://schemas.microsoft.com/office/powerpoint/2010/main" val="1140549731"/>
+        <p14:creationId xmlns:p14="http://schemas.microsoft.com/office/powerpoint/2010/main" val="2074962025"/>
       </p:ext>
     </p:extLst>
   </p:cSld>
@@ -3824,10 +3416,15 @@
         </p:nvSpPr>
         <p:spPr/>
         <p:txBody>
-          <a:bodyPr/>
+          <a:bodyPr>
+            <a:normAutofit/>
+          </a:bodyPr>
           <a:lstStyle/>
           <a:p>
-            <a:endParaRPr lang="en-AU"/>
+            <a:pPr marL="0" lvl="1" defTabSz="883310">
+              <a:defRPr/>
+            </a:pPr>
+            <a:endParaRPr lang="en-AU" dirty="0"/>
           </a:p>
         </p:txBody>
       </p:sp>
@@ -3846,8 +3443,9 @@
           <a:bodyPr/>
           <a:lstStyle/>
           <a:p>
-            <a:fld id="{0EF05BAA-92F6-4DEA-A832-E4B15A2F525C}" type="slidenum">
+            <a:fld id="{D5A593CC-2149-4E6C-BC3C-0044C280ECB2}" type="slidenum">
               <a:rPr lang="en-AU" smtClean="0"/>
+              <a:pPr/>
               <a:t>11</a:t>
             </a:fld>
             <a:endParaRPr lang="en-AU"/>
@@ -3857,7 +3455,7 @@
     </p:spTree>
     <p:extLst>
       <p:ext uri="{BB962C8B-B14F-4D97-AF65-F5344CB8AC3E}">
-        <p14:creationId xmlns:p14="http://schemas.microsoft.com/office/powerpoint/2010/main" val="2074962025"/>
+        <p14:creationId xmlns:p14="http://schemas.microsoft.com/office/powerpoint/2010/main" val="3072695433"/>
       </p:ext>
     </p:extLst>
   </p:cSld>
@@ -3913,15 +3511,10 @@
         </p:nvSpPr>
         <p:spPr/>
         <p:txBody>
-          <a:bodyPr>
-            <a:normAutofit/>
-          </a:bodyPr>
+          <a:bodyPr/>
           <a:lstStyle/>
           <a:p>
-            <a:pPr marL="0" lvl="1" defTabSz="883310">
-              <a:defRPr/>
-            </a:pPr>
-            <a:endParaRPr lang="en-AU" dirty="0"/>
+            <a:endParaRPr lang="en-AU"/>
           </a:p>
         </p:txBody>
       </p:sp>
@@ -3940,9 +3533,8 @@
           <a:bodyPr/>
           <a:lstStyle/>
           <a:p>
-            <a:fld id="{D5A593CC-2149-4E6C-BC3C-0044C280ECB2}" type="slidenum">
+            <a:fld id="{0EF05BAA-92F6-4DEA-A832-E4B15A2F525C}" type="slidenum">
               <a:rPr lang="en-AU" smtClean="0"/>
-              <a:pPr/>
               <a:t>12</a:t>
             </a:fld>
             <a:endParaRPr lang="en-AU"/>
@@ -3952,7 +3544,7 @@
     </p:spTree>
     <p:extLst>
       <p:ext uri="{BB962C8B-B14F-4D97-AF65-F5344CB8AC3E}">
-        <p14:creationId xmlns:p14="http://schemas.microsoft.com/office/powerpoint/2010/main" val="3072695433"/>
+        <p14:creationId xmlns:p14="http://schemas.microsoft.com/office/powerpoint/2010/main" val="2874957780"/>
       </p:ext>
     </p:extLst>
   </p:cSld>
@@ -3989,12 +3581,7 @@
             <p:ph type="sldImg"/>
           </p:nvPr>
         </p:nvSpPr>
-        <p:spPr>
-          <a:xfrm>
-            <a:off x="-590550" y="590550"/>
-            <a:ext cx="7978775" cy="4489450"/>
-          </a:xfrm>
-        </p:spPr>
+        <p:spPr/>
       </p:sp>
       <p:sp>
         <p:nvSpPr>
@@ -4011,7 +3598,7 @@
           <a:bodyPr/>
           <a:lstStyle/>
           <a:p>
-            <a:endParaRPr lang="en-AU"/>
+            <a:endParaRPr lang="en-NZ" dirty="0"/>
           </a:p>
         </p:txBody>
       </p:sp>
@@ -4030,8 +3617,9 @@
           <a:bodyPr/>
           <a:lstStyle/>
           <a:p>
-            <a:fld id="{0EF05BAA-92F6-4DEA-A832-E4B15A2F525C}" type="slidenum">
+            <a:fld id="{D5A593CC-2149-4E6C-BC3C-0044C280ECB2}" type="slidenum">
               <a:rPr lang="en-AU" smtClean="0"/>
+              <a:pPr/>
               <a:t>13</a:t>
             </a:fld>
             <a:endParaRPr lang="en-AU"/>
@@ -4041,7 +3629,7 @@
     </p:spTree>
     <p:extLst>
       <p:ext uri="{BB962C8B-B14F-4D97-AF65-F5344CB8AC3E}">
-        <p14:creationId xmlns:p14="http://schemas.microsoft.com/office/powerpoint/2010/main" val="2874957780"/>
+        <p14:creationId xmlns:p14="http://schemas.microsoft.com/office/powerpoint/2010/main" val="219146560"/>
       </p:ext>
     </p:extLst>
   </p:cSld>
@@ -4126,7 +3714,7 @@
     </p:spTree>
     <p:extLst>
       <p:ext uri="{BB962C8B-B14F-4D97-AF65-F5344CB8AC3E}">
-        <p14:creationId xmlns:p14="http://schemas.microsoft.com/office/powerpoint/2010/main" val="219146560"/>
+        <p14:creationId xmlns:p14="http://schemas.microsoft.com/office/powerpoint/2010/main" val="987687240"/>
       </p:ext>
     </p:extLst>
   </p:cSld>
@@ -4211,7 +3799,7 @@
     </p:spTree>
     <p:extLst>
       <p:ext uri="{BB962C8B-B14F-4D97-AF65-F5344CB8AC3E}">
-        <p14:creationId xmlns:p14="http://schemas.microsoft.com/office/powerpoint/2010/main" val="987687240"/>
+        <p14:creationId xmlns:p14="http://schemas.microsoft.com/office/powerpoint/2010/main" val="2579544856"/>
       </p:ext>
     </p:extLst>
   </p:cSld>
@@ -4248,91 +3836,6 @@
             <p:ph type="sldImg"/>
           </p:nvPr>
         </p:nvSpPr>
-        <p:spPr/>
-      </p:sp>
-      <p:sp>
-        <p:nvSpPr>
-          <p:cNvPr id="3" name="Notes Placeholder 2"/>
-          <p:cNvSpPr>
-            <a:spLocks noGrp="1"/>
-          </p:cNvSpPr>
-          <p:nvPr>
-            <p:ph type="body" idx="1"/>
-          </p:nvPr>
-        </p:nvSpPr>
-        <p:spPr/>
-        <p:txBody>
-          <a:bodyPr/>
-          <a:lstStyle/>
-          <a:p>
-            <a:endParaRPr lang="en-NZ" dirty="0"/>
-          </a:p>
-        </p:txBody>
-      </p:sp>
-      <p:sp>
-        <p:nvSpPr>
-          <p:cNvPr id="4" name="Slide Number Placeholder 3"/>
-          <p:cNvSpPr>
-            <a:spLocks noGrp="1"/>
-          </p:cNvSpPr>
-          <p:nvPr>
-            <p:ph type="sldNum" sz="quarter" idx="10"/>
-          </p:nvPr>
-        </p:nvSpPr>
-        <p:spPr/>
-        <p:txBody>
-          <a:bodyPr/>
-          <a:lstStyle/>
-          <a:p>
-            <a:fld id="{D5A593CC-2149-4E6C-BC3C-0044C280ECB2}" type="slidenum">
-              <a:rPr lang="en-AU" smtClean="0"/>
-              <a:pPr/>
-              <a:t>16</a:t>
-            </a:fld>
-            <a:endParaRPr lang="en-AU"/>
-          </a:p>
-        </p:txBody>
-      </p:sp>
-    </p:spTree>
-    <p:extLst>
-      <p:ext uri="{BB962C8B-B14F-4D97-AF65-F5344CB8AC3E}">
-        <p14:creationId xmlns:p14="http://schemas.microsoft.com/office/powerpoint/2010/main" val="2579544856"/>
-      </p:ext>
-    </p:extLst>
-  </p:cSld>
-  <p:clrMapOvr>
-    <a:masterClrMapping/>
-  </p:clrMapOvr>
-</p:notes>
-</file>
-
-<file path=ppt/notesSlides/notesSlide17.xml><?xml version="1.0" encoding="utf-8"?>
-<p:notes xmlns:a="http://schemas.openxmlformats.org/drawingml/2006/main" xmlns:r="http://schemas.openxmlformats.org/officeDocument/2006/relationships" xmlns:p="http://schemas.openxmlformats.org/presentationml/2006/main">
-  <p:cSld>
-    <p:spTree>
-      <p:nvGrpSpPr>
-        <p:cNvPr id="1" name=""/>
-        <p:cNvGrpSpPr/>
-        <p:nvPr/>
-      </p:nvGrpSpPr>
-      <p:grpSpPr>
-        <a:xfrm>
-          <a:off x="0" y="0"/>
-          <a:ext cx="0" cy="0"/>
-          <a:chOff x="0" y="0"/>
-          <a:chExt cx="0" cy="0"/>
-        </a:xfrm>
-      </p:grpSpPr>
-      <p:sp>
-        <p:nvSpPr>
-          <p:cNvPr id="2" name="Slide Image Placeholder 1"/>
-          <p:cNvSpPr>
-            <a:spLocks noGrp="1" noRot="1" noChangeAspect="1"/>
-          </p:cNvSpPr>
-          <p:nvPr>
-            <p:ph type="sldImg"/>
-          </p:nvPr>
-        </p:nvSpPr>
         <p:spPr>
           <a:xfrm>
             <a:off x="-590550" y="590550"/>
@@ -4376,7 +3879,7 @@
           <a:p>
             <a:fld id="{0EF05BAA-92F6-4DEA-A832-E4B15A2F525C}" type="slidenum">
               <a:rPr lang="en-AU" smtClean="0"/>
-              <a:t>17</a:t>
+              <a:t>16</a:t>
             </a:fld>
             <a:endParaRPr lang="en-AU"/>
           </a:p>
@@ -4819,9 +4322,14 @@
         </p:nvSpPr>
         <p:spPr/>
         <p:txBody>
-          <a:bodyPr/>
+          <a:bodyPr>
+            <a:normAutofit/>
+          </a:bodyPr>
           <a:lstStyle/>
           <a:p>
+            <a:pPr marL="0" lvl="1" defTabSz="883310">
+              <a:defRPr/>
+            </a:pPr>
             <a:endParaRPr lang="en-AU" dirty="0"/>
           </a:p>
         </p:txBody>
@@ -4841,8 +4349,9 @@
           <a:bodyPr/>
           <a:lstStyle/>
           <a:p>
-            <a:fld id="{0EF05BAA-92F6-4DEA-A832-E4B15A2F525C}" type="slidenum">
+            <a:fld id="{D5A593CC-2149-4E6C-BC3C-0044C280ECB2}" type="slidenum">
               <a:rPr lang="en-AU" smtClean="0"/>
+              <a:pPr/>
               <a:t>6</a:t>
             </a:fld>
             <a:endParaRPr lang="en-AU"/>
@@ -4852,7 +4361,7 @@
     </p:spTree>
     <p:extLst>
       <p:ext uri="{BB962C8B-B14F-4D97-AF65-F5344CB8AC3E}">
-        <p14:creationId xmlns:p14="http://schemas.microsoft.com/office/powerpoint/2010/main" val="255458414"/>
+        <p14:creationId xmlns:p14="http://schemas.microsoft.com/office/powerpoint/2010/main" val="3016463382"/>
       </p:ext>
     </p:extLst>
   </p:cSld>
@@ -4913,9 +4422,6 @@
           </a:bodyPr>
           <a:lstStyle/>
           <a:p>
-            <a:pPr marL="0" lvl="1" defTabSz="883310">
-              <a:defRPr/>
-            </a:pPr>
             <a:endParaRPr lang="en-AU" dirty="0"/>
           </a:p>
         </p:txBody>
@@ -4947,7 +4453,7 @@
     </p:spTree>
     <p:extLst>
       <p:ext uri="{BB962C8B-B14F-4D97-AF65-F5344CB8AC3E}">
-        <p14:creationId xmlns:p14="http://schemas.microsoft.com/office/powerpoint/2010/main" val="3016463382"/>
+        <p14:creationId xmlns:p14="http://schemas.microsoft.com/office/powerpoint/2010/main" val="1163622160"/>
       </p:ext>
     </p:extLst>
   </p:cSld>
@@ -5003,12 +4509,35 @@
         </p:nvSpPr>
         <p:spPr/>
         <p:txBody>
-          <a:bodyPr>
-            <a:normAutofit/>
-          </a:bodyPr>
+          <a:bodyPr/>
           <a:lstStyle/>
           <a:p>
-            <a:endParaRPr lang="en-AU" dirty="0"/>
+            <a:r>
+              <a:rPr lang="en-AU" dirty="0"/>
+              <a:t>Customers: 1.9 million</a:t>
+            </a:r>
+          </a:p>
+          <a:p>
+            <a:r>
+              <a:rPr lang="en-AU" dirty="0"/>
+              <a:t>Transactions: 450 million </a:t>
+            </a:r>
+          </a:p>
+          <a:p>
+            <a:r>
+              <a:rPr lang="en-AU" dirty="0"/>
+              <a:t>After-pay: 6 million </a:t>
+            </a:r>
+          </a:p>
+          <a:p>
+            <a:r>
+              <a:rPr lang="en-AU" dirty="0" err="1"/>
+              <a:t>Creditcard</a:t>
+            </a:r>
+            <a:r>
+              <a:rPr lang="en-AU" dirty="0"/>
+              <a:t> transactions: 230 million </a:t>
+            </a:r>
           </a:p>
         </p:txBody>
       </p:sp>
@@ -5027,9 +4556,8 @@
           <a:bodyPr/>
           <a:lstStyle/>
           <a:p>
-            <a:fld id="{D5A593CC-2149-4E6C-BC3C-0044C280ECB2}" type="slidenum">
+            <a:fld id="{0EF05BAA-92F6-4DEA-A832-E4B15A2F525C}" type="slidenum">
               <a:rPr lang="en-AU" smtClean="0"/>
-              <a:pPr/>
               <a:t>8</a:t>
             </a:fld>
             <a:endParaRPr lang="en-AU"/>
@@ -5039,7 +4567,7 @@
     </p:spTree>
     <p:extLst>
       <p:ext uri="{BB962C8B-B14F-4D97-AF65-F5344CB8AC3E}">
-        <p14:creationId xmlns:p14="http://schemas.microsoft.com/office/powerpoint/2010/main" val="1163622160"/>
+        <p14:creationId xmlns:p14="http://schemas.microsoft.com/office/powerpoint/2010/main" val="1027994442"/>
       </p:ext>
     </p:extLst>
   </p:cSld>
@@ -5100,29 +4628,7 @@
           <a:p>
             <a:r>
               <a:rPr lang="en-AU" dirty="0"/>
-              <a:t>Customers: 1.9 million</a:t>
-            </a:r>
-          </a:p>
-          <a:p>
-            <a:r>
-              <a:rPr lang="en-AU" dirty="0"/>
-              <a:t>Transactions: 450 million </a:t>
-            </a:r>
-          </a:p>
-          <a:p>
-            <a:r>
-              <a:rPr lang="en-AU" dirty="0"/>
-              <a:t>After-pay: 6 million </a:t>
-            </a:r>
-          </a:p>
-          <a:p>
-            <a:r>
-              <a:rPr lang="en-AU" dirty="0" err="1"/>
-              <a:t>Creditcard</a:t>
-            </a:r>
-            <a:r>
-              <a:rPr lang="en-AU" dirty="0"/>
-              <a:t> transactions: 230 million </a:t>
+              <a:t>Number of features used in final table was xxx, and number </a:t>
             </a:r>
           </a:p>
         </p:txBody>
@@ -5153,7 +4659,7 @@
     </p:spTree>
     <p:extLst>
       <p:ext uri="{BB962C8B-B14F-4D97-AF65-F5344CB8AC3E}">
-        <p14:creationId xmlns:p14="http://schemas.microsoft.com/office/powerpoint/2010/main" val="1027994442"/>
+        <p14:creationId xmlns:p14="http://schemas.microsoft.com/office/powerpoint/2010/main" val="1140549731"/>
       </p:ext>
     </p:extLst>
   </p:cSld>
@@ -13090,7 +12596,7 @@
           <a:p>
             <a:r>
               <a:rPr lang="en-AU" dirty="0"/>
-              <a:t>Feature engineering and Wrangling</a:t>
+              <a:t>3. Machine learning</a:t>
             </a:r>
           </a:p>
         </p:txBody>
@@ -13105,12 +12611,7 @@
             <p:ph idx="1"/>
           </p:nvPr>
         </p:nvSpPr>
-        <p:spPr>
-          <a:xfrm>
-            <a:off x="903008" y="1341438"/>
-            <a:ext cx="10665600" cy="5039890"/>
-          </a:xfrm>
-        </p:spPr>
+        <p:spPr/>
         <p:txBody>
           <a:bodyPr/>
           <a:lstStyle/>
@@ -13119,115 +12620,64 @@
               <a:buNone/>
             </a:pPr>
             <a:r>
-              <a:rPr lang="en-US" dirty="0"/>
-              <a:t>Programming</a:t>
-            </a:r>
-            <a:endParaRPr lang="en-NZ" dirty="0"/>
+              <a:rPr lang="en-AU" sz="2400" b="1" dirty="0"/>
+              <a:t>Performance metrics</a:t>
+            </a:r>
           </a:p>
           <a:p>
             <a:pPr lvl="1"/>
-            <a:r>
-              <a:rPr lang="en-NZ" dirty="0"/>
-              <a:t>Code: SAS software using SQL queries </a:t>
-            </a:r>
-          </a:p>
-          <a:p>
-            <a:pPr lvl="1"/>
-            <a:r>
-              <a:rPr lang="en-NZ" dirty="0"/>
-              <a:t>Retrieving from Teradata </a:t>
-            </a:r>
-            <a:endParaRPr lang="en-US" dirty="0"/>
-          </a:p>
-          <a:p>
-            <a:pPr lvl="1"/>
-            <a:r>
-              <a:rPr lang="en-US" dirty="0"/>
-              <a:t>Wrangling using methods such as retrieval, transforming, merging, manipulating and consolidating.</a:t>
-            </a:r>
-          </a:p>
-          <a:p>
-            <a:pPr lvl="1"/>
-            <a:endParaRPr lang="en-US" dirty="0"/>
+            <a:endParaRPr lang="en-AU" sz="2400" dirty="0"/>
           </a:p>
           <a:p>
             <a:pPr marL="0" lvl="1" indent="0">
               <a:buNone/>
             </a:pPr>
             <a:r>
-              <a:rPr lang="en-US" dirty="0"/>
-              <a:t>Timeline</a:t>
+              <a:rPr lang="en-AU" sz="2400" b="1" dirty="0"/>
+              <a:t>Many models were trained </a:t>
             </a:r>
           </a:p>
           <a:p>
             <a:pPr lvl="1"/>
             <a:r>
-              <a:rPr lang="en-US" dirty="0"/>
-              <a:t>Collect 6 months from date of difficulty/hardship or today</a:t>
+              <a:rPr lang="en-AU" sz="2400" dirty="0"/>
+              <a:t>Why? Gain an idea of what models performed best </a:t>
             </a:r>
           </a:p>
           <a:p>
             <a:pPr lvl="1"/>
             <a:r>
-              <a:rPr lang="en-US" dirty="0"/>
-              <a:t>Each feature was collected for three intervals two months from this date</a:t>
-            </a:r>
+              <a:rPr lang="en-AU" sz="2400" dirty="0"/>
+              <a:t>Models trialled were: decision trees, random forest, LDA, SVM, Naïve Bayes, quadratic discriminant classifier, logistic regression, KNN, extra trees </a:t>
+            </a:r>
+            <a:endParaRPr lang="en-US" sz="2400" dirty="0"/>
+          </a:p>
+          <a:p>
+            <a:pPr lvl="1"/>
+            <a:endParaRPr lang="en-US" sz="2400" dirty="0"/>
           </a:p>
           <a:p>
             <a:pPr marL="0" lvl="1" indent="0">
               <a:buNone/>
             </a:pPr>
-            <a:endParaRPr lang="en-US" dirty="0"/>
-          </a:p>
-          <a:p>
-            <a:pPr marL="0" lvl="1" indent="0">
-              <a:buNone/>
-            </a:pPr>
-            <a:r>
-              <a:rPr lang="en-US" dirty="0"/>
-              <a:t>Feature reduction (went from 234 to 47)</a:t>
+            <a:r>
+              <a:rPr lang="en-US" sz="2400" b="1" dirty="0"/>
+              <a:t>Detailed machine learning models </a:t>
             </a:r>
           </a:p>
           <a:p>
             <a:pPr lvl="1"/>
             <a:r>
-              <a:rPr lang="en-AU" dirty="0"/>
-              <a:t>Correlation </a:t>
-            </a:r>
-          </a:p>
-          <a:p>
-            <a:pPr lvl="1"/>
-            <a:r>
-              <a:rPr lang="en-AU" dirty="0"/>
-              <a:t>Overlapping values </a:t>
-            </a:r>
-          </a:p>
-          <a:p>
-            <a:pPr lvl="1"/>
-            <a:r>
-              <a:rPr lang="en-AU" dirty="0"/>
-              <a:t>Reduced timescale </a:t>
-            </a:r>
-          </a:p>
-          <a:p>
-            <a:pPr lvl="1"/>
-            <a:r>
-              <a:rPr lang="en-US" dirty="0"/>
-              <a:t>One row for each customer</a:t>
-            </a:r>
-          </a:p>
-          <a:p>
-            <a:pPr marL="0" lvl="1" indent="0">
-              <a:buNone/>
-            </a:pPr>
-            <a:endParaRPr lang="en-US" dirty="0"/>
+              <a:rPr lang="en-AU" sz="2400" dirty="0"/>
+              <a:t>Took best model from trials and ran more detailed machine learning code</a:t>
+            </a:r>
           </a:p>
         </p:txBody>
       </p:sp>
     </p:spTree>
     <p:extLst>
       <p:ext uri="{BB962C8B-B14F-4D97-AF65-F5344CB8AC3E}">
-        <p14:creationId xmlns:p14="http://schemas.microsoft.com/office/powerpoint/2010/main" val="1576808634"/>
+        <p14:creationId xmlns:p14="http://schemas.microsoft.com/office/powerpoint/2010/main" val="1582732341"/>
       </p:ext>
     </p:extLst>
   </p:cSld>
@@ -13261,7 +12711,7 @@
             <a:spLocks noGrp="1"/>
           </p:cNvSpPr>
           <p:nvPr>
-            <p:ph type="title"/>
+            <p:ph type="ctrTitle"/>
           </p:nvPr>
         </p:nvSpPr>
         <p:spPr/>
@@ -13271,137 +12721,15 @@
           <a:p>
             <a:r>
               <a:rPr lang="en-AU" dirty="0"/>
-              <a:t>Machine learning</a:t>
-            </a:r>
-          </a:p>
-        </p:txBody>
-      </p:sp>
-      <p:sp>
-        <p:nvSpPr>
-          <p:cNvPr id="3" name="Content Placeholder 2"/>
-          <p:cNvSpPr>
-            <a:spLocks noGrp="1"/>
-          </p:cNvSpPr>
-          <p:nvPr>
-            <p:ph idx="1"/>
-          </p:nvPr>
-        </p:nvSpPr>
-        <p:spPr/>
-        <p:txBody>
-          <a:bodyPr/>
-          <a:lstStyle/>
-          <a:p>
-            <a:pPr marL="0" lvl="1" indent="0">
-              <a:buNone/>
-            </a:pPr>
-            <a:r>
-              <a:rPr lang="en-AU" b="1" dirty="0"/>
-              <a:t>Step 1) Performance metrics</a:t>
-            </a:r>
-          </a:p>
-          <a:p>
-            <a:pPr lvl="1"/>
-            <a:r>
-              <a:rPr lang="en-AU" dirty="0"/>
-              <a:t>F1 score because it optimises recall and precision</a:t>
-            </a:r>
-          </a:p>
-          <a:p>
-            <a:pPr lvl="1"/>
-            <a:r>
-              <a:rPr lang="en-AU" dirty="0"/>
-              <a:t>Recall and precision</a:t>
-            </a:r>
-          </a:p>
-          <a:p>
-            <a:pPr lvl="1"/>
-            <a:endParaRPr lang="en-AU" dirty="0"/>
-          </a:p>
-          <a:p>
-            <a:pPr marL="0" lvl="1" indent="0">
-              <a:buNone/>
-            </a:pPr>
-            <a:r>
-              <a:rPr lang="en-AU" b="1" dirty="0"/>
-              <a:t>Step 2) Many models were trained </a:t>
-            </a:r>
-          </a:p>
-          <a:p>
-            <a:pPr lvl="1"/>
-            <a:r>
-              <a:rPr lang="en-AU" dirty="0"/>
-              <a:t>Why? Gain an idea of what models performed best </a:t>
-            </a:r>
-          </a:p>
-          <a:p>
-            <a:pPr lvl="1"/>
-            <a:r>
-              <a:rPr lang="en-AU" dirty="0"/>
-              <a:t>Models trialled were: decision trees, random forest, LDA, SVM, Naïve Bayes, quadratic discriminant classifier, logistic regression, KNN, extra trees </a:t>
-            </a:r>
-            <a:endParaRPr lang="en-US" dirty="0"/>
-          </a:p>
-          <a:p>
-            <a:pPr lvl="1"/>
-            <a:r>
-              <a:rPr lang="en-US" dirty="0"/>
-              <a:t>Python package called </a:t>
-            </a:r>
-            <a:r>
-              <a:rPr lang="en-US" dirty="0" err="1"/>
-              <a:t>lazytrain</a:t>
-            </a:r>
-            <a:endParaRPr lang="en-US" dirty="0"/>
-          </a:p>
-          <a:p>
-            <a:pPr lvl="1"/>
-            <a:endParaRPr lang="en-US" dirty="0"/>
-          </a:p>
-          <a:p>
-            <a:pPr marL="0" lvl="1" indent="0">
-              <a:buNone/>
-            </a:pPr>
-            <a:r>
-              <a:rPr lang="en-US" b="1" dirty="0"/>
-              <a:t>Step 3) Detailed machine learning models </a:t>
-            </a:r>
-          </a:p>
-          <a:p>
-            <a:pPr lvl="1"/>
-            <a:r>
-              <a:rPr lang="en-AU" dirty="0"/>
-              <a:t>Took best model from trials and ran more detailed machine learning code</a:t>
-            </a:r>
-          </a:p>
-          <a:p>
-            <a:pPr lvl="1"/>
-            <a:r>
-              <a:rPr lang="en-AU" dirty="0"/>
-              <a:t>Used Python </a:t>
-            </a:r>
-            <a:r>
-              <a:rPr lang="en-AU" dirty="0" err="1"/>
-              <a:t>PyCaret</a:t>
-            </a:r>
-            <a:r>
-              <a:rPr lang="en-AU" dirty="0"/>
-              <a:t> package</a:t>
-            </a:r>
-          </a:p>
-          <a:p>
-            <a:pPr lvl="1"/>
-            <a:r>
-              <a:rPr lang="en-AU" dirty="0"/>
-              <a:t>Ten-fold cross validation </a:t>
-            </a:r>
-            <a:endParaRPr lang="en-AU" sz="2000" dirty="0"/>
+              <a:t>Results</a:t>
+            </a:r>
           </a:p>
         </p:txBody>
       </p:sp>
     </p:spTree>
     <p:extLst>
       <p:ext uri="{BB962C8B-B14F-4D97-AF65-F5344CB8AC3E}">
-        <p14:creationId xmlns:p14="http://schemas.microsoft.com/office/powerpoint/2010/main" val="1582732341"/>
+        <p14:creationId xmlns:p14="http://schemas.microsoft.com/office/powerpoint/2010/main" val="123601071"/>
       </p:ext>
     </p:extLst>
   </p:cSld>
@@ -13435,58 +12763,6 @@
             <a:spLocks noGrp="1"/>
           </p:cNvSpPr>
           <p:nvPr>
-            <p:ph type="ctrTitle"/>
-          </p:nvPr>
-        </p:nvSpPr>
-        <p:spPr/>
-        <p:txBody>
-          <a:bodyPr/>
-          <a:lstStyle/>
-          <a:p>
-            <a:r>
-              <a:rPr lang="en-AU" dirty="0"/>
-              <a:t>Results</a:t>
-            </a:r>
-          </a:p>
-        </p:txBody>
-      </p:sp>
-    </p:spTree>
-    <p:extLst>
-      <p:ext uri="{BB962C8B-B14F-4D97-AF65-F5344CB8AC3E}">
-        <p14:creationId xmlns:p14="http://schemas.microsoft.com/office/powerpoint/2010/main" val="123601071"/>
-      </p:ext>
-    </p:extLst>
-  </p:cSld>
-  <p:clrMapOvr>
-    <a:masterClrMapping/>
-  </p:clrMapOvr>
-</p:sld>
-</file>
-
-<file path=ppt/slides/slide13.xml><?xml version="1.0" encoding="utf-8"?>
-<p:sld xmlns:a="http://schemas.openxmlformats.org/drawingml/2006/main" xmlns:r="http://schemas.openxmlformats.org/officeDocument/2006/relationships" xmlns:p="http://schemas.openxmlformats.org/presentationml/2006/main">
-  <p:cSld>
-    <p:spTree>
-      <p:nvGrpSpPr>
-        <p:cNvPr id="1" name=""/>
-        <p:cNvGrpSpPr/>
-        <p:nvPr/>
-      </p:nvGrpSpPr>
-      <p:grpSpPr>
-        <a:xfrm>
-          <a:off x="0" y="0"/>
-          <a:ext cx="0" cy="0"/>
-          <a:chOff x="0" y="0"/>
-          <a:chExt cx="0" cy="0"/>
-        </a:xfrm>
-      </p:grpSpPr>
-      <p:sp>
-        <p:nvSpPr>
-          <p:cNvPr id="2" name="Title 1"/>
-          <p:cNvSpPr>
-            <a:spLocks noGrp="1"/>
-          </p:cNvSpPr>
-          <p:nvPr>
             <p:ph type="title"/>
           </p:nvPr>
         </p:nvSpPr>
@@ -13512,14 +12788,14 @@
             <p:ph idx="1"/>
             <p:extLst>
               <p:ext uri="{D42A27DB-BD31-4B8C-83A1-F6EECF244321}">
-                <p14:modId xmlns:p14="http://schemas.microsoft.com/office/powerpoint/2010/main" val="1999480994"/>
+                <p14:modId xmlns:p14="http://schemas.microsoft.com/office/powerpoint/2010/main" val="1375985932"/>
               </p:ext>
             </p:extLst>
           </p:nvPr>
         </p:nvGraphicFramePr>
         <p:xfrm>
-          <a:off x="983432" y="2060848"/>
-          <a:ext cx="9975405" cy="3407932"/>
+          <a:off x="1811524" y="2132856"/>
+          <a:ext cx="8568952" cy="3407932"/>
         </p:xfrm>
         <a:graphic>
           <a:graphicData uri="http://schemas.openxmlformats.org/drawingml/2006/table">
@@ -13549,17 +12825,10 @@
                     </a:ext>
                   </a:extLst>
                 </a:gridCol>
-                <a:gridCol w="1995081">
+                <a:gridCol w="2583709">
                   <a:extLst>
                     <a:ext uri="{9D8B030D-6E8A-4147-A177-3AD203B41FA5}">
                       <a16:colId xmlns:a16="http://schemas.microsoft.com/office/drawing/2014/main" val="3223394989"/>
-                    </a:ext>
-                  </a:extLst>
-                </a:gridCol>
-                <a:gridCol w="1995081">
-                  <a:extLst>
-                    <a:ext uri="{9D8B030D-6E8A-4147-A177-3AD203B41FA5}">
-                      <a16:colId xmlns:a16="http://schemas.microsoft.com/office/drawing/2014/main" val="3987959167"/>
                     </a:ext>
                   </a:extLst>
                 </a:gridCol>
@@ -13599,10 +12868,9 @@
                     <a:lstStyle/>
                     <a:p>
                       <a:r>
-                        <a:rPr lang="en-US" sz="2400" dirty="0"/>
-                        <a:t>F1 score</a:t>
+                        <a:rPr lang="en-NZ" sz="2400" dirty="0"/>
+                        <a:t>Correctly identified</a:t>
                       </a:r>
-                      <a:endParaRPr lang="en-NZ" sz="2400" dirty="0"/>
                     </a:p>
                   </a:txBody>
                   <a:tcPr/>
@@ -13614,21 +12882,7 @@
                     <a:p>
                       <a:r>
                         <a:rPr lang="en-US" sz="2400" dirty="0"/>
-                        <a:t>Recall</a:t>
-                      </a:r>
-                      <a:endParaRPr lang="en-NZ" sz="2400" dirty="0"/>
-                    </a:p>
-                  </a:txBody>
-                  <a:tcPr/>
-                </a:tc>
-                <a:tc>
-                  <a:txBody>
-                    <a:bodyPr/>
-                    <a:lstStyle/>
-                    <a:p>
-                      <a:r>
-                        <a:rPr lang="en-US" sz="2400" dirty="0"/>
-                        <a:t>Precision</a:t>
+                        <a:t>False positive rate</a:t>
                       </a:r>
                       <a:endParaRPr lang="en-NZ" sz="2400" dirty="0"/>
                     </a:p>
@@ -13679,40 +12933,14 @@
                       </a:r>
                     </a:p>
                   </a:txBody>
-                  <a:tcPr/>
-                </a:tc>
-                <a:tc>
-                  <a:txBody>
-                    <a:bodyPr/>
-                    <a:lstStyle/>
-                    <a:p>
-                      <a:pPr marL="0" marR="0" lvl="0" indent="0" algn="l" defTabSz="914400" rtl="0" eaLnBrk="1" fontAlgn="auto" latinLnBrk="0" hangingPunct="1">
-                        <a:lnSpc>
-                          <a:spcPct val="100000"/>
-                        </a:lnSpc>
-                        <a:spcBef>
-                          <a:spcPts val="0"/>
-                        </a:spcBef>
-                        <a:spcAft>
-                          <a:spcPts val="0"/>
-                        </a:spcAft>
-                        <a:buClrTx/>
-                        <a:buSzTx/>
-                        <a:buFontTx/>
-                        <a:buNone/>
-                        <a:tabLst/>
-                        <a:defRPr/>
-                      </a:pPr>
-                      <a:r>
-                        <a:rPr lang="en-NZ" sz="2400" dirty="0"/>
-                        <a:t>0.689</a:t>
-                      </a:r>
-                    </a:p>
-                    <a:p>
-                      <a:endParaRPr lang="en-NZ" sz="2400" dirty="0"/>
-                    </a:p>
-                  </a:txBody>
-                  <a:tcPr/>
+                  <a:tcPr>
+                    <a:solidFill>
+                      <a:schemeClr val="accent6">
+                        <a:lumMod val="40000"/>
+                        <a:lumOff val="60000"/>
+                      </a:schemeClr>
+                    </a:solidFill>
+                  </a:tcPr>
                 </a:tc>
                 <a:tc>
                   <a:txBody>
@@ -13721,7 +12949,7 @@
                     <a:p>
                       <a:r>
                         <a:rPr lang="en-NZ" sz="2400" dirty="0"/>
-                        <a:t>0.567</a:t>
+                        <a:t>57%</a:t>
                       </a:r>
                     </a:p>
                   </a:txBody>
@@ -13734,7 +12962,7 @@
                     <a:p>
                       <a:r>
                         <a:rPr lang="en-NZ" sz="2400" dirty="0"/>
-                        <a:t>0.872</a:t>
+                        <a:t>13%</a:t>
                       </a:r>
                     </a:p>
                   </a:txBody>
@@ -13784,7 +13012,14 @@
                       </a:r>
                     </a:p>
                   </a:txBody>
-                  <a:tcPr/>
+                  <a:tcPr>
+                    <a:solidFill>
+                      <a:schemeClr val="accent6">
+                        <a:lumMod val="40000"/>
+                        <a:lumOff val="60000"/>
+                      </a:schemeClr>
+                    </a:solidFill>
+                  </a:tcPr>
                 </a:tc>
                 <a:tc>
                   <a:txBody>
@@ -13793,7 +13028,7 @@
                     <a:p>
                       <a:r>
                         <a:rPr lang="en-NZ" sz="2400" dirty="0"/>
-                        <a:t>0.059</a:t>
+                        <a:t>3%</a:t>
                       </a:r>
                     </a:p>
                   </a:txBody>
@@ -13806,20 +13041,7 @@
                     <a:p>
                       <a:r>
                         <a:rPr lang="en-NZ" sz="2400" dirty="0"/>
-                        <a:t>0.0315</a:t>
-                      </a:r>
-                    </a:p>
-                  </a:txBody>
-                  <a:tcPr/>
-                </a:tc>
-                <a:tc>
-                  <a:txBody>
-                    <a:bodyPr/>
-                    <a:lstStyle/>
-                    <a:p>
-                      <a:r>
-                        <a:rPr lang="en-NZ" sz="2400" dirty="0"/>
-                        <a:t>0.172</a:t>
+                        <a:t>83%</a:t>
                       </a:r>
                     </a:p>
                   </a:txBody>
@@ -13848,7 +13070,7 @@
 </p:sld>
 </file>
 
-<file path=ppt/slides/slide14.xml><?xml version="1.0" encoding="utf-8"?>
+<file path=ppt/slides/slide13.xml><?xml version="1.0" encoding="utf-8"?>
 <p:sld xmlns:a="http://schemas.openxmlformats.org/drawingml/2006/main" xmlns:r="http://schemas.openxmlformats.org/officeDocument/2006/relationships" xmlns:p="http://schemas.openxmlformats.org/presentationml/2006/main">
   <p:cSld>
     <p:spTree>
@@ -13887,35 +13109,6 @@
           </a:p>
         </p:txBody>
       </p:sp>
-      <p:pic>
-        <p:nvPicPr>
-          <p:cNvPr id="8" name="Picture 7">
-            <a:extLst>
-              <a:ext uri="{FF2B5EF4-FFF2-40B4-BE49-F238E27FC236}">
-                <a16:creationId xmlns:a16="http://schemas.microsoft.com/office/drawing/2014/main" id="{78ABA0D7-2DAF-803B-C0A8-5FA08B388CFD}"/>
-              </a:ext>
-            </a:extLst>
-          </p:cNvPr>
-          <p:cNvPicPr>
-            <a:picLocks noChangeAspect="1"/>
-          </p:cNvPicPr>
-          <p:nvPr/>
-        </p:nvPicPr>
-        <p:blipFill rotWithShape="1">
-          <a:blip r:embed="rId3"/>
-          <a:srcRect l="4303" t="5264" r="10698"/>
-          <a:stretch/>
-        </p:blipFill>
-        <p:spPr>
-          <a:xfrm>
-            <a:off x="325902" y="2431291"/>
-            <a:ext cx="6120682" cy="3085271"/>
-          </a:xfrm>
-          <a:prstGeom prst="rect">
-            <a:avLst/>
-          </a:prstGeom>
-        </p:spPr>
-      </p:pic>
       <p:graphicFrame>
         <p:nvGraphicFramePr>
           <p:cNvPr id="9" name="Table Placeholder 12">
@@ -13931,14 +13124,14 @@
           <p:nvPr>
             <p:extLst>
               <p:ext uri="{D42A27DB-BD31-4B8C-83A1-F6EECF244321}">
-                <p14:modId xmlns:p14="http://schemas.microsoft.com/office/powerpoint/2010/main" val="500213732"/>
+                <p14:modId xmlns:p14="http://schemas.microsoft.com/office/powerpoint/2010/main" val="3089755386"/>
               </p:ext>
             </p:extLst>
           </p:nvPr>
         </p:nvGraphicFramePr>
         <p:xfrm>
           <a:off x="7320136" y="2365668"/>
-          <a:ext cx="4027930" cy="2736264"/>
+          <a:ext cx="4104456" cy="3068364"/>
         </p:xfrm>
         <a:graphic>
           <a:graphicData uri="http://schemas.openxmlformats.org/drawingml/2006/table">
@@ -13947,132 +13140,30 @@
                 <a:tableStyleId>{21E4AEA4-8DFA-4A89-87EB-49C32662AFE0}</a:tableStyleId>
               </a:tblPr>
               <a:tblGrid>
-                <a:gridCol w="352379">
-                  <a:extLst>
-                    <a:ext uri="{9D8B030D-6E8A-4147-A177-3AD203B41FA5}">
-                      <a16:colId xmlns:a16="http://schemas.microsoft.com/office/drawing/2014/main" val="2818185472"/>
-                    </a:ext>
-                  </a:extLst>
-                </a:gridCol>
-                <a:gridCol w="1021923">
+                <a:gridCol w="2056387">
                   <a:extLst>
                     <a:ext uri="{9D8B030D-6E8A-4147-A177-3AD203B41FA5}">
                       <a16:colId xmlns:a16="http://schemas.microsoft.com/office/drawing/2014/main" val="20000"/>
                     </a:ext>
                   </a:extLst>
                 </a:gridCol>
-                <a:gridCol w="1277673">
+                <a:gridCol w="2048069">
                   <a:extLst>
                     <a:ext uri="{9D8B030D-6E8A-4147-A177-3AD203B41FA5}">
                       <a16:colId xmlns:a16="http://schemas.microsoft.com/office/drawing/2014/main" val="20001"/>
                     </a:ext>
                   </a:extLst>
                 </a:gridCol>
-                <a:gridCol w="1375955">
-                  <a:extLst>
-                    <a:ext uri="{9D8B030D-6E8A-4147-A177-3AD203B41FA5}">
-                      <a16:colId xmlns:a16="http://schemas.microsoft.com/office/drawing/2014/main" val="20002"/>
-                    </a:ext>
-                  </a:extLst>
-                </a:gridCol>
               </a:tblGrid>
-              <a:tr h="432048">
-                <a:tc>
-                  <a:txBody>
-                    <a:bodyPr/>
-                    <a:lstStyle/>
-                    <a:p>
-                      <a:endParaRPr lang="en-AU" sz="1400" dirty="0"/>
-                    </a:p>
-                  </a:txBody>
-                  <a:tcPr>
-                    <a:solidFill>
-                      <a:schemeClr val="bg1"/>
-                    </a:solidFill>
-                  </a:tcPr>
-                </a:tc>
-                <a:tc>
-                  <a:txBody>
-                    <a:bodyPr/>
-                    <a:lstStyle/>
-                    <a:p>
-                      <a:endParaRPr lang="en-AU" sz="1400" dirty="0"/>
-                    </a:p>
-                  </a:txBody>
-                  <a:tcPr>
-                    <a:solidFill>
-                      <a:schemeClr val="bg1"/>
-                    </a:solidFill>
-                  </a:tcPr>
-                </a:tc>
-                <a:tc gridSpan="2">
-                  <a:txBody>
-                    <a:bodyPr/>
-                    <a:lstStyle/>
-                    <a:p>
-                      <a:pPr algn="ctr"/>
-                      <a:r>
-                        <a:rPr lang="en-US" sz="1400" dirty="0"/>
-                        <a:t>Actual</a:t>
-                      </a:r>
-                      <a:endParaRPr lang="en-AU" sz="1400" dirty="0"/>
-                    </a:p>
-                  </a:txBody>
-                  <a:tcPr/>
-                </a:tc>
-                <a:tc hMerge="1">
-                  <a:txBody>
-                    <a:bodyPr/>
-                    <a:lstStyle/>
-                    <a:p>
-                      <a:endParaRPr lang="en-AU" dirty="0"/>
-                    </a:p>
-                  </a:txBody>
-                  <a:tcPr/>
-                </a:tc>
-                <a:extLst>
-                  <a:ext uri="{0D108BD9-81ED-4DB2-BD59-A6C34878D82A}">
-                    <a16:rowId xmlns:a16="http://schemas.microsoft.com/office/drawing/2014/main" val="10000"/>
-                  </a:ext>
-                </a:extLst>
-              </a:tr>
-              <a:tr h="432048">
-                <a:tc>
-                  <a:txBody>
-                    <a:bodyPr/>
-                    <a:lstStyle/>
-                    <a:p>
-                      <a:endParaRPr lang="en-AU" sz="1400" dirty="0"/>
-                    </a:p>
-                  </a:txBody>
-                  <a:tcPr>
-                    <a:solidFill>
-                      <a:schemeClr val="bg1"/>
-                    </a:solidFill>
-                  </a:tcPr>
-                </a:tc>
-                <a:tc>
-                  <a:txBody>
-                    <a:bodyPr/>
-                    <a:lstStyle/>
-                    <a:p>
-                      <a:endParaRPr lang="en-AU" sz="1400" dirty="0"/>
-                    </a:p>
-                  </a:txBody>
-                  <a:tcPr>
-                    <a:solidFill>
-                      <a:schemeClr val="bg1"/>
-                    </a:solidFill>
-                  </a:tcPr>
-                </a:tc>
+              <a:tr h="919316">
                 <a:tc>
                   <a:txBody>
                     <a:bodyPr/>
                     <a:lstStyle/>
                     <a:p>
                       <a:r>
-                        <a:rPr lang="en-AU" sz="1400" dirty="0"/>
-                        <a:t>Positive</a:t>
+                        <a:rPr lang="en-AU" sz="1800" dirty="0"/>
+                        <a:t>Correctly predicted</a:t>
                       </a:r>
                     </a:p>
                   </a:txBody>
@@ -14084,75 +13175,8 @@
                     <a:lstStyle/>
                     <a:p>
                       <a:r>
-                        <a:rPr lang="en-AU" sz="1400" dirty="0"/>
-                        <a:t>Negative</a:t>
-                      </a:r>
-                    </a:p>
-                  </a:txBody>
-                  <a:tcPr/>
-                </a:tc>
-                <a:extLst>
-                  <a:ext uri="{0D108BD9-81ED-4DB2-BD59-A6C34878D82A}">
-                    <a16:rowId xmlns:a16="http://schemas.microsoft.com/office/drawing/2014/main" val="10001"/>
-                  </a:ext>
-                </a:extLst>
-              </a:tr>
-              <a:tr h="936084">
-                <a:tc rowSpan="2">
-                  <a:txBody>
-                    <a:bodyPr/>
-                    <a:lstStyle/>
-                    <a:p>
-                      <a:r>
-                        <a:rPr lang="en-AU" sz="1400" b="1" dirty="0">
-                          <a:solidFill>
-                            <a:schemeClr val="bg1"/>
-                          </a:solidFill>
-                        </a:rPr>
-                        <a:t>Predicted</a:t>
-                      </a:r>
-                    </a:p>
-                  </a:txBody>
-                  <a:tcPr vert="vert270">
-                    <a:solidFill>
-                      <a:schemeClr val="accent2"/>
-                    </a:solidFill>
-                  </a:tcPr>
-                </a:tc>
-                <a:tc>
-                  <a:txBody>
-                    <a:bodyPr/>
-                    <a:lstStyle/>
-                    <a:p>
-                      <a:r>
-                        <a:rPr lang="en-AU" sz="1400" dirty="0"/>
-                        <a:t>Positive</a:t>
-                      </a:r>
-                    </a:p>
-                  </a:txBody>
-                  <a:tcPr/>
-                </a:tc>
-                <a:tc>
-                  <a:txBody>
-                    <a:bodyPr/>
-                    <a:lstStyle/>
-                    <a:p>
-                      <a:r>
-                        <a:rPr lang="en-AU" sz="1400" dirty="0"/>
+                        <a:rPr lang="en-AU" sz="1800" dirty="0"/>
                         <a:t>7,153</a:t>
-                      </a:r>
-                    </a:p>
-                  </a:txBody>
-                  <a:tcPr/>
-                </a:tc>
-                <a:tc>
-                  <a:txBody>
-                    <a:bodyPr/>
-                    <a:lstStyle/>
-                    <a:p>
-                      <a:r>
-                        <a:rPr lang="en-AU" sz="1400" dirty="0"/>
-                        <a:t>1,049</a:t>
                       </a:r>
                     </a:p>
                   </a:txBody>
@@ -14164,29 +13188,15 @@
                   </a:ext>
                 </a:extLst>
               </a:tr>
-              <a:tr h="936084">
-                <a:tc vMerge="1">
-                  <a:txBody>
-                    <a:bodyPr/>
-                    <a:lstStyle/>
-                    <a:p>
-                      <a:endParaRPr lang="en-AU" sz="2000" dirty="0"/>
-                    </a:p>
-                  </a:txBody>
-                  <a:tcPr vert="vert270">
-                    <a:solidFill>
-                      <a:schemeClr val="accent2"/>
-                    </a:solidFill>
-                  </a:tcPr>
-                </a:tc>
+              <a:tr h="1074524">
                 <a:tc>
                   <a:txBody>
                     <a:bodyPr/>
                     <a:lstStyle/>
                     <a:p>
                       <a:r>
-                        <a:rPr lang="en-AU" sz="1400" dirty="0"/>
-                        <a:t>Negative</a:t>
+                        <a:rPr lang="en-AU" sz="1800" dirty="0"/>
+                        <a:t>Missed</a:t>
                       </a:r>
                     </a:p>
                   </a:txBody>
@@ -14215,12 +13225,32 @@
                         <a:defRPr/>
                       </a:pPr>
                       <a:r>
-                        <a:rPr lang="en-AU" sz="1400" dirty="0"/>
+                        <a:rPr lang="en-AU" sz="1800" dirty="0"/>
                         <a:t>5,462</a:t>
                       </a:r>
                     </a:p>
                     <a:p>
-                      <a:endParaRPr lang="en-AU" sz="1400" dirty="0"/>
+                      <a:endParaRPr lang="en-AU" sz="1800" dirty="0"/>
+                    </a:p>
+                  </a:txBody>
+                  <a:tcPr/>
+                </a:tc>
+                <a:extLst>
+                  <a:ext uri="{0D108BD9-81ED-4DB2-BD59-A6C34878D82A}">
+                    <a16:rowId xmlns:a16="http://schemas.microsoft.com/office/drawing/2014/main" val="10003"/>
+                  </a:ext>
+                </a:extLst>
+              </a:tr>
+              <a:tr h="1074524">
+                <a:tc>
+                  <a:txBody>
+                    <a:bodyPr/>
+                    <a:lstStyle/>
+                    <a:p>
+                      <a:r>
+                        <a:rPr lang="en-AU" sz="1800" dirty="0"/>
+                        <a:t>False positives</a:t>
+                      </a:r>
                     </a:p>
                   </a:txBody>
                   <a:tcPr/>
@@ -14230,17 +13260,37 @@
                     <a:bodyPr/>
                     <a:lstStyle/>
                     <a:p>
+                      <a:pPr marL="0" marR="0" lvl="0" indent="0" algn="l" defTabSz="914400" rtl="0" eaLnBrk="1" fontAlgn="auto" latinLnBrk="0" hangingPunct="1">
+                        <a:lnSpc>
+                          <a:spcPct val="100000"/>
+                        </a:lnSpc>
+                        <a:spcBef>
+                          <a:spcPts val="0"/>
+                        </a:spcBef>
+                        <a:spcAft>
+                          <a:spcPts val="0"/>
+                        </a:spcAft>
+                        <a:buClrTx/>
+                        <a:buSzTx/>
+                        <a:buFontTx/>
+                        <a:buNone/>
+                        <a:tabLst/>
+                        <a:defRPr/>
+                      </a:pPr>
                       <a:r>
-                        <a:rPr lang="en-AU" sz="1400" dirty="0"/>
-                        <a:t>1,881,137</a:t>
+                        <a:rPr lang="en-AU" sz="1800" dirty="0"/>
+                        <a:t>1,049</a:t>
                       </a:r>
+                    </a:p>
+                    <a:p>
+                      <a:endParaRPr lang="en-AU" sz="1800" dirty="0"/>
                     </a:p>
                   </a:txBody>
                   <a:tcPr/>
                 </a:tc>
                 <a:extLst>
                   <a:ext uri="{0D108BD9-81ED-4DB2-BD59-A6C34878D82A}">
-                    <a16:rowId xmlns:a16="http://schemas.microsoft.com/office/drawing/2014/main" val="10003"/>
+                    <a16:rowId xmlns:a16="http://schemas.microsoft.com/office/drawing/2014/main" val="206971147"/>
                   </a:ext>
                 </a:extLst>
               </a:tr>
@@ -14439,12 +13489,12 @@
           <a:p>
             <a:pPr algn="ctr"/>
             <a:r>
-              <a:rPr lang="en-US" sz="2400" b="1">
+              <a:rPr lang="en-US" sz="2400" b="1" dirty="0">
                 <a:solidFill>
                   <a:srgbClr val="7A99AC"/>
                 </a:solidFill>
               </a:rPr>
-              <a:t>Confusion matrix</a:t>
+              <a:t>Predictions</a:t>
             </a:r>
             <a:endParaRPr lang="en-AU" sz="2400" b="1" dirty="0">
               <a:solidFill>
@@ -14470,7 +13520,7 @@
         </p:nvSpPr>
         <p:spPr>
           <a:xfrm>
-            <a:off x="2196293" y="1634002"/>
+            <a:off x="1847528" y="1634002"/>
             <a:ext cx="3395651" cy="571532"/>
           </a:xfrm>
           <a:prstGeom prst="rect">
@@ -14671,34 +13721,1341 @@
           </a:p>
         </p:txBody>
       </p:sp>
-      <p:pic>
-        <p:nvPicPr>
-          <p:cNvPr id="2" name="Picture 1"/>
-          <p:cNvPicPr>
-            <a:picLocks noChangeAspect="1"/>
-          </p:cNvPicPr>
+      <p:sp>
+        <p:nvSpPr>
+          <p:cNvPr id="17" name="TextBox 16">
+            <a:extLst>
+              <a:ext uri="{FF2B5EF4-FFF2-40B4-BE49-F238E27FC236}">
+                <a16:creationId xmlns:a16="http://schemas.microsoft.com/office/drawing/2014/main" id="{44054585-AEA9-5350-32C6-91120F33E7CB}"/>
+              </a:ext>
+            </a:extLst>
+          </p:cNvPr>
+          <p:cNvSpPr txBox="1"/>
           <p:nvPr/>
-        </p:nvPicPr>
-        <p:blipFill>
-          <a:blip r:embed="rId4"/>
-          <a:stretch>
-            <a:fillRect/>
-          </a:stretch>
-        </p:blipFill>
+        </p:nvSpPr>
         <p:spPr>
           <a:xfrm>
-            <a:off x="325902" y="2408716"/>
-            <a:ext cx="6192688" cy="3130420"/>
+            <a:off x="1205093" y="2302639"/>
+            <a:ext cx="4680520" cy="2862322"/>
+          </a:xfrm>
+          <a:prstGeom prst="rect">
+            <a:avLst/>
+          </a:prstGeom>
+          <a:noFill/>
+        </p:spPr>
+        <p:txBody>
+          <a:bodyPr wrap="square" rtlCol="0">
+            <a:spAutoFit/>
+          </a:bodyPr>
+          <a:lstStyle/>
+          <a:p>
+            <a:pPr marL="285750" indent="-285750">
+              <a:buFont typeface="Arial" panose="020B0604020202020204" pitchFamily="34" charset="0"/>
+              <a:buChar char="•"/>
+            </a:pPr>
+            <a:r>
+              <a:rPr lang="en-US" sz="2000" dirty="0"/>
+              <a:t>Percent of income on necessities</a:t>
+            </a:r>
+          </a:p>
+          <a:p>
+            <a:r>
+              <a:rPr lang="en-US" sz="2000" dirty="0"/>
+              <a:t> </a:t>
+            </a:r>
+          </a:p>
+          <a:p>
+            <a:pPr marL="285750" indent="-285750">
+              <a:buFont typeface="Arial" panose="020B0604020202020204" pitchFamily="34" charset="0"/>
+              <a:buChar char="•"/>
+            </a:pPr>
+            <a:r>
+              <a:rPr lang="en-US" sz="2000" dirty="0"/>
+              <a:t>Median velocity </a:t>
+            </a:r>
+          </a:p>
+          <a:p>
+            <a:endParaRPr lang="en-US" sz="2000" dirty="0"/>
+          </a:p>
+          <a:p>
+            <a:pPr marL="285750" indent="-285750">
+              <a:buFont typeface="Arial" panose="020B0604020202020204" pitchFamily="34" charset="0"/>
+              <a:buChar char="•"/>
+            </a:pPr>
+            <a:r>
+              <a:rPr lang="en-US" sz="2000" dirty="0"/>
+              <a:t>Number of pay later payments </a:t>
+            </a:r>
+          </a:p>
+          <a:p>
+            <a:endParaRPr lang="en-US" sz="2000" dirty="0"/>
+          </a:p>
+          <a:p>
+            <a:pPr marL="285750" indent="-285750">
+              <a:buFont typeface="Arial" panose="020B0604020202020204" pitchFamily="34" charset="0"/>
+              <a:buChar char="•"/>
+            </a:pPr>
+            <a:r>
+              <a:rPr lang="en-US" sz="2000" dirty="0"/>
+              <a:t>Daily credit card spending</a:t>
+            </a:r>
+          </a:p>
+          <a:p>
+            <a:endParaRPr lang="en-US" sz="2000" dirty="0"/>
+          </a:p>
+          <a:p>
+            <a:pPr marL="285750" indent="-285750">
+              <a:buFont typeface="Arial" panose="020B0604020202020204" pitchFamily="34" charset="0"/>
+              <a:buChar char="•"/>
+            </a:pPr>
+            <a:r>
+              <a:rPr lang="en-US" sz="2000" dirty="0"/>
+              <a:t>Number of floating home loans</a:t>
+            </a:r>
+          </a:p>
+        </p:txBody>
+      </p:sp>
+      <p:sp>
+        <p:nvSpPr>
+          <p:cNvPr id="69" name="5-point Star 68">
+            <a:extLst>
+              <a:ext uri="{FF2B5EF4-FFF2-40B4-BE49-F238E27FC236}">
+                <a16:creationId xmlns:a16="http://schemas.microsoft.com/office/drawing/2014/main" id="{621B2388-52BD-F1C2-311A-0EA1F319DDC0}"/>
+              </a:ext>
+            </a:extLst>
+          </p:cNvPr>
+          <p:cNvSpPr/>
+          <p:nvPr/>
+        </p:nvSpPr>
+        <p:spPr>
+          <a:xfrm>
+            <a:off x="5807968" y="2365668"/>
+            <a:ext cx="288032" cy="271244"/>
+          </a:xfrm>
+          <a:prstGeom prst="star5">
+            <a:avLst/>
+          </a:prstGeom>
+          <a:solidFill>
+            <a:schemeClr val="tx2">
+              <a:lumMod val="40000"/>
+              <a:lumOff val="60000"/>
+            </a:schemeClr>
+          </a:solidFill>
+          <a:ln w="6350">
+            <a:noFill/>
+          </a:ln>
+        </p:spPr>
+        <p:style>
+          <a:lnRef idx="2">
+            <a:schemeClr val="accent1">
+              <a:shade val="50000"/>
+            </a:schemeClr>
+          </a:lnRef>
+          <a:fillRef idx="1">
+            <a:schemeClr val="accent1"/>
+          </a:fillRef>
+          <a:effectRef idx="0">
+            <a:schemeClr val="accent1"/>
+          </a:effectRef>
+          <a:fontRef idx="minor">
+            <a:schemeClr val="lt1"/>
+          </a:fontRef>
+        </p:style>
+        <p:txBody>
+          <a:bodyPr rtlCol="0" anchor="ctr"/>
+          <a:lstStyle/>
+          <a:p>
+            <a:pPr algn="ctr"/>
+            <a:endParaRPr lang="en-US"/>
+          </a:p>
+        </p:txBody>
+      </p:sp>
+      <p:sp>
+        <p:nvSpPr>
+          <p:cNvPr id="70" name="5-point Star 69">
+            <a:extLst>
+              <a:ext uri="{FF2B5EF4-FFF2-40B4-BE49-F238E27FC236}">
+                <a16:creationId xmlns:a16="http://schemas.microsoft.com/office/drawing/2014/main" id="{6E8FEA72-DC9E-0306-4B8E-6637E8263E50}"/>
+              </a:ext>
+            </a:extLst>
+          </p:cNvPr>
+          <p:cNvSpPr/>
+          <p:nvPr/>
+        </p:nvSpPr>
+        <p:spPr>
+          <a:xfrm>
+            <a:off x="3647728" y="2996952"/>
+            <a:ext cx="288032" cy="271244"/>
+          </a:xfrm>
+          <a:prstGeom prst="star5">
+            <a:avLst/>
+          </a:prstGeom>
+          <a:solidFill>
+            <a:schemeClr val="tx2">
+              <a:lumMod val="40000"/>
+              <a:lumOff val="60000"/>
+            </a:schemeClr>
+          </a:solidFill>
+          <a:ln w="6350">
+            <a:noFill/>
+          </a:ln>
+        </p:spPr>
+        <p:style>
+          <a:lnRef idx="2">
+            <a:schemeClr val="accent1">
+              <a:shade val="50000"/>
+            </a:schemeClr>
+          </a:lnRef>
+          <a:fillRef idx="1">
+            <a:schemeClr val="accent1"/>
+          </a:fillRef>
+          <a:effectRef idx="0">
+            <a:schemeClr val="accent1"/>
+          </a:effectRef>
+          <a:fontRef idx="minor">
+            <a:schemeClr val="lt1"/>
+          </a:fontRef>
+        </p:style>
+        <p:txBody>
+          <a:bodyPr rtlCol="0" anchor="ctr"/>
+          <a:lstStyle/>
+          <a:p>
+            <a:pPr algn="ctr"/>
+            <a:endParaRPr lang="en-US"/>
+          </a:p>
+        </p:txBody>
+      </p:sp>
+      <p:sp>
+        <p:nvSpPr>
+          <p:cNvPr id="71" name="5-point Star 70">
+            <a:extLst>
+              <a:ext uri="{FF2B5EF4-FFF2-40B4-BE49-F238E27FC236}">
+                <a16:creationId xmlns:a16="http://schemas.microsoft.com/office/drawing/2014/main" id="{8C4C7506-EA42-16FA-A8FA-A5A1E078BB46}"/>
+              </a:ext>
+            </a:extLst>
+          </p:cNvPr>
+          <p:cNvSpPr/>
+          <p:nvPr/>
+        </p:nvSpPr>
+        <p:spPr>
+          <a:xfrm>
+            <a:off x="5663952" y="3573016"/>
+            <a:ext cx="288032" cy="271244"/>
+          </a:xfrm>
+          <a:prstGeom prst="star5">
+            <a:avLst/>
+          </a:prstGeom>
+          <a:solidFill>
+            <a:schemeClr val="tx2">
+              <a:lumMod val="40000"/>
+              <a:lumOff val="60000"/>
+            </a:schemeClr>
+          </a:solidFill>
+          <a:ln w="6350">
+            <a:noFill/>
+          </a:ln>
+        </p:spPr>
+        <p:style>
+          <a:lnRef idx="2">
+            <a:schemeClr val="accent1">
+              <a:shade val="50000"/>
+            </a:schemeClr>
+          </a:lnRef>
+          <a:fillRef idx="1">
+            <a:schemeClr val="accent1"/>
+          </a:fillRef>
+          <a:effectRef idx="0">
+            <a:schemeClr val="accent1"/>
+          </a:effectRef>
+          <a:fontRef idx="minor">
+            <a:schemeClr val="lt1"/>
+          </a:fontRef>
+        </p:style>
+        <p:txBody>
+          <a:bodyPr rtlCol="0" anchor="ctr"/>
+          <a:lstStyle/>
+          <a:p>
+            <a:pPr algn="ctr"/>
+            <a:endParaRPr lang="en-US"/>
+          </a:p>
+        </p:txBody>
+      </p:sp>
+      <p:sp>
+        <p:nvSpPr>
+          <p:cNvPr id="72" name="5-point Star 71">
+            <a:extLst>
+              <a:ext uri="{FF2B5EF4-FFF2-40B4-BE49-F238E27FC236}">
+                <a16:creationId xmlns:a16="http://schemas.microsoft.com/office/drawing/2014/main" id="{2809B78C-9528-3BF5-93F9-52E78CCA2D57}"/>
+              </a:ext>
+            </a:extLst>
+          </p:cNvPr>
+          <p:cNvSpPr/>
+          <p:nvPr/>
+        </p:nvSpPr>
+        <p:spPr>
+          <a:xfrm>
+            <a:off x="5015880" y="4221088"/>
+            <a:ext cx="288032" cy="271244"/>
+          </a:xfrm>
+          <a:prstGeom prst="star5">
+            <a:avLst/>
+          </a:prstGeom>
+          <a:solidFill>
+            <a:schemeClr val="tx2">
+              <a:lumMod val="40000"/>
+              <a:lumOff val="60000"/>
+            </a:schemeClr>
+          </a:solidFill>
+          <a:ln w="6350">
+            <a:noFill/>
+          </a:ln>
+        </p:spPr>
+        <p:style>
+          <a:lnRef idx="2">
+            <a:schemeClr val="accent1">
+              <a:shade val="50000"/>
+            </a:schemeClr>
+          </a:lnRef>
+          <a:fillRef idx="1">
+            <a:schemeClr val="accent1"/>
+          </a:fillRef>
+          <a:effectRef idx="0">
+            <a:schemeClr val="accent1"/>
+          </a:effectRef>
+          <a:fontRef idx="minor">
+            <a:schemeClr val="lt1"/>
+          </a:fontRef>
+        </p:style>
+        <p:txBody>
+          <a:bodyPr rtlCol="0" anchor="ctr"/>
+          <a:lstStyle/>
+          <a:p>
+            <a:pPr algn="ctr"/>
+            <a:endParaRPr lang="en-US"/>
+          </a:p>
+        </p:txBody>
+      </p:sp>
+    </p:spTree>
+    <p:extLst>
+      <p:ext uri="{BB962C8B-B14F-4D97-AF65-F5344CB8AC3E}">
+        <p14:creationId xmlns:p14="http://schemas.microsoft.com/office/powerpoint/2010/main" val="2426272336"/>
+      </p:ext>
+    </p:extLst>
+  </p:cSld>
+  <p:clrMapOvr>
+    <a:masterClrMapping/>
+  </p:clrMapOvr>
+</p:sld>
+</file>
+
+<file path=ppt/slides/slide14.xml><?xml version="1.0" encoding="utf-8"?>
+<p:sld xmlns:a="http://schemas.openxmlformats.org/drawingml/2006/main" xmlns:r="http://schemas.openxmlformats.org/officeDocument/2006/relationships" xmlns:p="http://schemas.openxmlformats.org/presentationml/2006/main">
+  <p:cSld>
+    <p:spTree>
+      <p:nvGrpSpPr>
+        <p:cNvPr id="1" name=""/>
+        <p:cNvGrpSpPr/>
+        <p:nvPr/>
+      </p:nvGrpSpPr>
+      <p:grpSpPr>
+        <a:xfrm>
+          <a:off x="0" y="0"/>
+          <a:ext cx="0" cy="0"/>
+          <a:chOff x="0" y="0"/>
+          <a:chExt cx="0" cy="0"/>
+        </a:xfrm>
+      </p:grpSpPr>
+      <p:sp>
+        <p:nvSpPr>
+          <p:cNvPr id="3" name="Title 2"/>
+          <p:cNvSpPr>
+            <a:spLocks noGrp="1"/>
+          </p:cNvSpPr>
+          <p:nvPr>
+            <p:ph type="title"/>
+          </p:nvPr>
+        </p:nvSpPr>
+        <p:spPr/>
+        <p:txBody>
+          <a:bodyPr/>
+          <a:lstStyle/>
+          <a:p>
+            <a:r>
+              <a:rPr lang="en-AU" dirty="0"/>
+              <a:t>hardship – Extreme trees forest model</a:t>
+            </a:r>
+          </a:p>
+        </p:txBody>
+      </p:sp>
+      <p:sp>
+        <p:nvSpPr>
+          <p:cNvPr id="4" name="AutoShape 2">
+            <a:extLst>
+              <a:ext uri="{FF2B5EF4-FFF2-40B4-BE49-F238E27FC236}">
+                <a16:creationId xmlns:a16="http://schemas.microsoft.com/office/drawing/2014/main" id="{C34BA1BA-C622-33AE-8BBB-DD3C0D085091}"/>
+              </a:ext>
+            </a:extLst>
+          </p:cNvPr>
+          <p:cNvSpPr>
+            <a:spLocks noChangeAspect="1" noChangeArrowheads="1"/>
+          </p:cNvSpPr>
+          <p:nvPr/>
+        </p:nvSpPr>
+        <p:spPr bwMode="auto">
+          <a:xfrm>
+            <a:off x="5943600" y="3276600"/>
+            <a:ext cx="304800" cy="304800"/>
+          </a:xfrm>
+          <a:prstGeom prst="rect">
+            <a:avLst/>
+          </a:prstGeom>
+          <a:noFill/>
+          <a:extLst>
+            <a:ext uri="{909E8E84-426E-40DD-AFC4-6F175D3DCCD1}">
+              <a14:hiddenFill xmlns:a14="http://schemas.microsoft.com/office/drawing/2010/main">
+                <a:solidFill>
+                  <a:srgbClr val="FFFFFF"/>
+                </a:solidFill>
+              </a14:hiddenFill>
+            </a:ext>
+          </a:extLst>
+        </p:spPr>
+        <p:txBody>
+          <a:bodyPr vert="horz" wrap="square" lIns="91440" tIns="45720" rIns="91440" bIns="45720" numCol="1" anchor="t" anchorCtr="0" compatLnSpc="1">
+            <a:prstTxWarp prst="textNoShape">
+              <a:avLst/>
+            </a:prstTxWarp>
+          </a:bodyPr>
+          <a:lstStyle/>
+          <a:p>
+            <a:endParaRPr lang="en-US"/>
+          </a:p>
+        </p:txBody>
+      </p:sp>
+      <p:sp>
+        <p:nvSpPr>
+          <p:cNvPr id="6" name="AutoShape 6">
+            <a:extLst>
+              <a:ext uri="{FF2B5EF4-FFF2-40B4-BE49-F238E27FC236}">
+                <a16:creationId xmlns:a16="http://schemas.microsoft.com/office/drawing/2014/main" id="{50E523E9-F8BB-BC01-D28D-46815BFCDB61}"/>
+              </a:ext>
+            </a:extLst>
+          </p:cNvPr>
+          <p:cNvSpPr>
+            <a:spLocks noChangeAspect="1" noChangeArrowheads="1"/>
+          </p:cNvSpPr>
+          <p:nvPr/>
+        </p:nvSpPr>
+        <p:spPr bwMode="auto">
+          <a:xfrm>
+            <a:off x="6096000" y="3429000"/>
+            <a:ext cx="304800" cy="304800"/>
+          </a:xfrm>
+          <a:prstGeom prst="rect">
+            <a:avLst/>
+          </a:prstGeom>
+          <a:noFill/>
+          <a:extLst>
+            <a:ext uri="{909E8E84-426E-40DD-AFC4-6F175D3DCCD1}">
+              <a14:hiddenFill xmlns:a14="http://schemas.microsoft.com/office/drawing/2010/main">
+                <a:solidFill>
+                  <a:srgbClr val="FFFFFF"/>
+                </a:solidFill>
+              </a14:hiddenFill>
+            </a:ext>
+          </a:extLst>
+        </p:spPr>
+        <p:txBody>
+          <a:bodyPr vert="horz" wrap="square" lIns="91440" tIns="45720" rIns="91440" bIns="45720" numCol="1" anchor="t" anchorCtr="0" compatLnSpc="1">
+            <a:prstTxWarp prst="textNoShape">
+              <a:avLst/>
+            </a:prstTxWarp>
+          </a:bodyPr>
+          <a:lstStyle/>
+          <a:p>
+            <a:endParaRPr lang="en-US"/>
+          </a:p>
+        </p:txBody>
+      </p:sp>
+      <p:sp>
+        <p:nvSpPr>
+          <p:cNvPr id="5" name="Content Placeholder 2">
+            <a:extLst>
+              <a:ext uri="{FF2B5EF4-FFF2-40B4-BE49-F238E27FC236}">
+                <a16:creationId xmlns:a16="http://schemas.microsoft.com/office/drawing/2014/main" id="{610A8A71-CE0B-4E79-272F-93710E8A85D7}"/>
+              </a:ext>
+            </a:extLst>
+          </p:cNvPr>
+          <p:cNvSpPr txBox="1">
+            <a:spLocks/>
+          </p:cNvSpPr>
+          <p:nvPr/>
+        </p:nvSpPr>
+        <p:spPr>
+          <a:xfrm>
+            <a:off x="1847528" y="1634002"/>
+            <a:ext cx="3395651" cy="571532"/>
           </a:xfrm>
           <a:prstGeom prst="rect">
             <a:avLst/>
           </a:prstGeom>
         </p:spPr>
-      </p:pic>
+        <p:txBody>
+          <a:bodyPr vert="horz" lIns="0" tIns="0" rIns="0" bIns="0" rtlCol="0">
+            <a:noAutofit/>
+          </a:bodyPr>
+          <a:lstStyle>
+            <a:lvl1pPr marL="0" indent="0" algn="l" defTabSz="914400" rtl="0" eaLnBrk="1" latinLnBrk="0" hangingPunct="1">
+              <a:spcBef>
+                <a:spcPts val="600"/>
+              </a:spcBef>
+              <a:buFont typeface="Arial" pitchFamily="34" charset="0"/>
+              <a:buNone/>
+              <a:defRPr sz="1600" kern="1200" baseline="0">
+                <a:solidFill>
+                  <a:schemeClr val="tx1"/>
+                </a:solidFill>
+                <a:latin typeface="+mn-lt"/>
+                <a:ea typeface="+mn-ea"/>
+                <a:cs typeface="Arial" pitchFamily="34" charset="0"/>
+              </a:defRPr>
+            </a:lvl1pPr>
+            <a:lvl2pPr marL="215900" indent="-215900" algn="l" defTabSz="914400" rtl="0" eaLnBrk="1" latinLnBrk="0" hangingPunct="1">
+              <a:spcBef>
+                <a:spcPts val="600"/>
+              </a:spcBef>
+              <a:buClr>
+                <a:srgbClr val="5BC6E8"/>
+              </a:buClr>
+              <a:buFont typeface="Arial" pitchFamily="34" charset="0"/>
+              <a:buChar char="•"/>
+              <a:defRPr sz="1600" kern="1200">
+                <a:solidFill>
+                  <a:schemeClr val="tx1"/>
+                </a:solidFill>
+                <a:latin typeface="+mn-lt"/>
+                <a:ea typeface="+mn-ea"/>
+                <a:cs typeface="Arial" pitchFamily="34" charset="0"/>
+              </a:defRPr>
+            </a:lvl2pPr>
+            <a:lvl3pPr marL="432000" indent="-216000" algn="l" defTabSz="914400" rtl="0" eaLnBrk="1" latinLnBrk="0" hangingPunct="1">
+              <a:spcBef>
+                <a:spcPts val="600"/>
+              </a:spcBef>
+              <a:buClr>
+                <a:srgbClr val="5BC6E8"/>
+              </a:buClr>
+              <a:buFont typeface="Verdana" pitchFamily="34" charset="0"/>
+              <a:buChar char="–"/>
+              <a:defRPr sz="1600" kern="1200">
+                <a:solidFill>
+                  <a:schemeClr val="tx1"/>
+                </a:solidFill>
+                <a:latin typeface="+mn-lt"/>
+                <a:ea typeface="+mn-ea"/>
+                <a:cs typeface="Arial" pitchFamily="34" charset="0"/>
+              </a:defRPr>
+            </a:lvl3pPr>
+            <a:lvl4pPr marL="648000" indent="-216000" algn="l" defTabSz="914400" rtl="0" eaLnBrk="1" latinLnBrk="0" hangingPunct="1">
+              <a:spcBef>
+                <a:spcPts val="600"/>
+              </a:spcBef>
+              <a:buClr>
+                <a:srgbClr val="5BC6E8"/>
+              </a:buClr>
+              <a:buFont typeface="Verdana" pitchFamily="34" charset="0"/>
+              <a:buChar char="–"/>
+              <a:defRPr sz="1600" kern="1200">
+                <a:solidFill>
+                  <a:schemeClr val="tx1"/>
+                </a:solidFill>
+                <a:latin typeface="+mn-lt"/>
+                <a:ea typeface="+mn-ea"/>
+                <a:cs typeface="Arial" pitchFamily="34" charset="0"/>
+              </a:defRPr>
+            </a:lvl4pPr>
+            <a:lvl5pPr marL="864000" indent="-216000" algn="l" defTabSz="914400" rtl="0" eaLnBrk="1" latinLnBrk="0" hangingPunct="1">
+              <a:spcBef>
+                <a:spcPts val="600"/>
+              </a:spcBef>
+              <a:buClr>
+                <a:srgbClr val="5BC6E8"/>
+              </a:buClr>
+              <a:buFont typeface="Verdana" pitchFamily="34" charset="0"/>
+              <a:buChar char="–"/>
+              <a:defRPr sz="1600" kern="1200" baseline="0">
+                <a:solidFill>
+                  <a:schemeClr val="tx1"/>
+                </a:solidFill>
+                <a:latin typeface="+mn-lt"/>
+                <a:ea typeface="+mn-ea"/>
+                <a:cs typeface="Arial" pitchFamily="34" charset="0"/>
+              </a:defRPr>
+            </a:lvl5pPr>
+            <a:lvl6pPr marL="1080000" indent="-216000" algn="l" defTabSz="914400" rtl="0" eaLnBrk="1" latinLnBrk="0" hangingPunct="1">
+              <a:spcBef>
+                <a:spcPts val="600"/>
+              </a:spcBef>
+              <a:buClr>
+                <a:srgbClr val="5BC6E8"/>
+              </a:buClr>
+              <a:buFont typeface="Verdana" pitchFamily="34" charset="0"/>
+              <a:buChar char="–"/>
+              <a:defRPr sz="1600" kern="1200">
+                <a:solidFill>
+                  <a:schemeClr val="tx1"/>
+                </a:solidFill>
+                <a:latin typeface="+mn-lt"/>
+                <a:ea typeface="+mn-ea"/>
+                <a:cs typeface="Arial" pitchFamily="34" charset="0"/>
+              </a:defRPr>
+            </a:lvl6pPr>
+            <a:lvl7pPr marL="1296000" indent="-216000" algn="l" defTabSz="914400" rtl="0" eaLnBrk="1" latinLnBrk="0" hangingPunct="1">
+              <a:spcBef>
+                <a:spcPts val="600"/>
+              </a:spcBef>
+              <a:buClr>
+                <a:srgbClr val="5BC6E8"/>
+              </a:buClr>
+              <a:buFont typeface="Verdana" pitchFamily="34" charset="0"/>
+              <a:buChar char="–"/>
+              <a:defRPr sz="1600" kern="1200">
+                <a:solidFill>
+                  <a:schemeClr val="tx1"/>
+                </a:solidFill>
+                <a:latin typeface="+mn-lt"/>
+                <a:ea typeface="+mn-ea"/>
+                <a:cs typeface="Arial" pitchFamily="34" charset="0"/>
+              </a:defRPr>
+            </a:lvl7pPr>
+            <a:lvl8pPr marL="1512000" indent="-216000" algn="l" defTabSz="914400" rtl="0" eaLnBrk="1" latinLnBrk="0" hangingPunct="1">
+              <a:spcBef>
+                <a:spcPts val="600"/>
+              </a:spcBef>
+              <a:buClr>
+                <a:srgbClr val="5BC6E8"/>
+              </a:buClr>
+              <a:buFont typeface="Verdana" pitchFamily="34" charset="0"/>
+              <a:buChar char="–"/>
+              <a:defRPr sz="1600" kern="1200">
+                <a:solidFill>
+                  <a:schemeClr val="tx1"/>
+                </a:solidFill>
+                <a:latin typeface="+mn-lt"/>
+                <a:ea typeface="+mn-ea"/>
+                <a:cs typeface="Arial" pitchFamily="34" charset="0"/>
+              </a:defRPr>
+            </a:lvl8pPr>
+            <a:lvl9pPr marL="1728000" indent="-216000" algn="l" defTabSz="914400" rtl="0" eaLnBrk="1" latinLnBrk="0" hangingPunct="1">
+              <a:spcBef>
+                <a:spcPts val="600"/>
+              </a:spcBef>
+              <a:buClr>
+                <a:srgbClr val="5BC6E8"/>
+              </a:buClr>
+              <a:buFont typeface="Verdana" pitchFamily="34" charset="0"/>
+              <a:buChar char="–"/>
+              <a:defRPr sz="1600" kern="1200">
+                <a:solidFill>
+                  <a:schemeClr val="tx1"/>
+                </a:solidFill>
+                <a:latin typeface="+mn-lt"/>
+                <a:ea typeface="+mn-ea"/>
+                <a:cs typeface="Arial" pitchFamily="34" charset="0"/>
+              </a:defRPr>
+            </a:lvl9pPr>
+          </a:lstStyle>
+          <a:p>
+            <a:pPr marL="0" lvl="1" indent="0">
+              <a:buNone/>
+            </a:pPr>
+            <a:r>
+              <a:rPr lang="en-AU" sz="2400" b="1" dirty="0">
+                <a:solidFill>
+                  <a:srgbClr val="7A99AC"/>
+                </a:solidFill>
+              </a:rPr>
+              <a:t>Important features</a:t>
+            </a:r>
+          </a:p>
+          <a:p>
+            <a:pPr marL="0" lvl="1" indent="0">
+              <a:buFont typeface="Arial" pitchFamily="34" charset="0"/>
+              <a:buNone/>
+            </a:pPr>
+            <a:endParaRPr lang="en-AU" dirty="0"/>
+          </a:p>
+          <a:p>
+            <a:pPr marL="0" lvl="1" indent="0">
+              <a:buFont typeface="Arial" pitchFamily="34" charset="0"/>
+              <a:buNone/>
+            </a:pPr>
+            <a:endParaRPr lang="en-AU" dirty="0"/>
+          </a:p>
+        </p:txBody>
+      </p:sp>
+      <p:sp>
+        <p:nvSpPr>
+          <p:cNvPr id="7" name="TextBox 6">
+            <a:extLst>
+              <a:ext uri="{FF2B5EF4-FFF2-40B4-BE49-F238E27FC236}">
+                <a16:creationId xmlns:a16="http://schemas.microsoft.com/office/drawing/2014/main" id="{A81291DB-6439-AD5F-A296-CF5209D5FA07}"/>
+              </a:ext>
+            </a:extLst>
+          </p:cNvPr>
+          <p:cNvSpPr txBox="1"/>
+          <p:nvPr/>
+        </p:nvSpPr>
+        <p:spPr>
+          <a:xfrm>
+            <a:off x="1205093" y="2302639"/>
+            <a:ext cx="4680520" cy="2862322"/>
+          </a:xfrm>
+          <a:prstGeom prst="rect">
+            <a:avLst/>
+          </a:prstGeom>
+          <a:noFill/>
+        </p:spPr>
+        <p:txBody>
+          <a:bodyPr wrap="square" rtlCol="0">
+            <a:spAutoFit/>
+          </a:bodyPr>
+          <a:lstStyle/>
+          <a:p>
+            <a:pPr marL="285750" indent="-285750">
+              <a:buFont typeface="Arial" panose="020B0604020202020204" pitchFamily="34" charset="0"/>
+              <a:buChar char="•"/>
+            </a:pPr>
+            <a:r>
+              <a:rPr lang="en-US" sz="2000" dirty="0"/>
+              <a:t>Percent of income on necessities</a:t>
+            </a:r>
+          </a:p>
+          <a:p>
+            <a:r>
+              <a:rPr lang="en-US" sz="2000" dirty="0"/>
+              <a:t> </a:t>
+            </a:r>
+          </a:p>
+          <a:p>
+            <a:pPr marL="285750" indent="-285750">
+              <a:buFont typeface="Arial" panose="020B0604020202020204" pitchFamily="34" charset="0"/>
+              <a:buChar char="•"/>
+            </a:pPr>
+            <a:r>
+              <a:rPr lang="en-US" sz="2000" dirty="0"/>
+              <a:t>Median velocity </a:t>
+            </a:r>
+          </a:p>
+          <a:p>
+            <a:endParaRPr lang="en-US" sz="2000" dirty="0"/>
+          </a:p>
+          <a:p>
+            <a:pPr marL="285750" indent="-285750">
+              <a:buFont typeface="Arial" panose="020B0604020202020204" pitchFamily="34" charset="0"/>
+              <a:buChar char="•"/>
+            </a:pPr>
+            <a:r>
+              <a:rPr lang="en-US" sz="2000" dirty="0"/>
+              <a:t>Number of pay later payments </a:t>
+            </a:r>
+          </a:p>
+          <a:p>
+            <a:endParaRPr lang="en-US" sz="2000" dirty="0"/>
+          </a:p>
+          <a:p>
+            <a:pPr marL="285750" indent="-285750">
+              <a:buFont typeface="Arial" panose="020B0604020202020204" pitchFamily="34" charset="0"/>
+              <a:buChar char="•"/>
+            </a:pPr>
+            <a:r>
+              <a:rPr lang="en-US" sz="2000" dirty="0"/>
+              <a:t>Number of floating home loans</a:t>
+            </a:r>
+          </a:p>
+          <a:p>
+            <a:pPr marL="285750" indent="-285750">
+              <a:buFont typeface="Arial" panose="020B0604020202020204" pitchFamily="34" charset="0"/>
+              <a:buChar char="•"/>
+            </a:pPr>
+            <a:endParaRPr lang="en-US" sz="2000" dirty="0"/>
+          </a:p>
+          <a:p>
+            <a:pPr marL="285750" indent="-285750">
+              <a:buFont typeface="Arial" panose="020B0604020202020204" pitchFamily="34" charset="0"/>
+              <a:buChar char="•"/>
+            </a:pPr>
+            <a:r>
+              <a:rPr lang="en-US" sz="2000" dirty="0"/>
+              <a:t>Average balance</a:t>
+            </a:r>
+          </a:p>
+        </p:txBody>
+      </p:sp>
+      <p:sp>
+        <p:nvSpPr>
+          <p:cNvPr id="9" name="5-point Star 8">
+            <a:extLst>
+              <a:ext uri="{FF2B5EF4-FFF2-40B4-BE49-F238E27FC236}">
+                <a16:creationId xmlns:a16="http://schemas.microsoft.com/office/drawing/2014/main" id="{96BF99B6-F2AD-B3FD-AC34-5352E5FEEE3C}"/>
+              </a:ext>
+            </a:extLst>
+          </p:cNvPr>
+          <p:cNvSpPr/>
+          <p:nvPr/>
+        </p:nvSpPr>
+        <p:spPr>
+          <a:xfrm>
+            <a:off x="5807968" y="2348880"/>
+            <a:ext cx="288032" cy="271244"/>
+          </a:xfrm>
+          <a:prstGeom prst="star5">
+            <a:avLst/>
+          </a:prstGeom>
+          <a:solidFill>
+            <a:schemeClr val="tx2">
+              <a:lumMod val="40000"/>
+              <a:lumOff val="60000"/>
+            </a:schemeClr>
+          </a:solidFill>
+          <a:ln w="6350">
+            <a:noFill/>
+          </a:ln>
+        </p:spPr>
+        <p:style>
+          <a:lnRef idx="2">
+            <a:schemeClr val="accent1">
+              <a:shade val="50000"/>
+            </a:schemeClr>
+          </a:lnRef>
+          <a:fillRef idx="1">
+            <a:schemeClr val="accent1"/>
+          </a:fillRef>
+          <a:effectRef idx="0">
+            <a:schemeClr val="accent1"/>
+          </a:effectRef>
+          <a:fontRef idx="minor">
+            <a:schemeClr val="lt1"/>
+          </a:fontRef>
+        </p:style>
+        <p:txBody>
+          <a:bodyPr rtlCol="0" anchor="ctr"/>
+          <a:lstStyle/>
+          <a:p>
+            <a:pPr algn="ctr"/>
+            <a:endParaRPr lang="en-US"/>
+          </a:p>
+        </p:txBody>
+      </p:sp>
+      <p:sp>
+        <p:nvSpPr>
+          <p:cNvPr id="10" name="5-point Star 9">
+            <a:extLst>
+              <a:ext uri="{FF2B5EF4-FFF2-40B4-BE49-F238E27FC236}">
+                <a16:creationId xmlns:a16="http://schemas.microsoft.com/office/drawing/2014/main" id="{4BE449FE-5046-1746-F938-6C4DFDE863FA}"/>
+              </a:ext>
+            </a:extLst>
+          </p:cNvPr>
+          <p:cNvSpPr/>
+          <p:nvPr/>
+        </p:nvSpPr>
+        <p:spPr>
+          <a:xfrm>
+            <a:off x="3647728" y="2941732"/>
+            <a:ext cx="288032" cy="271244"/>
+          </a:xfrm>
+          <a:prstGeom prst="star5">
+            <a:avLst/>
+          </a:prstGeom>
+          <a:solidFill>
+            <a:schemeClr val="tx2">
+              <a:lumMod val="40000"/>
+              <a:lumOff val="60000"/>
+            </a:schemeClr>
+          </a:solidFill>
+          <a:ln w="6350">
+            <a:noFill/>
+          </a:ln>
+        </p:spPr>
+        <p:style>
+          <a:lnRef idx="2">
+            <a:schemeClr val="accent1">
+              <a:shade val="50000"/>
+            </a:schemeClr>
+          </a:lnRef>
+          <a:fillRef idx="1">
+            <a:schemeClr val="accent1"/>
+          </a:fillRef>
+          <a:effectRef idx="0">
+            <a:schemeClr val="accent1"/>
+          </a:effectRef>
+          <a:fontRef idx="minor">
+            <a:schemeClr val="lt1"/>
+          </a:fontRef>
+        </p:style>
+        <p:txBody>
+          <a:bodyPr rtlCol="0" anchor="ctr"/>
+          <a:lstStyle/>
+          <a:p>
+            <a:pPr algn="ctr"/>
+            <a:endParaRPr lang="en-US"/>
+          </a:p>
+        </p:txBody>
+      </p:sp>
+      <p:sp>
+        <p:nvSpPr>
+          <p:cNvPr id="11" name="5-point Star 10">
+            <a:extLst>
+              <a:ext uri="{FF2B5EF4-FFF2-40B4-BE49-F238E27FC236}">
+                <a16:creationId xmlns:a16="http://schemas.microsoft.com/office/drawing/2014/main" id="{9F766AD8-4C6B-3DB0-DAA1-21BBA6B07E34}"/>
+              </a:ext>
+            </a:extLst>
+          </p:cNvPr>
+          <p:cNvSpPr/>
+          <p:nvPr/>
+        </p:nvSpPr>
+        <p:spPr>
+          <a:xfrm>
+            <a:off x="5591944" y="3573016"/>
+            <a:ext cx="288032" cy="271244"/>
+          </a:xfrm>
+          <a:prstGeom prst="star5">
+            <a:avLst/>
+          </a:prstGeom>
+          <a:solidFill>
+            <a:schemeClr val="tx2">
+              <a:lumMod val="40000"/>
+              <a:lumOff val="60000"/>
+            </a:schemeClr>
+          </a:solidFill>
+          <a:ln w="6350">
+            <a:noFill/>
+          </a:ln>
+        </p:spPr>
+        <p:style>
+          <a:lnRef idx="2">
+            <a:schemeClr val="accent1">
+              <a:shade val="50000"/>
+            </a:schemeClr>
+          </a:lnRef>
+          <a:fillRef idx="1">
+            <a:schemeClr val="accent1"/>
+          </a:fillRef>
+          <a:effectRef idx="0">
+            <a:schemeClr val="accent1"/>
+          </a:effectRef>
+          <a:fontRef idx="minor">
+            <a:schemeClr val="lt1"/>
+          </a:fontRef>
+        </p:style>
+        <p:txBody>
+          <a:bodyPr rtlCol="0" anchor="ctr"/>
+          <a:lstStyle/>
+          <a:p>
+            <a:pPr algn="ctr"/>
+            <a:endParaRPr lang="en-US"/>
+          </a:p>
+        </p:txBody>
+      </p:sp>
+      <p:graphicFrame>
+        <p:nvGraphicFramePr>
+          <p:cNvPr id="18" name="Table Placeholder 12">
+            <a:extLst>
+              <a:ext uri="{FF2B5EF4-FFF2-40B4-BE49-F238E27FC236}">
+                <a16:creationId xmlns:a16="http://schemas.microsoft.com/office/drawing/2014/main" id="{F1A87F78-5584-D4EF-41F7-D198963164FE}"/>
+              </a:ext>
+            </a:extLst>
+          </p:cNvPr>
+          <p:cNvGraphicFramePr>
+            <a:graphicFrameLocks/>
+          </p:cNvGraphicFramePr>
+          <p:nvPr>
+            <p:extLst>
+              <p:ext uri="{D42A27DB-BD31-4B8C-83A1-F6EECF244321}">
+                <p14:modId xmlns:p14="http://schemas.microsoft.com/office/powerpoint/2010/main" val="3545105343"/>
+              </p:ext>
+            </p:extLst>
+          </p:nvPr>
+        </p:nvGraphicFramePr>
+        <p:xfrm>
+          <a:off x="7320136" y="2365668"/>
+          <a:ext cx="4104456" cy="3068364"/>
+        </p:xfrm>
+        <a:graphic>
+          <a:graphicData uri="http://schemas.openxmlformats.org/drawingml/2006/table">
+            <a:tbl>
+              <a:tblPr firstRow="1" bandRow="1">
+                <a:tableStyleId>{21E4AEA4-8DFA-4A89-87EB-49C32662AFE0}</a:tableStyleId>
+              </a:tblPr>
+              <a:tblGrid>
+                <a:gridCol w="2056387">
+                  <a:extLst>
+                    <a:ext uri="{9D8B030D-6E8A-4147-A177-3AD203B41FA5}">
+                      <a16:colId xmlns:a16="http://schemas.microsoft.com/office/drawing/2014/main" val="20000"/>
+                    </a:ext>
+                  </a:extLst>
+                </a:gridCol>
+                <a:gridCol w="2048069">
+                  <a:extLst>
+                    <a:ext uri="{9D8B030D-6E8A-4147-A177-3AD203B41FA5}">
+                      <a16:colId xmlns:a16="http://schemas.microsoft.com/office/drawing/2014/main" val="20001"/>
+                    </a:ext>
+                  </a:extLst>
+                </a:gridCol>
+              </a:tblGrid>
+              <a:tr h="919316">
+                <a:tc>
+                  <a:txBody>
+                    <a:bodyPr/>
+                    <a:lstStyle/>
+                    <a:p>
+                      <a:r>
+                        <a:rPr lang="en-AU" sz="1800" dirty="0"/>
+                        <a:t>Correctly predicted</a:t>
+                      </a:r>
+                    </a:p>
+                  </a:txBody>
+                  <a:tcPr/>
+                </a:tc>
+                <a:tc>
+                  <a:txBody>
+                    <a:bodyPr/>
+                    <a:lstStyle/>
+                    <a:p>
+                      <a:r>
+                        <a:rPr lang="en-AU" sz="1800" dirty="0"/>
+                        <a:t>47</a:t>
+                      </a:r>
+                    </a:p>
+                  </a:txBody>
+                  <a:tcPr/>
+                </a:tc>
+                <a:extLst>
+                  <a:ext uri="{0D108BD9-81ED-4DB2-BD59-A6C34878D82A}">
+                    <a16:rowId xmlns:a16="http://schemas.microsoft.com/office/drawing/2014/main" val="10002"/>
+                  </a:ext>
+                </a:extLst>
+              </a:tr>
+              <a:tr h="1074524">
+                <a:tc>
+                  <a:txBody>
+                    <a:bodyPr/>
+                    <a:lstStyle/>
+                    <a:p>
+                      <a:r>
+                        <a:rPr lang="en-AU" sz="1800" dirty="0"/>
+                        <a:t>Missed</a:t>
+                      </a:r>
+                    </a:p>
+                  </a:txBody>
+                  <a:tcPr/>
+                </a:tc>
+                <a:tc>
+                  <a:txBody>
+                    <a:bodyPr/>
+                    <a:lstStyle/>
+                    <a:p>
+                      <a:pPr marL="0" marR="0" lvl="0" indent="0" algn="l" defTabSz="914400" rtl="0" eaLnBrk="1" fontAlgn="auto" latinLnBrk="0" hangingPunct="1">
+                        <a:lnSpc>
+                          <a:spcPct val="100000"/>
+                        </a:lnSpc>
+                        <a:spcBef>
+                          <a:spcPts val="0"/>
+                        </a:spcBef>
+                        <a:spcAft>
+                          <a:spcPts val="0"/>
+                        </a:spcAft>
+                        <a:buClrTx/>
+                        <a:buSzTx/>
+                        <a:buFontTx/>
+                        <a:buNone/>
+                        <a:tabLst/>
+                        <a:defRPr/>
+                      </a:pPr>
+                      <a:r>
+                        <a:rPr lang="en-AU" sz="1800" dirty="0"/>
+                        <a:t>1,452</a:t>
+                      </a:r>
+                    </a:p>
+                    <a:p>
+                      <a:endParaRPr lang="en-AU" sz="1800" dirty="0"/>
+                    </a:p>
+                  </a:txBody>
+                  <a:tcPr/>
+                </a:tc>
+                <a:extLst>
+                  <a:ext uri="{0D108BD9-81ED-4DB2-BD59-A6C34878D82A}">
+                    <a16:rowId xmlns:a16="http://schemas.microsoft.com/office/drawing/2014/main" val="10003"/>
+                  </a:ext>
+                </a:extLst>
+              </a:tr>
+              <a:tr h="1074524">
+                <a:tc>
+                  <a:txBody>
+                    <a:bodyPr/>
+                    <a:lstStyle/>
+                    <a:p>
+                      <a:r>
+                        <a:rPr lang="en-AU" sz="1800" dirty="0"/>
+                        <a:t>False positives</a:t>
+                      </a:r>
+                    </a:p>
+                  </a:txBody>
+                  <a:tcPr/>
+                </a:tc>
+                <a:tc>
+                  <a:txBody>
+                    <a:bodyPr/>
+                    <a:lstStyle/>
+                    <a:p>
+                      <a:pPr marL="0" marR="0" lvl="0" indent="0" algn="l" defTabSz="914400" rtl="0" eaLnBrk="1" fontAlgn="auto" latinLnBrk="0" hangingPunct="1">
+                        <a:lnSpc>
+                          <a:spcPct val="100000"/>
+                        </a:lnSpc>
+                        <a:spcBef>
+                          <a:spcPts val="0"/>
+                        </a:spcBef>
+                        <a:spcAft>
+                          <a:spcPts val="0"/>
+                        </a:spcAft>
+                        <a:buClrTx/>
+                        <a:buSzTx/>
+                        <a:buFontTx/>
+                        <a:buNone/>
+                        <a:tabLst/>
+                        <a:defRPr/>
+                      </a:pPr>
+                      <a:r>
+                        <a:rPr lang="en-AU" sz="1800" dirty="0"/>
+                        <a:t>226</a:t>
+                      </a:r>
+                    </a:p>
+                    <a:p>
+                      <a:endParaRPr lang="en-AU" sz="1800" dirty="0"/>
+                    </a:p>
+                  </a:txBody>
+                  <a:tcPr/>
+                </a:tc>
+                <a:extLst>
+                  <a:ext uri="{0D108BD9-81ED-4DB2-BD59-A6C34878D82A}">
+                    <a16:rowId xmlns:a16="http://schemas.microsoft.com/office/drawing/2014/main" val="206971147"/>
+                  </a:ext>
+                </a:extLst>
+              </a:tr>
+            </a:tbl>
+          </a:graphicData>
+        </a:graphic>
+      </p:graphicFrame>
+      <p:sp>
+        <p:nvSpPr>
+          <p:cNvPr id="19" name="Content Placeholder 13">
+            <a:extLst>
+              <a:ext uri="{FF2B5EF4-FFF2-40B4-BE49-F238E27FC236}">
+                <a16:creationId xmlns:a16="http://schemas.microsoft.com/office/drawing/2014/main" id="{226ACEF0-CA0A-9A5A-A70F-14EA27916BC2}"/>
+              </a:ext>
+            </a:extLst>
+          </p:cNvPr>
+          <p:cNvSpPr txBox="1">
+            <a:spLocks/>
+          </p:cNvSpPr>
+          <p:nvPr/>
+        </p:nvSpPr>
+        <p:spPr>
+          <a:xfrm>
+            <a:off x="7320136" y="1634002"/>
+            <a:ext cx="4027930" cy="864096"/>
+          </a:xfrm>
+          <a:prstGeom prst="rect">
+            <a:avLst/>
+          </a:prstGeom>
+        </p:spPr>
+        <p:txBody>
+          <a:bodyPr vert="horz" lIns="0" tIns="0" rIns="0" bIns="0" rtlCol="0">
+            <a:noAutofit/>
+          </a:bodyPr>
+          <a:lstStyle>
+            <a:lvl1pPr marL="0" indent="0" algn="l" defTabSz="914400" rtl="0" eaLnBrk="1" latinLnBrk="0" hangingPunct="1">
+              <a:spcBef>
+                <a:spcPts val="600"/>
+              </a:spcBef>
+              <a:buFont typeface="Arial" pitchFamily="34" charset="0"/>
+              <a:buNone/>
+              <a:defRPr sz="1600" kern="1200" baseline="0">
+                <a:solidFill>
+                  <a:schemeClr val="tx1"/>
+                </a:solidFill>
+                <a:latin typeface="+mn-lt"/>
+                <a:ea typeface="+mn-ea"/>
+                <a:cs typeface="Arial" pitchFamily="34" charset="0"/>
+              </a:defRPr>
+            </a:lvl1pPr>
+            <a:lvl2pPr marL="215900" indent="-215900" algn="l" defTabSz="914400" rtl="0" eaLnBrk="1" latinLnBrk="0" hangingPunct="1">
+              <a:spcBef>
+                <a:spcPts val="600"/>
+              </a:spcBef>
+              <a:buClr>
+                <a:srgbClr val="5BC6E8"/>
+              </a:buClr>
+              <a:buFont typeface="Arial" pitchFamily="34" charset="0"/>
+              <a:buChar char="•"/>
+              <a:defRPr sz="1600" kern="1200">
+                <a:solidFill>
+                  <a:schemeClr val="tx1"/>
+                </a:solidFill>
+                <a:latin typeface="+mn-lt"/>
+                <a:ea typeface="+mn-ea"/>
+                <a:cs typeface="Arial" pitchFamily="34" charset="0"/>
+              </a:defRPr>
+            </a:lvl2pPr>
+            <a:lvl3pPr marL="432000" indent="-216000" algn="l" defTabSz="914400" rtl="0" eaLnBrk="1" latinLnBrk="0" hangingPunct="1">
+              <a:spcBef>
+                <a:spcPts val="600"/>
+              </a:spcBef>
+              <a:buClr>
+                <a:srgbClr val="5BC6E8"/>
+              </a:buClr>
+              <a:buFont typeface="Verdana" pitchFamily="34" charset="0"/>
+              <a:buChar char="–"/>
+              <a:defRPr sz="1600" kern="1200">
+                <a:solidFill>
+                  <a:schemeClr val="tx1"/>
+                </a:solidFill>
+                <a:latin typeface="+mn-lt"/>
+                <a:ea typeface="+mn-ea"/>
+                <a:cs typeface="Arial" pitchFamily="34" charset="0"/>
+              </a:defRPr>
+            </a:lvl3pPr>
+            <a:lvl4pPr marL="648000" indent="-216000" algn="l" defTabSz="914400" rtl="0" eaLnBrk="1" latinLnBrk="0" hangingPunct="1">
+              <a:spcBef>
+                <a:spcPts val="600"/>
+              </a:spcBef>
+              <a:buClr>
+                <a:srgbClr val="5BC6E8"/>
+              </a:buClr>
+              <a:buFont typeface="Verdana" pitchFamily="34" charset="0"/>
+              <a:buChar char="–"/>
+              <a:defRPr sz="1600" kern="1200">
+                <a:solidFill>
+                  <a:schemeClr val="tx1"/>
+                </a:solidFill>
+                <a:latin typeface="+mn-lt"/>
+                <a:ea typeface="+mn-ea"/>
+                <a:cs typeface="Arial" pitchFamily="34" charset="0"/>
+              </a:defRPr>
+            </a:lvl4pPr>
+            <a:lvl5pPr marL="864000" indent="-216000" algn="l" defTabSz="914400" rtl="0" eaLnBrk="1" latinLnBrk="0" hangingPunct="1">
+              <a:spcBef>
+                <a:spcPts val="600"/>
+              </a:spcBef>
+              <a:buClr>
+                <a:srgbClr val="5BC6E8"/>
+              </a:buClr>
+              <a:buFont typeface="Verdana" pitchFamily="34" charset="0"/>
+              <a:buChar char="–"/>
+              <a:defRPr sz="1600" kern="1200" baseline="0">
+                <a:solidFill>
+                  <a:schemeClr val="tx1"/>
+                </a:solidFill>
+                <a:latin typeface="+mn-lt"/>
+                <a:ea typeface="+mn-ea"/>
+                <a:cs typeface="Arial" pitchFamily="34" charset="0"/>
+              </a:defRPr>
+            </a:lvl5pPr>
+            <a:lvl6pPr marL="1080000" indent="-216000" algn="l" defTabSz="914400" rtl="0" eaLnBrk="1" latinLnBrk="0" hangingPunct="1">
+              <a:spcBef>
+                <a:spcPts val="600"/>
+              </a:spcBef>
+              <a:buClr>
+                <a:srgbClr val="5BC6E8"/>
+              </a:buClr>
+              <a:buFont typeface="Verdana" pitchFamily="34" charset="0"/>
+              <a:buChar char="–"/>
+              <a:defRPr sz="1600" kern="1200">
+                <a:solidFill>
+                  <a:schemeClr val="tx1"/>
+                </a:solidFill>
+                <a:latin typeface="+mn-lt"/>
+                <a:ea typeface="+mn-ea"/>
+                <a:cs typeface="Arial" pitchFamily="34" charset="0"/>
+              </a:defRPr>
+            </a:lvl6pPr>
+            <a:lvl7pPr marL="1296000" indent="-216000" algn="l" defTabSz="914400" rtl="0" eaLnBrk="1" latinLnBrk="0" hangingPunct="1">
+              <a:spcBef>
+                <a:spcPts val="600"/>
+              </a:spcBef>
+              <a:buClr>
+                <a:srgbClr val="5BC6E8"/>
+              </a:buClr>
+              <a:buFont typeface="Verdana" pitchFamily="34" charset="0"/>
+              <a:buChar char="–"/>
+              <a:defRPr sz="1600" kern="1200">
+                <a:solidFill>
+                  <a:schemeClr val="tx1"/>
+                </a:solidFill>
+                <a:latin typeface="+mn-lt"/>
+                <a:ea typeface="+mn-ea"/>
+                <a:cs typeface="Arial" pitchFamily="34" charset="0"/>
+              </a:defRPr>
+            </a:lvl7pPr>
+            <a:lvl8pPr marL="1512000" indent="-216000" algn="l" defTabSz="914400" rtl="0" eaLnBrk="1" latinLnBrk="0" hangingPunct="1">
+              <a:spcBef>
+                <a:spcPts val="600"/>
+              </a:spcBef>
+              <a:buClr>
+                <a:srgbClr val="5BC6E8"/>
+              </a:buClr>
+              <a:buFont typeface="Verdana" pitchFamily="34" charset="0"/>
+              <a:buChar char="–"/>
+              <a:defRPr sz="1600" kern="1200">
+                <a:solidFill>
+                  <a:schemeClr val="tx1"/>
+                </a:solidFill>
+                <a:latin typeface="+mn-lt"/>
+                <a:ea typeface="+mn-ea"/>
+                <a:cs typeface="Arial" pitchFamily="34" charset="0"/>
+              </a:defRPr>
+            </a:lvl8pPr>
+            <a:lvl9pPr marL="1728000" indent="-216000" algn="l" defTabSz="914400" rtl="0" eaLnBrk="1" latinLnBrk="0" hangingPunct="1">
+              <a:spcBef>
+                <a:spcPts val="600"/>
+              </a:spcBef>
+              <a:buClr>
+                <a:srgbClr val="5BC6E8"/>
+              </a:buClr>
+              <a:buFont typeface="Verdana" pitchFamily="34" charset="0"/>
+              <a:buChar char="–"/>
+              <a:defRPr sz="1600" kern="1200">
+                <a:solidFill>
+                  <a:schemeClr val="tx1"/>
+                </a:solidFill>
+                <a:latin typeface="+mn-lt"/>
+                <a:ea typeface="+mn-ea"/>
+                <a:cs typeface="Arial" pitchFamily="34" charset="0"/>
+              </a:defRPr>
+            </a:lvl9pPr>
+          </a:lstStyle>
+          <a:p>
+            <a:pPr algn="ctr"/>
+            <a:r>
+              <a:rPr lang="en-US" sz="2400" b="1" dirty="0">
+                <a:solidFill>
+                  <a:srgbClr val="7A99AC"/>
+                </a:solidFill>
+              </a:rPr>
+              <a:t>Predictions</a:t>
+            </a:r>
+            <a:endParaRPr lang="en-AU" sz="2400" b="1" dirty="0">
+              <a:solidFill>
+                <a:srgbClr val="7A99AC"/>
+              </a:solidFill>
+            </a:endParaRPr>
+          </a:p>
+        </p:txBody>
+      </p:sp>
     </p:spTree>
     <p:extLst>
       <p:ext uri="{BB962C8B-B14F-4D97-AF65-F5344CB8AC3E}">
-        <p14:creationId xmlns:p14="http://schemas.microsoft.com/office/powerpoint/2010/main" val="2426272336"/>
+        <p14:creationId xmlns:p14="http://schemas.microsoft.com/office/powerpoint/2010/main" val="1161964871"/>
       </p:ext>
     </p:extLst>
   </p:cSld>
@@ -14725,35 +15082,6 @@
           <a:chExt cx="0" cy="0"/>
         </a:xfrm>
       </p:grpSpPr>
-      <p:pic>
-        <p:nvPicPr>
-          <p:cNvPr id="8" name="Picture 7">
-            <a:extLst>
-              <a:ext uri="{FF2B5EF4-FFF2-40B4-BE49-F238E27FC236}">
-                <a16:creationId xmlns:a16="http://schemas.microsoft.com/office/drawing/2014/main" id="{AB1C1F68-41D9-9185-58FB-D06A19F31304}"/>
-              </a:ext>
-            </a:extLst>
-          </p:cNvPr>
-          <p:cNvPicPr>
-            <a:picLocks noChangeAspect="1"/>
-          </p:cNvPicPr>
-          <p:nvPr/>
-        </p:nvPicPr>
-        <p:blipFill rotWithShape="1">
-          <a:blip r:embed="rId3"/>
-          <a:srcRect l="4303" t="5264" r="10698"/>
-          <a:stretch/>
-        </p:blipFill>
-        <p:spPr>
-          <a:xfrm>
-            <a:off x="325902" y="2431291"/>
-            <a:ext cx="6120682" cy="3085271"/>
-          </a:xfrm>
-          <a:prstGeom prst="rect">
-            <a:avLst/>
-          </a:prstGeom>
-        </p:spPr>
-      </p:pic>
       <p:sp>
         <p:nvSpPr>
           <p:cNvPr id="3" name="Title 2"/>
@@ -14771,569 +15099,8 @@
           <a:p>
             <a:r>
               <a:rPr lang="en-AU" dirty="0"/>
-              <a:t>hardship - random forest model</a:t>
-            </a:r>
-          </a:p>
-        </p:txBody>
-      </p:sp>
-      <p:graphicFrame>
-        <p:nvGraphicFramePr>
-          <p:cNvPr id="13" name="Table Placeholder 12"/>
-          <p:cNvGraphicFramePr>
-            <a:graphicFrameLocks noGrp="1"/>
-          </p:cNvGraphicFramePr>
-          <p:nvPr>
-            <p:ph type="tbl" sz="quarter" idx="12"/>
-            <p:extLst>
-              <p:ext uri="{D42A27DB-BD31-4B8C-83A1-F6EECF244321}">
-                <p14:modId xmlns:p14="http://schemas.microsoft.com/office/powerpoint/2010/main" val="3827231649"/>
-              </p:ext>
-            </p:extLst>
-          </p:nvPr>
-        </p:nvGraphicFramePr>
-        <p:xfrm>
-          <a:off x="7320136" y="2365668"/>
-          <a:ext cx="4027930" cy="2736264"/>
-        </p:xfrm>
-        <a:graphic>
-          <a:graphicData uri="http://schemas.openxmlformats.org/drawingml/2006/table">
-            <a:tbl>
-              <a:tblPr firstRow="1" bandRow="1">
-                <a:tableStyleId>{21E4AEA4-8DFA-4A89-87EB-49C32662AFE0}</a:tableStyleId>
-              </a:tblPr>
-              <a:tblGrid>
-                <a:gridCol w="352379">
-                  <a:extLst>
-                    <a:ext uri="{9D8B030D-6E8A-4147-A177-3AD203B41FA5}">
-                      <a16:colId xmlns:a16="http://schemas.microsoft.com/office/drawing/2014/main" val="2818185472"/>
-                    </a:ext>
-                  </a:extLst>
-                </a:gridCol>
-                <a:gridCol w="1021923">
-                  <a:extLst>
-                    <a:ext uri="{9D8B030D-6E8A-4147-A177-3AD203B41FA5}">
-                      <a16:colId xmlns:a16="http://schemas.microsoft.com/office/drawing/2014/main" val="20000"/>
-                    </a:ext>
-                  </a:extLst>
-                </a:gridCol>
-                <a:gridCol w="1277673">
-                  <a:extLst>
-                    <a:ext uri="{9D8B030D-6E8A-4147-A177-3AD203B41FA5}">
-                      <a16:colId xmlns:a16="http://schemas.microsoft.com/office/drawing/2014/main" val="20001"/>
-                    </a:ext>
-                  </a:extLst>
-                </a:gridCol>
-                <a:gridCol w="1375955">
-                  <a:extLst>
-                    <a:ext uri="{9D8B030D-6E8A-4147-A177-3AD203B41FA5}">
-                      <a16:colId xmlns:a16="http://schemas.microsoft.com/office/drawing/2014/main" val="20002"/>
-                    </a:ext>
-                  </a:extLst>
-                </a:gridCol>
-              </a:tblGrid>
-              <a:tr h="432048">
-                <a:tc>
-                  <a:txBody>
-                    <a:bodyPr/>
-                    <a:lstStyle/>
-                    <a:p>
-                      <a:endParaRPr lang="en-AU" sz="1400" dirty="0"/>
-                    </a:p>
-                  </a:txBody>
-                  <a:tcPr>
-                    <a:solidFill>
-                      <a:schemeClr val="bg1"/>
-                    </a:solidFill>
-                  </a:tcPr>
-                </a:tc>
-                <a:tc>
-                  <a:txBody>
-                    <a:bodyPr/>
-                    <a:lstStyle/>
-                    <a:p>
-                      <a:endParaRPr lang="en-AU" sz="1400" dirty="0"/>
-                    </a:p>
-                  </a:txBody>
-                  <a:tcPr>
-                    <a:solidFill>
-                      <a:schemeClr val="bg1"/>
-                    </a:solidFill>
-                  </a:tcPr>
-                </a:tc>
-                <a:tc gridSpan="2">
-                  <a:txBody>
-                    <a:bodyPr/>
-                    <a:lstStyle/>
-                    <a:p>
-                      <a:pPr algn="ctr"/>
-                      <a:r>
-                        <a:rPr lang="en-US" sz="1400" dirty="0"/>
-                        <a:t>Actual</a:t>
-                      </a:r>
-                      <a:endParaRPr lang="en-AU" sz="1400" dirty="0"/>
-                    </a:p>
-                  </a:txBody>
-                  <a:tcPr/>
-                </a:tc>
-                <a:tc hMerge="1">
-                  <a:txBody>
-                    <a:bodyPr/>
-                    <a:lstStyle/>
-                    <a:p>
-                      <a:endParaRPr lang="en-AU" dirty="0"/>
-                    </a:p>
-                  </a:txBody>
-                  <a:tcPr/>
-                </a:tc>
-                <a:extLst>
-                  <a:ext uri="{0D108BD9-81ED-4DB2-BD59-A6C34878D82A}">
-                    <a16:rowId xmlns:a16="http://schemas.microsoft.com/office/drawing/2014/main" val="10000"/>
-                  </a:ext>
-                </a:extLst>
-              </a:tr>
-              <a:tr h="432048">
-                <a:tc>
-                  <a:txBody>
-                    <a:bodyPr/>
-                    <a:lstStyle/>
-                    <a:p>
-                      <a:endParaRPr lang="en-AU" sz="1400" dirty="0"/>
-                    </a:p>
-                  </a:txBody>
-                  <a:tcPr>
-                    <a:solidFill>
-                      <a:schemeClr val="bg1"/>
-                    </a:solidFill>
-                  </a:tcPr>
-                </a:tc>
-                <a:tc>
-                  <a:txBody>
-                    <a:bodyPr/>
-                    <a:lstStyle/>
-                    <a:p>
-                      <a:endParaRPr lang="en-AU" sz="1400" dirty="0"/>
-                    </a:p>
-                  </a:txBody>
-                  <a:tcPr>
-                    <a:solidFill>
-                      <a:schemeClr val="bg1"/>
-                    </a:solidFill>
-                  </a:tcPr>
-                </a:tc>
-                <a:tc>
-                  <a:txBody>
-                    <a:bodyPr/>
-                    <a:lstStyle/>
-                    <a:p>
-                      <a:r>
-                        <a:rPr lang="en-AU" sz="1400" dirty="0"/>
-                        <a:t>Positive</a:t>
-                      </a:r>
-                    </a:p>
-                  </a:txBody>
-                  <a:tcPr/>
-                </a:tc>
-                <a:tc>
-                  <a:txBody>
-                    <a:bodyPr/>
-                    <a:lstStyle/>
-                    <a:p>
-                      <a:r>
-                        <a:rPr lang="en-AU" sz="1400" dirty="0"/>
-                        <a:t>Negative</a:t>
-                      </a:r>
-                    </a:p>
-                  </a:txBody>
-                  <a:tcPr/>
-                </a:tc>
-                <a:extLst>
-                  <a:ext uri="{0D108BD9-81ED-4DB2-BD59-A6C34878D82A}">
-                    <a16:rowId xmlns:a16="http://schemas.microsoft.com/office/drawing/2014/main" val="10001"/>
-                  </a:ext>
-                </a:extLst>
-              </a:tr>
-              <a:tr h="936084">
-                <a:tc rowSpan="2">
-                  <a:txBody>
-                    <a:bodyPr/>
-                    <a:lstStyle/>
-                    <a:p>
-                      <a:r>
-                        <a:rPr lang="en-AU" sz="1400" b="1" dirty="0">
-                          <a:solidFill>
-                            <a:schemeClr val="bg1"/>
-                          </a:solidFill>
-                        </a:rPr>
-                        <a:t>Predicted</a:t>
-                      </a:r>
-                    </a:p>
-                  </a:txBody>
-                  <a:tcPr vert="vert270">
-                    <a:solidFill>
-                      <a:schemeClr val="accent2"/>
-                    </a:solidFill>
-                  </a:tcPr>
-                </a:tc>
-                <a:tc>
-                  <a:txBody>
-                    <a:bodyPr/>
-                    <a:lstStyle/>
-                    <a:p>
-                      <a:r>
-                        <a:rPr lang="en-AU" sz="1400" dirty="0"/>
-                        <a:t>Positive</a:t>
-                      </a:r>
-                    </a:p>
-                  </a:txBody>
-                  <a:tcPr/>
-                </a:tc>
-                <a:tc>
-                  <a:txBody>
-                    <a:bodyPr/>
-                    <a:lstStyle/>
-                    <a:p>
-                      <a:r>
-                        <a:rPr lang="en-AU" sz="1400" dirty="0"/>
-                        <a:t>47</a:t>
-                      </a:r>
-                    </a:p>
-                  </a:txBody>
-                  <a:tcPr/>
-                </a:tc>
-                <a:tc>
-                  <a:txBody>
-                    <a:bodyPr/>
-                    <a:lstStyle/>
-                    <a:p>
-                      <a:r>
-                        <a:rPr lang="en-AU" sz="1400" dirty="0"/>
-                        <a:t>226</a:t>
-                      </a:r>
-                    </a:p>
-                  </a:txBody>
-                  <a:tcPr/>
-                </a:tc>
-                <a:extLst>
-                  <a:ext uri="{0D108BD9-81ED-4DB2-BD59-A6C34878D82A}">
-                    <a16:rowId xmlns:a16="http://schemas.microsoft.com/office/drawing/2014/main" val="10002"/>
-                  </a:ext>
-                </a:extLst>
-              </a:tr>
-              <a:tr h="936084">
-                <a:tc vMerge="1">
-                  <a:txBody>
-                    <a:bodyPr/>
-                    <a:lstStyle/>
-                    <a:p>
-                      <a:endParaRPr lang="en-AU" sz="2000" dirty="0"/>
-                    </a:p>
-                  </a:txBody>
-                  <a:tcPr vert="vert270">
-                    <a:solidFill>
-                      <a:schemeClr val="accent2"/>
-                    </a:solidFill>
-                  </a:tcPr>
-                </a:tc>
-                <a:tc>
-                  <a:txBody>
-                    <a:bodyPr/>
-                    <a:lstStyle/>
-                    <a:p>
-                      <a:r>
-                        <a:rPr lang="en-AU" sz="1400" dirty="0"/>
-                        <a:t>Negative</a:t>
-                      </a:r>
-                    </a:p>
-                  </a:txBody>
-                  <a:tcPr/>
-                </a:tc>
-                <a:tc>
-                  <a:txBody>
-                    <a:bodyPr/>
-                    <a:lstStyle/>
-                    <a:p>
-                      <a:r>
-                        <a:rPr lang="en-AU" sz="1400" dirty="0"/>
-                        <a:t>1,452</a:t>
-                      </a:r>
-                    </a:p>
-                  </a:txBody>
-                  <a:tcPr/>
-                </a:tc>
-                <a:tc>
-                  <a:txBody>
-                    <a:bodyPr/>
-                    <a:lstStyle/>
-                    <a:p>
-                      <a:r>
-                        <a:rPr lang="en-AU" sz="1400" dirty="0"/>
-                        <a:t>1,894,575</a:t>
-                      </a:r>
-                    </a:p>
-                  </a:txBody>
-                  <a:tcPr/>
-                </a:tc>
-                <a:extLst>
-                  <a:ext uri="{0D108BD9-81ED-4DB2-BD59-A6C34878D82A}">
-                    <a16:rowId xmlns:a16="http://schemas.microsoft.com/office/drawing/2014/main" val="10003"/>
-                  </a:ext>
-                </a:extLst>
-              </a:tr>
-            </a:tbl>
-          </a:graphicData>
-        </a:graphic>
-      </p:graphicFrame>
-      <p:sp>
-        <p:nvSpPr>
-          <p:cNvPr id="14" name="Content Placeholder 13"/>
-          <p:cNvSpPr>
-            <a:spLocks noGrp="1"/>
-          </p:cNvSpPr>
-          <p:nvPr>
-            <p:ph idx="1"/>
-          </p:nvPr>
-        </p:nvSpPr>
-        <p:spPr>
-          <a:xfrm>
-            <a:off x="7320136" y="1634002"/>
-            <a:ext cx="4027930" cy="864096"/>
-          </a:xfrm>
-        </p:spPr>
-        <p:txBody>
-          <a:bodyPr/>
-          <a:lstStyle/>
-          <a:p>
-            <a:pPr algn="ctr"/>
-            <a:r>
-              <a:rPr lang="en-US" sz="2400" b="1" dirty="0">
-                <a:solidFill>
-                  <a:srgbClr val="7A99AC"/>
-                </a:solidFill>
-              </a:rPr>
-              <a:t>Confusion matrix</a:t>
-            </a:r>
-            <a:endParaRPr lang="en-AU" sz="2400" b="1" dirty="0">
-              <a:solidFill>
-                <a:srgbClr val="7A99AC"/>
-              </a:solidFill>
-            </a:endParaRPr>
-          </a:p>
-        </p:txBody>
-      </p:sp>
-      <p:sp>
-        <p:nvSpPr>
-          <p:cNvPr id="2" name="Content Placeholder 2">
-            <a:extLst>
-              <a:ext uri="{FF2B5EF4-FFF2-40B4-BE49-F238E27FC236}">
-                <a16:creationId xmlns:a16="http://schemas.microsoft.com/office/drawing/2014/main" id="{1A8AB56A-BB64-372C-6A84-3AFD0CE719CD}"/>
-              </a:ext>
-            </a:extLst>
-          </p:cNvPr>
-          <p:cNvSpPr txBox="1">
-            <a:spLocks/>
-          </p:cNvSpPr>
-          <p:nvPr/>
-        </p:nvSpPr>
-        <p:spPr>
-          <a:xfrm>
-            <a:off x="2196293" y="1634002"/>
-            <a:ext cx="3395651" cy="571532"/>
-          </a:xfrm>
-          <a:prstGeom prst="rect">
-            <a:avLst/>
-          </a:prstGeom>
-        </p:spPr>
-        <p:txBody>
-          <a:bodyPr vert="horz" lIns="0" tIns="0" rIns="0" bIns="0" rtlCol="0">
-            <a:noAutofit/>
-          </a:bodyPr>
-          <a:lstStyle>
-            <a:lvl1pPr marL="0" indent="0" algn="l" defTabSz="914400" rtl="0" eaLnBrk="1" latinLnBrk="0" hangingPunct="1">
-              <a:spcBef>
-                <a:spcPts val="600"/>
-              </a:spcBef>
-              <a:buFont typeface="Arial" pitchFamily="34" charset="0"/>
-              <a:buNone/>
-              <a:defRPr sz="1600" kern="1200" baseline="0">
-                <a:solidFill>
-                  <a:schemeClr val="tx1"/>
-                </a:solidFill>
-                <a:latin typeface="+mn-lt"/>
-                <a:ea typeface="+mn-ea"/>
-                <a:cs typeface="Arial" pitchFamily="34" charset="0"/>
-              </a:defRPr>
-            </a:lvl1pPr>
-            <a:lvl2pPr marL="215900" indent="-215900" algn="l" defTabSz="914400" rtl="0" eaLnBrk="1" latinLnBrk="0" hangingPunct="1">
-              <a:spcBef>
-                <a:spcPts val="600"/>
-              </a:spcBef>
-              <a:buClr>
-                <a:srgbClr val="5BC6E8"/>
-              </a:buClr>
-              <a:buFont typeface="Arial" pitchFamily="34" charset="0"/>
-              <a:buChar char="•"/>
-              <a:defRPr sz="1600" kern="1200">
-                <a:solidFill>
-                  <a:schemeClr val="tx1"/>
-                </a:solidFill>
-                <a:latin typeface="+mn-lt"/>
-                <a:ea typeface="+mn-ea"/>
-                <a:cs typeface="Arial" pitchFamily="34" charset="0"/>
-              </a:defRPr>
-            </a:lvl2pPr>
-            <a:lvl3pPr marL="432000" indent="-216000" algn="l" defTabSz="914400" rtl="0" eaLnBrk="1" latinLnBrk="0" hangingPunct="1">
-              <a:spcBef>
-                <a:spcPts val="600"/>
-              </a:spcBef>
-              <a:buClr>
-                <a:srgbClr val="5BC6E8"/>
-              </a:buClr>
-              <a:buFont typeface="Verdana" pitchFamily="34" charset="0"/>
-              <a:buChar char="–"/>
-              <a:defRPr sz="1600" kern="1200">
-                <a:solidFill>
-                  <a:schemeClr val="tx1"/>
-                </a:solidFill>
-                <a:latin typeface="+mn-lt"/>
-                <a:ea typeface="+mn-ea"/>
-                <a:cs typeface="Arial" pitchFamily="34" charset="0"/>
-              </a:defRPr>
-            </a:lvl3pPr>
-            <a:lvl4pPr marL="648000" indent="-216000" algn="l" defTabSz="914400" rtl="0" eaLnBrk="1" latinLnBrk="0" hangingPunct="1">
-              <a:spcBef>
-                <a:spcPts val="600"/>
-              </a:spcBef>
-              <a:buClr>
-                <a:srgbClr val="5BC6E8"/>
-              </a:buClr>
-              <a:buFont typeface="Verdana" pitchFamily="34" charset="0"/>
-              <a:buChar char="–"/>
-              <a:defRPr sz="1600" kern="1200">
-                <a:solidFill>
-                  <a:schemeClr val="tx1"/>
-                </a:solidFill>
-                <a:latin typeface="+mn-lt"/>
-                <a:ea typeface="+mn-ea"/>
-                <a:cs typeface="Arial" pitchFamily="34" charset="0"/>
-              </a:defRPr>
-            </a:lvl4pPr>
-            <a:lvl5pPr marL="864000" indent="-216000" algn="l" defTabSz="914400" rtl="0" eaLnBrk="1" latinLnBrk="0" hangingPunct="1">
-              <a:spcBef>
-                <a:spcPts val="600"/>
-              </a:spcBef>
-              <a:buClr>
-                <a:srgbClr val="5BC6E8"/>
-              </a:buClr>
-              <a:buFont typeface="Verdana" pitchFamily="34" charset="0"/>
-              <a:buChar char="–"/>
-              <a:defRPr sz="1600" kern="1200" baseline="0">
-                <a:solidFill>
-                  <a:schemeClr val="tx1"/>
-                </a:solidFill>
-                <a:latin typeface="+mn-lt"/>
-                <a:ea typeface="+mn-ea"/>
-                <a:cs typeface="Arial" pitchFamily="34" charset="0"/>
-              </a:defRPr>
-            </a:lvl5pPr>
-            <a:lvl6pPr marL="1080000" indent="-216000" algn="l" defTabSz="914400" rtl="0" eaLnBrk="1" latinLnBrk="0" hangingPunct="1">
-              <a:spcBef>
-                <a:spcPts val="600"/>
-              </a:spcBef>
-              <a:buClr>
-                <a:srgbClr val="5BC6E8"/>
-              </a:buClr>
-              <a:buFont typeface="Verdana" pitchFamily="34" charset="0"/>
-              <a:buChar char="–"/>
-              <a:defRPr sz="1600" kern="1200">
-                <a:solidFill>
-                  <a:schemeClr val="tx1"/>
-                </a:solidFill>
-                <a:latin typeface="+mn-lt"/>
-                <a:ea typeface="+mn-ea"/>
-                <a:cs typeface="Arial" pitchFamily="34" charset="0"/>
-              </a:defRPr>
-            </a:lvl6pPr>
-            <a:lvl7pPr marL="1296000" indent="-216000" algn="l" defTabSz="914400" rtl="0" eaLnBrk="1" latinLnBrk="0" hangingPunct="1">
-              <a:spcBef>
-                <a:spcPts val="600"/>
-              </a:spcBef>
-              <a:buClr>
-                <a:srgbClr val="5BC6E8"/>
-              </a:buClr>
-              <a:buFont typeface="Verdana" pitchFamily="34" charset="0"/>
-              <a:buChar char="–"/>
-              <a:defRPr sz="1600" kern="1200">
-                <a:solidFill>
-                  <a:schemeClr val="tx1"/>
-                </a:solidFill>
-                <a:latin typeface="+mn-lt"/>
-                <a:ea typeface="+mn-ea"/>
-                <a:cs typeface="Arial" pitchFamily="34" charset="0"/>
-              </a:defRPr>
-            </a:lvl7pPr>
-            <a:lvl8pPr marL="1512000" indent="-216000" algn="l" defTabSz="914400" rtl="0" eaLnBrk="1" latinLnBrk="0" hangingPunct="1">
-              <a:spcBef>
-                <a:spcPts val="600"/>
-              </a:spcBef>
-              <a:buClr>
-                <a:srgbClr val="5BC6E8"/>
-              </a:buClr>
-              <a:buFont typeface="Verdana" pitchFamily="34" charset="0"/>
-              <a:buChar char="–"/>
-              <a:defRPr sz="1600" kern="1200">
-                <a:solidFill>
-                  <a:schemeClr val="tx1"/>
-                </a:solidFill>
-                <a:latin typeface="+mn-lt"/>
-                <a:ea typeface="+mn-ea"/>
-                <a:cs typeface="Arial" pitchFamily="34" charset="0"/>
-              </a:defRPr>
-            </a:lvl8pPr>
-            <a:lvl9pPr marL="1728000" indent="-216000" algn="l" defTabSz="914400" rtl="0" eaLnBrk="1" latinLnBrk="0" hangingPunct="1">
-              <a:spcBef>
-                <a:spcPts val="600"/>
-              </a:spcBef>
-              <a:buClr>
-                <a:srgbClr val="5BC6E8"/>
-              </a:buClr>
-              <a:buFont typeface="Verdana" pitchFamily="34" charset="0"/>
-              <a:buChar char="–"/>
-              <a:defRPr sz="1600" kern="1200">
-                <a:solidFill>
-                  <a:schemeClr val="tx1"/>
-                </a:solidFill>
-                <a:latin typeface="+mn-lt"/>
-                <a:ea typeface="+mn-ea"/>
-                <a:cs typeface="Arial" pitchFamily="34" charset="0"/>
-              </a:defRPr>
-            </a:lvl9pPr>
-          </a:lstStyle>
-          <a:p>
-            <a:pPr marL="0" lvl="1" indent="0">
-              <a:buNone/>
-            </a:pPr>
-            <a:r>
-              <a:rPr lang="en-AU" sz="2400" b="1" dirty="0">
-                <a:solidFill>
-                  <a:srgbClr val="7A99AC"/>
-                </a:solidFill>
-              </a:rPr>
-              <a:t>Important features</a:t>
-            </a:r>
-          </a:p>
-          <a:p>
-            <a:pPr marL="0" lvl="1" indent="0">
-              <a:buFont typeface="Arial" pitchFamily="34" charset="0"/>
-              <a:buNone/>
-            </a:pPr>
-            <a:endParaRPr lang="en-AU" dirty="0"/>
-          </a:p>
-          <a:p>
-            <a:pPr marL="0" lvl="1" indent="0">
-              <a:buFont typeface="Arial" pitchFamily="34" charset="0"/>
-              <a:buNone/>
-            </a:pPr>
-            <a:endParaRPr lang="en-AU" dirty="0"/>
+              <a:t>conclusions</a:t>
+            </a:r>
           </a:p>
         </p:txBody>
       </p:sp>
@@ -15427,10 +15194,91 @@
           </a:p>
         </p:txBody>
       </p:sp>
+      <p:sp>
+        <p:nvSpPr>
+          <p:cNvPr id="12" name="TextBox 11">
+            <a:extLst>
+              <a:ext uri="{FF2B5EF4-FFF2-40B4-BE49-F238E27FC236}">
+                <a16:creationId xmlns:a16="http://schemas.microsoft.com/office/drawing/2014/main" id="{4B55999E-7D89-812D-1FD4-4C17D41CA805}"/>
+              </a:ext>
+            </a:extLst>
+          </p:cNvPr>
+          <p:cNvSpPr txBox="1"/>
+          <p:nvPr/>
+        </p:nvSpPr>
+        <p:spPr>
+          <a:xfrm>
+            <a:off x="873600" y="1532885"/>
+            <a:ext cx="10046935" cy="3416320"/>
+          </a:xfrm>
+          <a:prstGeom prst="rect">
+            <a:avLst/>
+          </a:prstGeom>
+          <a:noFill/>
+        </p:spPr>
+        <p:txBody>
+          <a:bodyPr wrap="square">
+            <a:spAutoFit/>
+          </a:bodyPr>
+          <a:lstStyle/>
+          <a:p>
+            <a:pPr marL="0" lvl="1" indent="0">
+              <a:buNone/>
+            </a:pPr>
+            <a:r>
+              <a:rPr lang="en-US" sz="2400" b="1" dirty="0"/>
+              <a:t>Successful proof of concept</a:t>
+            </a:r>
+          </a:p>
+          <a:p>
+            <a:pPr marL="0" lvl="1" indent="0">
+              <a:buNone/>
+            </a:pPr>
+            <a:endParaRPr lang="en-US" sz="2400" b="1" dirty="0"/>
+          </a:p>
+          <a:p>
+            <a:pPr lvl="1" indent="-457200">
+              <a:buAutoNum type="arabicPeriod"/>
+            </a:pPr>
+            <a:r>
+              <a:rPr lang="en-US" sz="2400" dirty="0"/>
+              <a:t>Financial difficulty could be possible to predict to a useful level of accuracy.</a:t>
+            </a:r>
+          </a:p>
+          <a:p>
+            <a:pPr lvl="1" indent="-457200">
+              <a:buAutoNum type="arabicPeriod"/>
+            </a:pPr>
+            <a:endParaRPr lang="en-US" sz="2400" dirty="0"/>
+          </a:p>
+          <a:p>
+            <a:pPr lvl="1" indent="-457200">
+              <a:buAutoNum type="arabicPeriod"/>
+            </a:pPr>
+            <a:r>
+              <a:rPr lang="en-US" sz="2400" dirty="0"/>
+              <a:t>Missed most customers going into hardship but could still be useful.</a:t>
+            </a:r>
+          </a:p>
+          <a:p>
+            <a:pPr lvl="1" indent="-457200">
+              <a:buAutoNum type="arabicPeriod"/>
+            </a:pPr>
+            <a:endParaRPr lang="en-US" sz="2400" dirty="0"/>
+          </a:p>
+          <a:p>
+            <a:pPr marL="0" lvl="1"/>
+            <a:r>
+              <a:rPr lang="en-US" sz="2400" dirty="0"/>
+              <a:t>Not production ready – but could be. </a:t>
+            </a:r>
+          </a:p>
+        </p:txBody>
+      </p:sp>
     </p:spTree>
     <p:extLst>
       <p:ext uri="{BB962C8B-B14F-4D97-AF65-F5344CB8AC3E}">
-        <p14:creationId xmlns:p14="http://schemas.microsoft.com/office/powerpoint/2010/main" val="1161964871"/>
+        <p14:creationId xmlns:p14="http://schemas.microsoft.com/office/powerpoint/2010/main" val="3172587105"/>
       </p:ext>
     </p:extLst>
   </p:cSld>
@@ -15459,7 +15307,7 @@
       </p:grpSpPr>
       <p:sp>
         <p:nvSpPr>
-          <p:cNvPr id="3" name="Title 2"/>
+          <p:cNvPr id="2" name="Title 1"/>
           <p:cNvSpPr>
             <a:spLocks noGrp="1"/>
           </p:cNvSpPr>
@@ -15473,219 +15321,8 @@
           <a:lstStyle/>
           <a:p>
             <a:r>
-              <a:rPr lang="en-AU" dirty="0" err="1"/>
-              <a:t>conclusionS</a:t>
-            </a:r>
-            <a:endParaRPr lang="en-AU" dirty="0"/>
-          </a:p>
-        </p:txBody>
-      </p:sp>
-      <p:sp>
-        <p:nvSpPr>
-          <p:cNvPr id="4" name="AutoShape 2">
-            <a:extLst>
-              <a:ext uri="{FF2B5EF4-FFF2-40B4-BE49-F238E27FC236}">
-                <a16:creationId xmlns:a16="http://schemas.microsoft.com/office/drawing/2014/main" id="{C34BA1BA-C622-33AE-8BBB-DD3C0D085091}"/>
-              </a:ext>
-            </a:extLst>
-          </p:cNvPr>
-          <p:cNvSpPr>
-            <a:spLocks noChangeAspect="1" noChangeArrowheads="1"/>
-          </p:cNvSpPr>
-          <p:nvPr/>
-        </p:nvSpPr>
-        <p:spPr bwMode="auto">
-          <a:xfrm>
-            <a:off x="5943600" y="3276600"/>
-            <a:ext cx="304800" cy="304800"/>
-          </a:xfrm>
-          <a:prstGeom prst="rect">
-            <a:avLst/>
-          </a:prstGeom>
-          <a:noFill/>
-          <a:extLst>
-            <a:ext uri="{909E8E84-426E-40DD-AFC4-6F175D3DCCD1}">
-              <a14:hiddenFill xmlns:a14="http://schemas.microsoft.com/office/drawing/2010/main">
-                <a:solidFill>
-                  <a:srgbClr val="FFFFFF"/>
-                </a:solidFill>
-              </a14:hiddenFill>
-            </a:ext>
-          </a:extLst>
-        </p:spPr>
-        <p:txBody>
-          <a:bodyPr vert="horz" wrap="square" lIns="91440" tIns="45720" rIns="91440" bIns="45720" numCol="1" anchor="t" anchorCtr="0" compatLnSpc="1">
-            <a:prstTxWarp prst="textNoShape">
-              <a:avLst/>
-            </a:prstTxWarp>
-          </a:bodyPr>
-          <a:lstStyle/>
-          <a:p>
-            <a:endParaRPr lang="en-US"/>
-          </a:p>
-        </p:txBody>
-      </p:sp>
-      <p:sp>
-        <p:nvSpPr>
-          <p:cNvPr id="6" name="AutoShape 6">
-            <a:extLst>
-              <a:ext uri="{FF2B5EF4-FFF2-40B4-BE49-F238E27FC236}">
-                <a16:creationId xmlns:a16="http://schemas.microsoft.com/office/drawing/2014/main" id="{50E523E9-F8BB-BC01-D28D-46815BFCDB61}"/>
-              </a:ext>
-            </a:extLst>
-          </p:cNvPr>
-          <p:cNvSpPr>
-            <a:spLocks noChangeAspect="1" noChangeArrowheads="1"/>
-          </p:cNvSpPr>
-          <p:nvPr/>
-        </p:nvSpPr>
-        <p:spPr bwMode="auto">
-          <a:xfrm>
-            <a:off x="6096000" y="3429000"/>
-            <a:ext cx="304800" cy="304800"/>
-          </a:xfrm>
-          <a:prstGeom prst="rect">
-            <a:avLst/>
-          </a:prstGeom>
-          <a:noFill/>
-          <a:extLst>
-            <a:ext uri="{909E8E84-426E-40DD-AFC4-6F175D3DCCD1}">
-              <a14:hiddenFill xmlns:a14="http://schemas.microsoft.com/office/drawing/2010/main">
-                <a:solidFill>
-                  <a:srgbClr val="FFFFFF"/>
-                </a:solidFill>
-              </a14:hiddenFill>
-            </a:ext>
-          </a:extLst>
-        </p:spPr>
-        <p:txBody>
-          <a:bodyPr vert="horz" wrap="square" lIns="91440" tIns="45720" rIns="91440" bIns="45720" numCol="1" anchor="t" anchorCtr="0" compatLnSpc="1">
-            <a:prstTxWarp prst="textNoShape">
-              <a:avLst/>
-            </a:prstTxWarp>
-          </a:bodyPr>
-          <a:lstStyle/>
-          <a:p>
-            <a:endParaRPr lang="en-US"/>
-          </a:p>
-        </p:txBody>
-      </p:sp>
-      <p:sp>
-        <p:nvSpPr>
-          <p:cNvPr id="12" name="TextBox 11">
-            <a:extLst>
-              <a:ext uri="{FF2B5EF4-FFF2-40B4-BE49-F238E27FC236}">
-                <a16:creationId xmlns:a16="http://schemas.microsoft.com/office/drawing/2014/main" id="{4B55999E-7D89-812D-1FD4-4C17D41CA805}"/>
-              </a:ext>
-            </a:extLst>
-          </p:cNvPr>
-          <p:cNvSpPr txBox="1"/>
-          <p:nvPr/>
-        </p:nvSpPr>
-        <p:spPr>
-          <a:xfrm>
-            <a:off x="873600" y="1532885"/>
-            <a:ext cx="10046935" cy="2677656"/>
-          </a:xfrm>
-          <a:prstGeom prst="rect">
-            <a:avLst/>
-          </a:prstGeom>
-          <a:noFill/>
-        </p:spPr>
-        <p:txBody>
-          <a:bodyPr wrap="square">
-            <a:spAutoFit/>
-          </a:bodyPr>
-          <a:lstStyle/>
-          <a:p>
-            <a:pPr marL="0" lvl="1" indent="0">
-              <a:buNone/>
-            </a:pPr>
-            <a:r>
-              <a:rPr lang="en-US" sz="2400" b="1" dirty="0"/>
-              <a:t>Successful proof of concept</a:t>
-            </a:r>
-          </a:p>
-          <a:p>
-            <a:pPr marL="0" lvl="1" indent="0">
-              <a:buNone/>
-            </a:pPr>
-            <a:endParaRPr lang="en-US" sz="2400" b="1" dirty="0"/>
-          </a:p>
-          <a:p>
-            <a:pPr lvl="1" indent="-457200">
-              <a:buAutoNum type="arabicPeriod"/>
-            </a:pPr>
-            <a:r>
-              <a:rPr lang="en-US" sz="2400" dirty="0"/>
-              <a:t>Financial difficulty could be possible to predict to a useful level of accuracy.</a:t>
-            </a:r>
-          </a:p>
-          <a:p>
-            <a:pPr lvl="1" indent="-457200">
-              <a:buAutoNum type="arabicPeriod"/>
-            </a:pPr>
-            <a:endParaRPr lang="en-US" sz="2400" dirty="0"/>
-          </a:p>
-          <a:p>
-            <a:pPr lvl="1" indent="-457200">
-              <a:buAutoNum type="arabicPeriod"/>
-            </a:pPr>
-            <a:r>
-              <a:rPr lang="en-US" sz="2400" dirty="0"/>
-              <a:t>Hardship predictions were more inaccurate and may not be predictable to a satisfactory level.</a:t>
-            </a:r>
-          </a:p>
-        </p:txBody>
-      </p:sp>
-    </p:spTree>
-    <p:extLst>
-      <p:ext uri="{BB962C8B-B14F-4D97-AF65-F5344CB8AC3E}">
-        <p14:creationId xmlns:p14="http://schemas.microsoft.com/office/powerpoint/2010/main" val="3172587105"/>
-      </p:ext>
-    </p:extLst>
-  </p:cSld>
-  <p:clrMapOvr>
-    <a:masterClrMapping/>
-  </p:clrMapOvr>
-</p:sld>
-</file>
-
-<file path=ppt/slides/slide17.xml><?xml version="1.0" encoding="utf-8"?>
-<p:sld xmlns:a="http://schemas.openxmlformats.org/drawingml/2006/main" xmlns:r="http://schemas.openxmlformats.org/officeDocument/2006/relationships" xmlns:p="http://schemas.openxmlformats.org/presentationml/2006/main">
-  <p:cSld>
-    <p:spTree>
-      <p:nvGrpSpPr>
-        <p:cNvPr id="1" name=""/>
-        <p:cNvGrpSpPr/>
-        <p:nvPr/>
-      </p:nvGrpSpPr>
-      <p:grpSpPr>
-        <a:xfrm>
-          <a:off x="0" y="0"/>
-          <a:ext cx="0" cy="0"/>
-          <a:chOff x="0" y="0"/>
-          <a:chExt cx="0" cy="0"/>
-        </a:xfrm>
-      </p:grpSpPr>
-      <p:sp>
-        <p:nvSpPr>
-          <p:cNvPr id="2" name="Title 1"/>
-          <p:cNvSpPr>
-            <a:spLocks noGrp="1"/>
-          </p:cNvSpPr>
-          <p:nvPr>
-            <p:ph type="title"/>
-          </p:nvPr>
-        </p:nvSpPr>
-        <p:spPr/>
-        <p:txBody>
-          <a:bodyPr/>
-          <a:lstStyle/>
-          <a:p>
-            <a:r>
               <a:rPr lang="en-AU" dirty="0"/>
-              <a:t>Conclusions</a:t>
+              <a:t>Next steps</a:t>
             </a:r>
           </a:p>
         </p:txBody>
@@ -15715,11 +15352,7 @@
             </a:pPr>
             <a:r>
               <a:rPr lang="en-US" sz="1800" b="1" dirty="0"/>
-              <a:t>Next steps – </a:t>
-            </a:r>
-            <a:r>
-              <a:rPr lang="en-US" sz="1800" b="1" u="sng" dirty="0"/>
-              <a:t>improve accuracy and validate results </a:t>
+              <a:t>Improve accuracy and validate results </a:t>
             </a:r>
           </a:p>
           <a:p>
@@ -15747,14 +15380,7 @@
             <a:pPr lvl="1"/>
             <a:r>
               <a:rPr lang="en-US" sz="1800" dirty="0"/>
-              <a:t>Only used past two years of data – use more historical data</a:t>
-            </a:r>
-          </a:p>
-          <a:p>
-            <a:pPr lvl="1"/>
-            <a:r>
-              <a:rPr lang="en-US" sz="1800" dirty="0"/>
-              <a:t>Efficiency of code</a:t>
+              <a:t>Use more historical data</a:t>
             </a:r>
           </a:p>
           <a:p>
@@ -15768,28 +15394,14 @@
             <a:pPr lvl="1"/>
             <a:r>
               <a:rPr lang="en-US" sz="1800" dirty="0"/>
-              <a:t>Validate results with new incoming data </a:t>
+              <a:t>New incoming data </a:t>
             </a:r>
           </a:p>
           <a:p>
             <a:pPr lvl="1"/>
             <a:r>
               <a:rPr lang="en-US" sz="1800" dirty="0"/>
-              <a:t>Add new features – percent income spent on accommodation </a:t>
-            </a:r>
-          </a:p>
-          <a:p>
-            <a:pPr lvl="1"/>
-            <a:r>
-              <a:rPr lang="en-US" sz="1800" dirty="0"/>
-              <a:t>Exploratory data analysis</a:t>
-            </a:r>
-          </a:p>
-          <a:p>
-            <a:pPr lvl="1"/>
-            <a:r>
-              <a:rPr lang="en-US" sz="1800" dirty="0"/>
-              <a:t>Run cost/benefit analysis for ANZ </a:t>
+              <a:t>Add new features – percent income spent on accommodation/income/income change</a:t>
             </a:r>
           </a:p>
           <a:p>
@@ -15797,14 +15409,53 @@
             <a:endParaRPr lang="en-US" sz="1800" dirty="0"/>
           </a:p>
           <a:p>
-            <a:pPr marL="0" lvl="1" indent="0">
-              <a:buNone/>
+            <a:pPr>
+              <a:spcAft>
+                <a:spcPts val="600"/>
+              </a:spcAft>
             </a:pPr>
             <a:r>
-              <a:rPr lang="en-US" sz="1800" dirty="0"/>
-              <a:t>If validated and improved it could be used by the Good Customer Outcome team to improve the financial wellbeing of ANZ customers. </a:t>
-            </a:r>
-            <a:endParaRPr lang="en-US" sz="2000" dirty="0"/>
+              <a:rPr lang="en-NZ" sz="1800" dirty="0">
+                <a:effectLst/>
+                <a:latin typeface="Verdana" panose="020B0604030504040204" pitchFamily="34" charset="0"/>
+                <a:ea typeface="Calibri" panose="020F0502020204030204" pitchFamily="34" charset="0"/>
+                <a:cs typeface="Times New Roman" panose="02020603050405020304" pitchFamily="18" charset="0"/>
+              </a:rPr>
+              <a:t>These predictions allow ANZ to provide pre-emptive support to </a:t>
+            </a:r>
+            <a:r>
+              <a:rPr lang="en-NZ" sz="1800" dirty="0">
+                <a:latin typeface="Verdana" panose="020B0604030504040204" pitchFamily="34" charset="0"/>
+                <a:ea typeface="Calibri" panose="020F0502020204030204" pitchFamily="34" charset="0"/>
+                <a:cs typeface="Times New Roman" panose="02020603050405020304" pitchFamily="18" charset="0"/>
+              </a:rPr>
+              <a:t>its customers in need. </a:t>
+            </a:r>
+            <a:r>
+              <a:rPr lang="en-NZ" sz="1800" dirty="0">
+                <a:effectLst/>
+                <a:latin typeface="Verdana" panose="020B0604030504040204" pitchFamily="34" charset="0"/>
+                <a:ea typeface="Calibri" panose="020F0502020204030204" pitchFamily="34" charset="0"/>
+                <a:cs typeface="Times New Roman" panose="02020603050405020304" pitchFamily="18" charset="0"/>
+              </a:rPr>
+              <a:t>The financial features important to the model could be used as a tool by the Good Customer Outcomes team to implement evidence-based strategies to prevent these unfavourable financial outcomes. </a:t>
+            </a:r>
+          </a:p>
+          <a:p>
+            <a:pPr>
+              <a:spcAft>
+                <a:spcPts val="600"/>
+              </a:spcAft>
+            </a:pPr>
+            <a:r>
+              <a:rPr lang="en-NZ" sz="1800" dirty="0">
+                <a:effectLst/>
+                <a:latin typeface="Verdana" panose="020B0604030504040204" pitchFamily="34" charset="0"/>
+                <a:ea typeface="Calibri" panose="020F0502020204030204" pitchFamily="34" charset="0"/>
+                <a:cs typeface="Times New Roman" panose="02020603050405020304" pitchFamily="18" charset="0"/>
+              </a:rPr>
+              <a:t>Experiencing financial difficulty and hardship negatively impacts customers and is costly to the bank; these models can provide ANZ with a tool change this. </a:t>
+            </a:r>
           </a:p>
           <a:p>
             <a:pPr lvl="1"/>
@@ -15833,7 +15484,7 @@
 </p:sld>
 </file>
 
-<file path=ppt/slides/slide18.xml><?xml version="1.0" encoding="utf-8"?>
+<file path=ppt/slides/slide17.xml><?xml version="1.0" encoding="utf-8"?>
 <p:sld xmlns:a="http://schemas.openxmlformats.org/drawingml/2006/main" xmlns:r="http://schemas.openxmlformats.org/officeDocument/2006/relationships" xmlns:p="http://schemas.openxmlformats.org/presentationml/2006/main" showMasterSp="0">
   <p:cSld>
     <p:bg>
@@ -16075,7 +15726,7 @@
             <a:pPr lvl="1"/>
             <a:r>
               <a:rPr lang="en-NZ" sz="2400" dirty="0"/>
-              <a:t>Best way to leverage the data? Financial difficulty and hardship.</a:t>
+              <a:t>Best way to leverage ANZ’s data? Predict financial difficulty and hardship.</a:t>
             </a:r>
             <a:endParaRPr lang="en-AU" sz="2400" dirty="0"/>
           </a:p>
@@ -16241,6 +15892,13 @@
             <a:r>
               <a:rPr lang="en-US" sz="2000" dirty="0"/>
               <a:t>Psychological barriers like shame, fear etc.</a:t>
+            </a:r>
+          </a:p>
+          <a:p>
+            <a:pPr lvl="1"/>
+            <a:r>
+              <a:rPr lang="en-US" sz="2000" dirty="0"/>
+              <a:t>Grateful or relieved when given help from the bank </a:t>
             </a:r>
           </a:p>
           <a:p>
@@ -16621,71 +16279,7 @@
                   <a:srgbClr val="595A5B"/>
                 </a:solidFill>
               </a:rPr>
-              <a:t>Use ANZ’s </a:t>
-            </a:r>
-            <a:r>
-              <a:rPr lang="en-NZ" sz="2000" u="sng" dirty="0">
-                <a:solidFill>
-                  <a:srgbClr val="595A5B"/>
-                </a:solidFill>
-              </a:rPr>
-              <a:t>large amount of financial data </a:t>
-            </a:r>
-            <a:r>
-              <a:rPr lang="en-NZ" sz="2000" dirty="0">
-                <a:solidFill>
-                  <a:srgbClr val="595A5B"/>
-                </a:solidFill>
-              </a:rPr>
-              <a:t>to engineer </a:t>
-            </a:r>
-            <a:r>
-              <a:rPr lang="en-NZ" sz="2000" u="sng" dirty="0">
-                <a:solidFill>
-                  <a:srgbClr val="595A5B"/>
-                </a:solidFill>
-              </a:rPr>
-              <a:t>new features</a:t>
-            </a:r>
-            <a:r>
-              <a:rPr lang="en-NZ" sz="2000" dirty="0">
-                <a:solidFill>
-                  <a:srgbClr val="595A5B"/>
-                </a:solidFill>
-              </a:rPr>
-              <a:t>, and use these to train a </a:t>
-            </a:r>
-            <a:r>
-              <a:rPr lang="en-NZ" sz="2000" u="sng" dirty="0">
-                <a:solidFill>
-                  <a:srgbClr val="595A5B"/>
-                </a:solidFill>
-              </a:rPr>
-              <a:t>machine learning </a:t>
-            </a:r>
-            <a:r>
-              <a:rPr lang="en-NZ" sz="2000" dirty="0">
-                <a:solidFill>
-                  <a:srgbClr val="595A5B"/>
-                </a:solidFill>
-              </a:rPr>
-              <a:t>model to </a:t>
-            </a:r>
-            <a:r>
-              <a:rPr lang="en-NZ" sz="2000" u="sng" dirty="0">
-                <a:solidFill>
-                  <a:srgbClr val="595A5B"/>
-                </a:solidFill>
-              </a:rPr>
-              <a:t>predict financial difficulty and hardship</a:t>
-            </a:r>
-            <a:r>
-              <a:rPr lang="en-NZ" sz="2000" dirty="0">
-                <a:solidFill>
-                  <a:srgbClr val="595A5B"/>
-                </a:solidFill>
-              </a:rPr>
-              <a:t>.</a:t>
+              <a:t>Use ANZ’s large amount of financial data to create new features which measure financial behaviours – and use them to train a machine learning model to show if it is possible to predict financial difficulty and hardship.</a:t>
             </a:r>
           </a:p>
           <a:p>
@@ -16718,27 +16312,11 @@
             </a:pPr>
             <a:r>
               <a:rPr lang="en-US" sz="2000" dirty="0"/>
-              <a:t>Currently, ANZ can only identify customers who are </a:t>
-            </a:r>
-            <a:r>
-              <a:rPr lang="en-US" sz="2000" u="sng" dirty="0"/>
-              <a:t>already experiencing difficulty and hardship</a:t>
-            </a:r>
-            <a:r>
-              <a:rPr lang="en-US" sz="2000" dirty="0"/>
-              <a:t>. </a:t>
+              <a:t>Currently, ANZ can only identify customers who are already experiencing difficulty and hardship. </a:t>
             </a:r>
             <a:r>
               <a:rPr lang="en-NZ" sz="2000" dirty="0"/>
-              <a:t>If financial issues can be predicted then ANZ can provide </a:t>
-            </a:r>
-            <a:r>
-              <a:rPr lang="en-NZ" sz="2000" u="sng" dirty="0"/>
-              <a:t>pre-emptive support</a:t>
-            </a:r>
-            <a:r>
-              <a:rPr lang="en-NZ" sz="2000" dirty="0"/>
-              <a:t> to help customers prevent this unfavourable outcome.</a:t>
+              <a:t>If financial issues can be predicted then ANZ can provide pre-emptive support to help customers prevent this unfavourable outcome. Can use the important features for early warning indicators.</a:t>
             </a:r>
           </a:p>
           <a:p>
@@ -16784,7 +16362,7 @@
             <a:spLocks noGrp="1"/>
           </p:cNvSpPr>
           <p:nvPr>
-            <p:ph type="title"/>
+            <p:ph type="ctrTitle"/>
           </p:nvPr>
         </p:nvSpPr>
         <p:spPr/>
@@ -16794,142 +16372,15 @@
           <a:p>
             <a:r>
               <a:rPr lang="en-AU" dirty="0"/>
-              <a:t>ethics</a:t>
-            </a:r>
-          </a:p>
-        </p:txBody>
-      </p:sp>
-      <p:sp>
-        <p:nvSpPr>
-          <p:cNvPr id="3" name="Content Placeholder 2"/>
-          <p:cNvSpPr>
-            <a:spLocks noGrp="1"/>
-          </p:cNvSpPr>
-          <p:nvPr>
-            <p:ph idx="1"/>
-          </p:nvPr>
-        </p:nvSpPr>
-        <p:spPr>
-          <a:xfrm>
-            <a:off x="903008" y="1341438"/>
-            <a:ext cx="10665600" cy="5039890"/>
-          </a:xfrm>
-        </p:spPr>
-        <p:txBody>
-          <a:bodyPr/>
-          <a:lstStyle/>
-          <a:p>
-            <a:pPr marL="0" lvl="1" indent="0">
-              <a:buNone/>
-            </a:pPr>
-            <a:r>
-              <a:rPr lang="en-US" sz="1800" dirty="0"/>
-              <a:t>Privacy - ANZ privacy statement</a:t>
-            </a:r>
-          </a:p>
-          <a:p>
-            <a:pPr lvl="1"/>
-            <a:r>
-              <a:rPr lang="en-US" sz="1800" dirty="0"/>
-              <a:t>Informs customers it will analyse data and generate insights</a:t>
-            </a:r>
-          </a:p>
-          <a:p>
-            <a:pPr lvl="1"/>
-            <a:r>
-              <a:rPr lang="en-US" sz="1800" dirty="0"/>
-              <a:t>Customers can review and correct their personal data</a:t>
-            </a:r>
-          </a:p>
-          <a:p>
-            <a:pPr lvl="1"/>
-            <a:r>
-              <a:rPr lang="en-US" sz="1800" dirty="0"/>
-              <a:t>Legal contract signed when opening account</a:t>
-            </a:r>
-          </a:p>
-          <a:p>
-            <a:pPr lvl="1"/>
-            <a:endParaRPr lang="en-US" sz="1800" dirty="0"/>
-          </a:p>
-          <a:p>
-            <a:pPr marL="0" lvl="1" indent="0">
-              <a:buNone/>
-            </a:pPr>
-            <a:r>
-              <a:rPr lang="en-US" sz="1800" dirty="0"/>
-              <a:t>Privacy - During data analysis </a:t>
-            </a:r>
-          </a:p>
-          <a:p>
-            <a:pPr lvl="1"/>
-            <a:r>
-              <a:rPr lang="en-US" sz="1800" dirty="0"/>
-              <a:t>Anonymized with ID numbers </a:t>
-            </a:r>
-          </a:p>
-          <a:p>
-            <a:pPr lvl="1"/>
-            <a:r>
-              <a:rPr lang="en-US" sz="1800" dirty="0"/>
-              <a:t>Rules and procedures to protect data</a:t>
-            </a:r>
-          </a:p>
-          <a:p>
-            <a:pPr lvl="1"/>
-            <a:r>
-              <a:rPr lang="en-US" sz="1800" dirty="0"/>
-              <a:t>Not used for anything which would violate their rights</a:t>
-            </a:r>
-          </a:p>
-          <a:p>
-            <a:pPr marL="0" lvl="1" indent="0">
-              <a:buNone/>
-            </a:pPr>
-            <a:endParaRPr lang="en-US" sz="1800" dirty="0"/>
-          </a:p>
-          <a:p>
-            <a:pPr marL="0" lvl="1" indent="0">
-              <a:buNone/>
-            </a:pPr>
-            <a:r>
-              <a:rPr lang="en-US" sz="1800" dirty="0"/>
-              <a:t>Use of model</a:t>
-            </a:r>
-          </a:p>
-          <a:p>
-            <a:pPr lvl="1"/>
-            <a:r>
-              <a:rPr lang="en-US" sz="1800" dirty="0"/>
-              <a:t>Handed off to Good Customer Outcomes</a:t>
-            </a:r>
-          </a:p>
-          <a:p>
-            <a:pPr lvl="1"/>
-            <a:r>
-              <a:rPr lang="en-US" sz="1800" dirty="0"/>
-              <a:t>Proof of concept and not in production </a:t>
-            </a:r>
-          </a:p>
-          <a:p>
-            <a:pPr lvl="1"/>
-            <a:r>
-              <a:rPr lang="en-US" sz="1800" dirty="0"/>
-              <a:t>Only accessible to people who understand the contents </a:t>
-            </a:r>
-          </a:p>
-          <a:p>
-            <a:pPr marL="0" lvl="1" indent="0">
-              <a:buNone/>
-            </a:pPr>
-            <a:endParaRPr lang="en-US" dirty="0"/>
+              <a:t>Methodology</a:t>
+            </a:r>
           </a:p>
         </p:txBody>
       </p:sp>
     </p:spTree>
     <p:extLst>
       <p:ext uri="{BB962C8B-B14F-4D97-AF65-F5344CB8AC3E}">
-        <p14:creationId xmlns:p14="http://schemas.microsoft.com/office/powerpoint/2010/main" val="3993753587"/>
+        <p14:creationId xmlns:p14="http://schemas.microsoft.com/office/powerpoint/2010/main" val="912796353"/>
       </p:ext>
     </p:extLst>
   </p:cSld>
@@ -16963,58 +16414,6 @@
             <a:spLocks noGrp="1"/>
           </p:cNvSpPr>
           <p:nvPr>
-            <p:ph type="ctrTitle"/>
-          </p:nvPr>
-        </p:nvSpPr>
-        <p:spPr/>
-        <p:txBody>
-          <a:bodyPr/>
-          <a:lstStyle/>
-          <a:p>
-            <a:r>
-              <a:rPr lang="en-AU" dirty="0"/>
-              <a:t>Methodology</a:t>
-            </a:r>
-          </a:p>
-        </p:txBody>
-      </p:sp>
-    </p:spTree>
-    <p:extLst>
-      <p:ext uri="{BB962C8B-B14F-4D97-AF65-F5344CB8AC3E}">
-        <p14:creationId xmlns:p14="http://schemas.microsoft.com/office/powerpoint/2010/main" val="912796353"/>
-      </p:ext>
-    </p:extLst>
-  </p:cSld>
-  <p:clrMapOvr>
-    <a:masterClrMapping/>
-  </p:clrMapOvr>
-</p:sld>
-</file>
-
-<file path=ppt/slides/slide8.xml><?xml version="1.0" encoding="utf-8"?>
-<p:sld xmlns:a="http://schemas.openxmlformats.org/drawingml/2006/main" xmlns:r="http://schemas.openxmlformats.org/officeDocument/2006/relationships" xmlns:p="http://schemas.openxmlformats.org/presentationml/2006/main">
-  <p:cSld>
-    <p:spTree>
-      <p:nvGrpSpPr>
-        <p:cNvPr id="1" name=""/>
-        <p:cNvGrpSpPr/>
-        <p:nvPr/>
-      </p:nvGrpSpPr>
-      <p:grpSpPr>
-        <a:xfrm>
-          <a:off x="0" y="0"/>
-          <a:ext cx="0" cy="0"/>
-          <a:chOff x="0" y="0"/>
-          <a:chExt cx="0" cy="0"/>
-        </a:xfrm>
-      </p:grpSpPr>
-      <p:sp>
-        <p:nvSpPr>
-          <p:cNvPr id="2" name="Title 1"/>
-          <p:cNvSpPr>
-            <a:spLocks noGrp="1"/>
-          </p:cNvSpPr>
-          <p:nvPr>
             <p:ph type="title"/>
           </p:nvPr>
         </p:nvSpPr>
@@ -17039,7 +16438,7 @@
         </p:nvSpPr>
         <p:spPr>
           <a:xfrm>
-            <a:off x="1179632" y="1852571"/>
+            <a:off x="1175044" y="2966437"/>
             <a:ext cx="2851952" cy="1296144"/>
           </a:xfrm>
           <a:prstGeom prst="chevron">
@@ -17076,7 +16475,7 @@
           <a:p>
             <a:pPr algn="ctr"/>
             <a:r>
-              <a:rPr lang="en-US" sz="1400" dirty="0">
+              <a:rPr lang="en-US" dirty="0">
                 <a:solidFill>
                   <a:srgbClr val="595A5B"/>
                 </a:solidFill>
@@ -17099,7 +16498,7 @@
         </p:nvSpPr>
         <p:spPr>
           <a:xfrm>
-            <a:off x="3606400" y="1823638"/>
+            <a:off x="3601812" y="2937504"/>
             <a:ext cx="2851952" cy="1296144"/>
           </a:xfrm>
           <a:prstGeom prst="chevron">
@@ -17136,14 +16535,14 @@
           <a:p>
             <a:pPr algn="ctr"/>
             <a:r>
-              <a:rPr lang="en-US" sz="1400" dirty="0">
+              <a:rPr lang="en-US" dirty="0">
                 <a:solidFill>
                   <a:schemeClr val="tx1"/>
                 </a:solidFill>
               </a:rPr>
-              <a:t>Feature engineering</a:t>
-            </a:r>
-            <a:endParaRPr lang="en-NZ" sz="1400" dirty="0">
+              <a:t>Financial indicator table</a:t>
+            </a:r>
+            <a:endParaRPr lang="en-NZ" dirty="0">
               <a:solidFill>
                 <a:schemeClr val="tx1"/>
               </a:solidFill>
@@ -17159,7 +16558,7 @@
         </p:nvSpPr>
         <p:spPr>
           <a:xfrm>
-            <a:off x="6033168" y="1811079"/>
+            <a:off x="6028580" y="2924945"/>
             <a:ext cx="2851952" cy="1308703"/>
           </a:xfrm>
           <a:prstGeom prst="chevron">
@@ -17196,14 +16595,14 @@
           <a:p>
             <a:pPr algn="ctr"/>
             <a:r>
-              <a:rPr lang="en-US" sz="1400" dirty="0">
+              <a:rPr lang="en-US" dirty="0">
                 <a:solidFill>
                   <a:schemeClr val="tx1"/>
                 </a:solidFill>
               </a:rPr>
               <a:t>Machine learning</a:t>
             </a:r>
-            <a:endParaRPr lang="en-NZ" sz="1400" dirty="0">
+            <a:endParaRPr lang="en-NZ" dirty="0">
               <a:solidFill>
                 <a:schemeClr val="tx1"/>
               </a:solidFill>
@@ -17213,24 +16612,24 @@
       </p:sp>
       <p:sp>
         <p:nvSpPr>
-          <p:cNvPr id="5" name="Rounded Rectangle 4"/>
+          <p:cNvPr id="13" name="Chevron 12"/>
           <p:cNvSpPr/>
           <p:nvPr/>
         </p:nvSpPr>
         <p:spPr>
           <a:xfrm>
-            <a:off x="1276052" y="3417775"/>
-            <a:ext cx="1957379" cy="2448272"/>
+            <a:off x="8472264" y="2924944"/>
+            <a:ext cx="2731716" cy="1308703"/>
           </a:xfrm>
-          <a:prstGeom prst="roundRect">
+          <a:prstGeom prst="chevron">
             <a:avLst/>
           </a:prstGeom>
           <a:solidFill>
-            <a:srgbClr val="CCE2EC"/>
+            <a:schemeClr val="accent2"/>
           </a:solidFill>
           <a:ln w="6350">
             <a:solidFill>
-              <a:srgbClr val="CCE2EC"/>
+              <a:schemeClr val="accent2"/>
             </a:solidFill>
           </a:ln>
         </p:spPr>
@@ -17254,76 +16653,39 @@
           <a:bodyPr rtlCol="0" anchor="ctr"/>
           <a:lstStyle/>
           <a:p>
-            <a:pPr lvl="0"/>
-            <a:r>
-              <a:rPr lang="en-AU" sz="1400" dirty="0">
-                <a:solidFill>
-                  <a:schemeClr val="bg1">
-                    <a:lumMod val="50000"/>
-                  </a:schemeClr>
+            <a:pPr algn="ctr"/>
+            <a:r>
+              <a:rPr lang="en-US" dirty="0">
+                <a:solidFill>
+                  <a:srgbClr val="595A5B"/>
                 </a:solidFill>
               </a:rPr>
-              <a:t>- Scope </a:t>
-            </a:r>
-          </a:p>
-          <a:p>
-            <a:pPr lvl="0"/>
-            <a:endParaRPr lang="en-AU" sz="1400" dirty="0">
+              <a:t>Results analysis</a:t>
+            </a:r>
+            <a:endParaRPr lang="en-NZ" sz="2800" dirty="0">
               <a:solidFill>
-                <a:schemeClr val="bg1">
-                  <a:lumMod val="50000"/>
-                </a:schemeClr>
+                <a:srgbClr val="595A5B"/>
               </a:solidFill>
             </a:endParaRPr>
           </a:p>
-          <a:p>
-            <a:pPr lvl="0"/>
-            <a:r>
-              <a:rPr lang="en-AU" sz="1400" dirty="0">
-                <a:solidFill>
-                  <a:schemeClr val="bg1">
-                    <a:lumMod val="50000"/>
-                  </a:schemeClr>
-                </a:solidFill>
-              </a:rPr>
-              <a:t>- Data exploration</a:t>
-            </a:r>
-          </a:p>
-          <a:p>
-            <a:pPr lvl="0"/>
-            <a:endParaRPr lang="en-AU" sz="1400" dirty="0">
-              <a:solidFill>
-                <a:schemeClr val="bg1">
-                  <a:lumMod val="50000"/>
-                </a:schemeClr>
-              </a:solidFill>
-            </a:endParaRPr>
-          </a:p>
-          <a:p>
-            <a:pPr lvl="0"/>
-            <a:r>
-              <a:rPr lang="en-AU" sz="1400" dirty="0">
-                <a:solidFill>
-                  <a:schemeClr val="bg1">
-                    <a:lumMod val="50000"/>
-                  </a:schemeClr>
-                </a:solidFill>
-              </a:rPr>
-              <a:t>- Feature ideas</a:t>
-            </a:r>
-          </a:p>
-        </p:txBody>
-      </p:sp>
-      <p:sp>
-        <p:nvSpPr>
-          <p:cNvPr id="11" name="Rounded Rectangle 10"/>
+        </p:txBody>
+      </p:sp>
+      <p:sp>
+        <p:nvSpPr>
+          <p:cNvPr id="3" name="Rounded Rectangle 2">
+            <a:extLst>
+              <a:ext uri="{FF2B5EF4-FFF2-40B4-BE49-F238E27FC236}">
+                <a16:creationId xmlns:a16="http://schemas.microsoft.com/office/drawing/2014/main" id="{C1BAAA64-E343-2A8A-D689-818715300DF3}"/>
+              </a:ext>
+            </a:extLst>
+          </p:cNvPr>
           <p:cNvSpPr/>
           <p:nvPr/>
         </p:nvSpPr>
         <p:spPr>
           <a:xfrm>
-            <a:off x="3748882" y="3429000"/>
-            <a:ext cx="1953026" cy="2448272"/>
+            <a:off x="3791744" y="4409728"/>
+            <a:ext cx="1953026" cy="459432"/>
           </a:xfrm>
           <a:prstGeom prst="roundRect">
             <a:avLst/>
@@ -17372,96 +16734,27 @@
                   </a:schemeClr>
                 </a:solidFill>
               </a:rPr>
-              <a:t>- Extract</a:t>
-            </a:r>
-          </a:p>
-          <a:p>
-            <a:pPr lvl="0"/>
-            <a:endParaRPr lang="en-AU" sz="1400" dirty="0">
-              <a:solidFill>
-                <a:schemeClr val="bg1">
-                  <a:lumMod val="50000"/>
-                </a:schemeClr>
-              </a:solidFill>
-            </a:endParaRPr>
-          </a:p>
-          <a:p>
-            <a:pPr lvl="0"/>
-            <a:r>
-              <a:rPr lang="en-AU" sz="1400" dirty="0">
-                <a:solidFill>
-                  <a:schemeClr val="bg1">
-                    <a:lumMod val="50000"/>
-                  </a:schemeClr>
-                </a:solidFill>
-              </a:rPr>
-              <a:t>- Manipulate</a:t>
-            </a:r>
-          </a:p>
-          <a:p>
-            <a:pPr lvl="0"/>
-            <a:r>
-              <a:rPr lang="en-AU" sz="1400" dirty="0">
-                <a:solidFill>
-                  <a:schemeClr val="bg1">
-                    <a:lumMod val="50000"/>
-                  </a:schemeClr>
-                </a:solidFill>
-              </a:rPr>
-              <a:t> </a:t>
-            </a:r>
-          </a:p>
-          <a:p>
-            <a:pPr lvl="0"/>
-            <a:r>
-              <a:rPr lang="en-AU" sz="1400" dirty="0">
-                <a:solidFill>
-                  <a:schemeClr val="bg1">
-                    <a:lumMod val="50000"/>
-                  </a:schemeClr>
-                </a:solidFill>
-              </a:rPr>
-              <a:t>- Transform</a:t>
-            </a:r>
-          </a:p>
-          <a:p>
-            <a:pPr lvl="0"/>
-            <a:r>
-              <a:rPr lang="en-AU" sz="1400" dirty="0">
-                <a:solidFill>
-                  <a:schemeClr val="bg1">
-                    <a:lumMod val="50000"/>
-                  </a:schemeClr>
-                </a:solidFill>
-              </a:rPr>
-              <a:t> </a:t>
-            </a:r>
-          </a:p>
-          <a:p>
-            <a:pPr lvl="0"/>
-            <a:r>
-              <a:rPr lang="en-AU" sz="1400" dirty="0">
-                <a:solidFill>
-                  <a:schemeClr val="bg1">
-                    <a:lumMod val="50000"/>
-                  </a:schemeClr>
-                </a:solidFill>
-              </a:rPr>
-              <a:t>- SAS/SQL</a:t>
-            </a:r>
-          </a:p>
-        </p:txBody>
-      </p:sp>
-      <p:sp>
-        <p:nvSpPr>
-          <p:cNvPr id="12" name="Rounded Rectangle 11"/>
+              <a:t>SAS script</a:t>
+            </a:r>
+          </a:p>
+        </p:txBody>
+      </p:sp>
+      <p:sp>
+        <p:nvSpPr>
+          <p:cNvPr id="6" name="Rounded Rectangle 5">
+            <a:extLst>
+              <a:ext uri="{FF2B5EF4-FFF2-40B4-BE49-F238E27FC236}">
+                <a16:creationId xmlns:a16="http://schemas.microsoft.com/office/drawing/2014/main" id="{22863BC5-4311-22AE-5239-AF7D808BB31D}"/>
+              </a:ext>
+            </a:extLst>
+          </p:cNvPr>
           <p:cNvSpPr/>
           <p:nvPr/>
         </p:nvSpPr>
         <p:spPr>
           <a:xfrm>
-            <a:off x="6217359" y="3425569"/>
-            <a:ext cx="1953026" cy="2445674"/>
+            <a:off x="6230120" y="4409728"/>
+            <a:ext cx="1953026" cy="459432"/>
           </a:xfrm>
           <a:prstGeom prst="roundRect">
             <a:avLst/>
@@ -17510,244 +16803,7 @@
                   </a:schemeClr>
                 </a:solidFill>
               </a:rPr>
-              <a:t>- Trail models</a:t>
-            </a:r>
-          </a:p>
-          <a:p>
-            <a:pPr lvl="0"/>
-            <a:endParaRPr lang="en-AU" sz="1400" dirty="0">
-              <a:solidFill>
-                <a:schemeClr val="bg1">
-                  <a:lumMod val="50000"/>
-                </a:schemeClr>
-              </a:solidFill>
-            </a:endParaRPr>
-          </a:p>
-          <a:p>
-            <a:pPr lvl="0"/>
-            <a:r>
-              <a:rPr lang="en-AU" sz="1400" dirty="0">
-                <a:solidFill>
-                  <a:schemeClr val="bg1">
-                    <a:lumMod val="50000"/>
-                  </a:schemeClr>
-                </a:solidFill>
-              </a:rPr>
-              <a:t>- Test/train</a:t>
-            </a:r>
-          </a:p>
-          <a:p>
-            <a:pPr lvl="0"/>
-            <a:endParaRPr lang="en-AU" sz="1400" dirty="0">
-              <a:solidFill>
-                <a:schemeClr val="bg1">
-                  <a:lumMod val="50000"/>
-                </a:schemeClr>
-              </a:solidFill>
-            </a:endParaRPr>
-          </a:p>
-          <a:p>
-            <a:pPr lvl="0"/>
-            <a:r>
-              <a:rPr lang="en-AU" sz="1400" dirty="0">
-                <a:solidFill>
-                  <a:schemeClr val="bg1">
-                    <a:lumMod val="50000"/>
-                  </a:schemeClr>
-                </a:solidFill>
-              </a:rPr>
-              <a:t>- Python</a:t>
-            </a:r>
-          </a:p>
-        </p:txBody>
-      </p:sp>
-      <p:sp>
-        <p:nvSpPr>
-          <p:cNvPr id="13" name="Chevron 12"/>
-          <p:cNvSpPr/>
-          <p:nvPr/>
-        </p:nvSpPr>
-        <p:spPr>
-          <a:xfrm>
-            <a:off x="8476852" y="1811078"/>
-            <a:ext cx="2731716" cy="1308703"/>
-          </a:xfrm>
-          <a:prstGeom prst="chevron">
-            <a:avLst/>
-          </a:prstGeom>
-          <a:solidFill>
-            <a:schemeClr val="accent2"/>
-          </a:solidFill>
-          <a:ln w="6350">
-            <a:solidFill>
-              <a:schemeClr val="accent2"/>
-            </a:solidFill>
-          </a:ln>
-        </p:spPr>
-        <p:style>
-          <a:lnRef idx="2">
-            <a:schemeClr val="accent1">
-              <a:shade val="50000"/>
-            </a:schemeClr>
-          </a:lnRef>
-          <a:fillRef idx="1">
-            <a:schemeClr val="accent1"/>
-          </a:fillRef>
-          <a:effectRef idx="0">
-            <a:schemeClr val="accent1"/>
-          </a:effectRef>
-          <a:fontRef idx="minor">
-            <a:schemeClr val="lt1"/>
-          </a:fontRef>
-        </p:style>
-        <p:txBody>
-          <a:bodyPr rtlCol="0" anchor="ctr"/>
-          <a:lstStyle/>
-          <a:p>
-            <a:pPr algn="ctr"/>
-            <a:r>
-              <a:rPr lang="en-US" sz="1400" dirty="0">
-                <a:solidFill>
-                  <a:srgbClr val="595A5B"/>
-                </a:solidFill>
-              </a:rPr>
-              <a:t>Results analysis</a:t>
-            </a:r>
-            <a:endParaRPr lang="en-NZ" sz="2000" dirty="0">
-              <a:solidFill>
-                <a:srgbClr val="595A5B"/>
-              </a:solidFill>
-            </a:endParaRPr>
-          </a:p>
-        </p:txBody>
-      </p:sp>
-      <p:sp>
-        <p:nvSpPr>
-          <p:cNvPr id="14" name="Rounded Rectangle 13"/>
-          <p:cNvSpPr/>
-          <p:nvPr/>
-        </p:nvSpPr>
-        <p:spPr>
-          <a:xfrm>
-            <a:off x="8685836" y="3420373"/>
-            <a:ext cx="1953320" cy="2445674"/>
-          </a:xfrm>
-          <a:prstGeom prst="roundRect">
-            <a:avLst/>
-          </a:prstGeom>
-          <a:solidFill>
-            <a:schemeClr val="accent2">
-              <a:lumMod val="40000"/>
-              <a:lumOff val="60000"/>
-            </a:schemeClr>
-          </a:solidFill>
-          <a:ln w="6350">
-            <a:solidFill>
-              <a:schemeClr val="bg1">
-                <a:lumMod val="85000"/>
-              </a:schemeClr>
-            </a:solidFill>
-          </a:ln>
-        </p:spPr>
-        <p:style>
-          <a:lnRef idx="2">
-            <a:schemeClr val="accent1">
-              <a:shade val="50000"/>
-            </a:schemeClr>
-          </a:lnRef>
-          <a:fillRef idx="1">
-            <a:schemeClr val="accent1"/>
-          </a:fillRef>
-          <a:effectRef idx="0">
-            <a:schemeClr val="accent1"/>
-          </a:effectRef>
-          <a:fontRef idx="minor">
-            <a:schemeClr val="lt1"/>
-          </a:fontRef>
-        </p:style>
-        <p:txBody>
-          <a:bodyPr rtlCol="0" anchor="ctr"/>
-          <a:lstStyle/>
-          <a:p>
-            <a:pPr lvl="0"/>
-            <a:r>
-              <a:rPr lang="en-AU" sz="1400" dirty="0">
-                <a:solidFill>
-                  <a:schemeClr val="bg1">
-                    <a:lumMod val="50000"/>
-                  </a:schemeClr>
-                </a:solidFill>
-              </a:rPr>
-              <a:t>- Features importance</a:t>
-            </a:r>
-          </a:p>
-          <a:p>
-            <a:pPr lvl="0"/>
-            <a:endParaRPr lang="en-AU" sz="1400" dirty="0">
-              <a:solidFill>
-                <a:schemeClr val="bg1">
-                  <a:lumMod val="50000"/>
-                </a:schemeClr>
-              </a:solidFill>
-            </a:endParaRPr>
-          </a:p>
-          <a:p>
-            <a:pPr lvl="0"/>
-            <a:r>
-              <a:rPr lang="en-AU" sz="1400" dirty="0">
-                <a:solidFill>
-                  <a:schemeClr val="bg1">
-                    <a:lumMod val="50000"/>
-                  </a:schemeClr>
-                </a:solidFill>
-              </a:rPr>
-              <a:t>- Patterns </a:t>
-            </a:r>
-          </a:p>
-          <a:p>
-            <a:pPr lvl="0"/>
-            <a:endParaRPr lang="en-AU" sz="1400" dirty="0">
-              <a:solidFill>
-                <a:schemeClr val="bg1">
-                  <a:lumMod val="50000"/>
-                </a:schemeClr>
-              </a:solidFill>
-            </a:endParaRPr>
-          </a:p>
-          <a:p>
-            <a:pPr lvl="0"/>
-            <a:r>
-              <a:rPr lang="en-AU" sz="1400" dirty="0">
-                <a:solidFill>
-                  <a:schemeClr val="bg1">
-                    <a:lumMod val="50000"/>
-                  </a:schemeClr>
-                </a:solidFill>
-              </a:rPr>
-              <a:t>- What does this mean?</a:t>
-            </a:r>
-          </a:p>
-          <a:p>
-            <a:pPr lvl="0"/>
-            <a:endParaRPr lang="en-AU" sz="1400" dirty="0">
-              <a:solidFill>
-                <a:schemeClr val="bg1">
-                  <a:lumMod val="50000"/>
-                </a:schemeClr>
-              </a:solidFill>
-            </a:endParaRPr>
-          </a:p>
-          <a:p>
-            <a:pPr lvl="0"/>
-            <a:r>
-              <a:rPr lang="en-AU" sz="1400" dirty="0">
-                <a:solidFill>
-                  <a:schemeClr val="bg1">
-                    <a:lumMod val="50000"/>
-                  </a:schemeClr>
-                </a:solidFill>
-              </a:rPr>
-              <a:t>- Apply insights</a:t>
+              <a:t>Python script</a:t>
             </a:r>
           </a:p>
         </p:txBody>
@@ -17765,7 +16821,7 @@
 </p:sld>
 </file>
 
-<file path=ppt/slides/slide9.xml><?xml version="1.0" encoding="utf-8"?>
+<file path=ppt/slides/slide8.xml><?xml version="1.0" encoding="utf-8"?>
 <p:sld xmlns:a="http://schemas.openxmlformats.org/drawingml/2006/main" xmlns:r="http://schemas.openxmlformats.org/officeDocument/2006/relationships" xmlns:p="http://schemas.openxmlformats.org/presentationml/2006/main">
   <p:cSld>
     <p:spTree>
@@ -17799,7 +16855,7 @@
           <a:p>
             <a:r>
               <a:rPr lang="en-AU" dirty="0"/>
-              <a:t>exploration</a:t>
+              <a:t>1. exploration</a:t>
             </a:r>
           </a:p>
         </p:txBody>
@@ -17908,8 +16964,8 @@
         </p:nvSpPr>
         <p:spPr>
           <a:xfrm>
-            <a:off x="7549024" y="1919954"/>
-            <a:ext cx="4004741" cy="3672408"/>
+            <a:off x="7392144" y="2053439"/>
+            <a:ext cx="4364781" cy="3672408"/>
           </a:xfrm>
           <a:prstGeom prst="rect">
             <a:avLst/>
@@ -18086,7 +17142,7 @@
               <a:buChar char="-"/>
             </a:pPr>
             <a:r>
-              <a:rPr lang="en-NZ" sz="2000" dirty="0"/>
+              <a:rPr lang="en-NZ" sz="1800" dirty="0"/>
               <a:t>Spending velocity: how fast a customer spends 75% of their income.</a:t>
             </a:r>
           </a:p>
@@ -18095,7 +17151,7 @@
               <a:buFontTx/>
               <a:buChar char="-"/>
             </a:pPr>
-            <a:endParaRPr lang="en-NZ" sz="2000" dirty="0"/>
+            <a:endParaRPr lang="en-NZ" sz="1800" dirty="0"/>
           </a:p>
           <a:p>
             <a:pPr lvl="1">
@@ -18103,7 +17159,7 @@
               <a:buChar char="-"/>
             </a:pPr>
             <a:r>
-              <a:rPr lang="en-NZ" sz="2000" dirty="0"/>
+              <a:rPr lang="en-NZ" sz="1800" dirty="0"/>
               <a:t>Pay later: number and amount spent through pay later schemes (Afterpay and PayPal).</a:t>
             </a:r>
           </a:p>
@@ -18112,7 +17168,7 @@
               <a:buFontTx/>
               <a:buChar char="-"/>
             </a:pPr>
-            <a:endParaRPr lang="en-NZ" sz="2000" dirty="0"/>
+            <a:endParaRPr lang="en-NZ" sz="1800" dirty="0"/>
           </a:p>
           <a:p>
             <a:pPr lvl="1">
@@ -18120,7 +17176,28 @@
               <a:buChar char="-"/>
             </a:pPr>
             <a:r>
-              <a:rPr lang="en-US" sz="2000" dirty="0"/>
+              <a:rPr lang="en-NZ" sz="1800" dirty="0"/>
+              <a:t>Percent of income </a:t>
+            </a:r>
+            <a:r>
+              <a:rPr lang="en-US" sz="1800" dirty="0"/>
+              <a:t>spent on discretionary or necessities.</a:t>
+            </a:r>
+          </a:p>
+          <a:p>
+            <a:pPr lvl="1">
+              <a:buFontTx/>
+              <a:buChar char="-"/>
+            </a:pPr>
+            <a:endParaRPr lang="en-NZ" sz="1800" dirty="0"/>
+          </a:p>
+          <a:p>
+            <a:pPr lvl="1">
+              <a:buFontTx/>
+              <a:buChar char="-"/>
+            </a:pPr>
+            <a:r>
+              <a:rPr lang="en-US" sz="1800" dirty="0"/>
               <a:t>Credit card: spending credit on discretionary or necessities.</a:t>
             </a:r>
           </a:p>
@@ -18168,14 +17245,14 @@
           <p:nvPr>
             <p:extLst>
               <p:ext uri="{D42A27DB-BD31-4B8C-83A1-F6EECF244321}">
-                <p14:modId xmlns:p14="http://schemas.microsoft.com/office/powerpoint/2010/main" val="938545259"/>
+                <p14:modId xmlns:p14="http://schemas.microsoft.com/office/powerpoint/2010/main" val="447062642"/>
               </p:ext>
             </p:extLst>
           </p:nvPr>
         </p:nvGraphicFramePr>
         <p:xfrm>
-          <a:off x="730024" y="1916832"/>
-          <a:ext cx="5794807" cy="3895841"/>
+          <a:off x="730025" y="2053439"/>
+          <a:ext cx="5270547" cy="3895841"/>
         </p:xfrm>
         <a:graphic>
           <a:graphicData uri="http://schemas.openxmlformats.org/drawingml/2006/diagram">
@@ -18191,7 +17268,7 @@
         </p:nvSpPr>
         <p:spPr>
           <a:xfrm>
-            <a:off x="6672064" y="3422134"/>
+            <a:off x="6168008" y="3429000"/>
             <a:ext cx="333404" cy="795792"/>
           </a:xfrm>
           <a:prstGeom prst="chevron">
@@ -18241,7 +17318,7 @@
         </p:nvSpPr>
         <p:spPr>
           <a:xfrm>
-            <a:off x="6891304" y="3422134"/>
+            <a:off x="6387248" y="3429000"/>
             <a:ext cx="333404" cy="795792"/>
           </a:xfrm>
           <a:prstGeom prst="chevron">
@@ -18291,7 +17368,7 @@
         </p:nvSpPr>
         <p:spPr>
           <a:xfrm>
-            <a:off x="7110544" y="3422134"/>
+            <a:off x="6606488" y="3429000"/>
             <a:ext cx="333404" cy="795792"/>
           </a:xfrm>
           <a:prstGeom prst="chevron">
@@ -18343,7 +17420,7 @@
         </p:nvSpPr>
         <p:spPr>
           <a:xfrm>
-            <a:off x="2927648" y="1542315"/>
+            <a:off x="2927648" y="1500994"/>
             <a:ext cx="864096" cy="343830"/>
           </a:xfrm>
           <a:prstGeom prst="rect">
@@ -18565,8 +17642,8 @@
         </p:nvSpPr>
         <p:spPr>
           <a:xfrm>
-            <a:off x="8688288" y="1542315"/>
-            <a:ext cx="1944216" cy="343830"/>
+            <a:off x="7476935" y="1311470"/>
+            <a:ext cx="4063966" cy="749378"/>
           </a:xfrm>
           <a:prstGeom prst="rect">
             <a:avLst/>
@@ -18738,27 +17815,13 @@
             </a:lvl9pPr>
           </a:lstStyle>
           <a:p>
-            <a:pPr marL="0" lvl="1" indent="0">
+            <a:pPr marL="0" lvl="1" indent="0" algn="ctr">
               <a:buNone/>
             </a:pPr>
             <a:r>
               <a:rPr lang="en-US" sz="2000" b="1" dirty="0"/>
-              <a:t>New features</a:t>
-            </a:r>
-            <a:endParaRPr lang="en-US" b="1" dirty="0"/>
-          </a:p>
-          <a:p>
-            <a:pPr lvl="1">
-              <a:buFontTx/>
-              <a:buChar char="-"/>
-            </a:pPr>
-            <a:endParaRPr lang="en-NZ" dirty="0"/>
-          </a:p>
-          <a:p>
-            <a:pPr lvl="1">
-              <a:buFontTx/>
-              <a:buChar char="-"/>
-            </a:pPr>
+              <a:t>New measures/features of financial behaviour</a:t>
+            </a:r>
             <a:endParaRPr lang="en-NZ" dirty="0"/>
           </a:p>
           <a:p>
@@ -18781,6 +17844,580 @@
     <p:extLst>
       <p:ext uri="{BB962C8B-B14F-4D97-AF65-F5344CB8AC3E}">
         <p14:creationId xmlns:p14="http://schemas.microsoft.com/office/powerpoint/2010/main" val="4269132650"/>
+      </p:ext>
+    </p:extLst>
+  </p:cSld>
+  <p:clrMapOvr>
+    <a:masterClrMapping/>
+  </p:clrMapOvr>
+</p:sld>
+</file>
+
+<file path=ppt/slides/slide9.xml><?xml version="1.0" encoding="utf-8"?>
+<p:sld xmlns:a="http://schemas.openxmlformats.org/drawingml/2006/main" xmlns:r="http://schemas.openxmlformats.org/officeDocument/2006/relationships" xmlns:p="http://schemas.openxmlformats.org/presentationml/2006/main">
+  <p:cSld>
+    <p:spTree>
+      <p:nvGrpSpPr>
+        <p:cNvPr id="1" name=""/>
+        <p:cNvGrpSpPr/>
+        <p:nvPr/>
+      </p:nvGrpSpPr>
+      <p:grpSpPr>
+        <a:xfrm>
+          <a:off x="0" y="0"/>
+          <a:ext cx="0" cy="0"/>
+          <a:chOff x="0" y="0"/>
+          <a:chExt cx="0" cy="0"/>
+        </a:xfrm>
+      </p:grpSpPr>
+      <p:sp>
+        <p:nvSpPr>
+          <p:cNvPr id="2" name="Title 1"/>
+          <p:cNvSpPr>
+            <a:spLocks noGrp="1"/>
+          </p:cNvSpPr>
+          <p:nvPr>
+            <p:ph type="title"/>
+          </p:nvPr>
+        </p:nvSpPr>
+        <p:spPr/>
+        <p:txBody>
+          <a:bodyPr/>
+          <a:lstStyle/>
+          <a:p>
+            <a:r>
+              <a:rPr lang="en-AU" dirty="0"/>
+              <a:t>2. Financial indicator table</a:t>
+            </a:r>
+          </a:p>
+        </p:txBody>
+      </p:sp>
+      <p:sp>
+        <p:nvSpPr>
+          <p:cNvPr id="3" name="Content Placeholder 2"/>
+          <p:cNvSpPr>
+            <a:spLocks noGrp="1"/>
+          </p:cNvSpPr>
+          <p:nvPr>
+            <p:ph idx="1"/>
+          </p:nvPr>
+        </p:nvSpPr>
+        <p:spPr>
+          <a:xfrm>
+            <a:off x="903008" y="1341438"/>
+            <a:ext cx="10665600" cy="5039890"/>
+          </a:xfrm>
+        </p:spPr>
+        <p:txBody>
+          <a:bodyPr/>
+          <a:lstStyle/>
+          <a:p>
+            <a:pPr lvl="1"/>
+            <a:r>
+              <a:rPr lang="en-US" sz="2000" dirty="0"/>
+              <a:t>Collected from date of difficulty/hardship or current date</a:t>
+            </a:r>
+          </a:p>
+          <a:p>
+            <a:pPr lvl="1"/>
+            <a:r>
+              <a:rPr lang="en-US" sz="2000" dirty="0"/>
+              <a:t>Each feature was collected for three intervals two months from this date</a:t>
+            </a:r>
+          </a:p>
+          <a:p>
+            <a:pPr lvl="1"/>
+            <a:r>
+              <a:rPr lang="en-US" sz="2000" dirty="0"/>
+              <a:t>Feature reduction (went from 234 to 47)</a:t>
+            </a:r>
+          </a:p>
+          <a:p>
+            <a:pPr lvl="1"/>
+            <a:r>
+              <a:rPr lang="en-US" sz="2000" dirty="0"/>
+              <a:t>SAS script</a:t>
+            </a:r>
+          </a:p>
+          <a:p>
+            <a:pPr marL="0" lvl="1" indent="0">
+              <a:buNone/>
+            </a:pPr>
+            <a:endParaRPr lang="en-US" dirty="0"/>
+          </a:p>
+          <a:p>
+            <a:pPr marL="0" lvl="1" indent="0">
+              <a:buNone/>
+            </a:pPr>
+            <a:endParaRPr lang="en-US" dirty="0"/>
+          </a:p>
+          <a:p>
+            <a:pPr marL="0" lvl="1" indent="0">
+              <a:buNone/>
+            </a:pPr>
+            <a:endParaRPr lang="en-US" dirty="0"/>
+          </a:p>
+        </p:txBody>
+      </p:sp>
+      <p:graphicFrame>
+        <p:nvGraphicFramePr>
+          <p:cNvPr id="4" name="Table 4">
+            <a:extLst>
+              <a:ext uri="{FF2B5EF4-FFF2-40B4-BE49-F238E27FC236}">
+                <a16:creationId xmlns:a16="http://schemas.microsoft.com/office/drawing/2014/main" id="{EEB07A88-1CCE-7E59-9782-262C193E3E99}"/>
+              </a:ext>
+            </a:extLst>
+          </p:cNvPr>
+          <p:cNvGraphicFramePr>
+            <a:graphicFrameLocks noGrp="1"/>
+          </p:cNvGraphicFramePr>
+          <p:nvPr>
+            <p:extLst>
+              <p:ext uri="{D42A27DB-BD31-4B8C-83A1-F6EECF244321}">
+                <p14:modId xmlns:p14="http://schemas.microsoft.com/office/powerpoint/2010/main" val="3014697691"/>
+              </p:ext>
+            </p:extLst>
+          </p:nvPr>
+        </p:nvGraphicFramePr>
+        <p:xfrm>
+          <a:off x="799752" y="3573017"/>
+          <a:ext cx="10489240" cy="1712617"/>
+        </p:xfrm>
+        <a:graphic>
+          <a:graphicData uri="http://schemas.openxmlformats.org/drawingml/2006/table">
+            <a:tbl>
+              <a:tblPr firstRow="1" bandRow="1">
+                <a:tableStyleId>{5C22544A-7EE6-4342-B048-85BDC9FD1C3A}</a:tableStyleId>
+              </a:tblPr>
+              <a:tblGrid>
+                <a:gridCol w="1616027">
+                  <a:extLst>
+                    <a:ext uri="{9D8B030D-6E8A-4147-A177-3AD203B41FA5}">
+                      <a16:colId xmlns:a16="http://schemas.microsoft.com/office/drawing/2014/main" val="1633845322"/>
+                    </a:ext>
+                  </a:extLst>
+                </a:gridCol>
+                <a:gridCol w="2744117">
+                  <a:extLst>
+                    <a:ext uri="{9D8B030D-6E8A-4147-A177-3AD203B41FA5}">
+                      <a16:colId xmlns:a16="http://schemas.microsoft.com/office/drawing/2014/main" val="16378801"/>
+                    </a:ext>
+                  </a:extLst>
+                </a:gridCol>
+                <a:gridCol w="1440160">
+                  <a:extLst>
+                    <a:ext uri="{9D8B030D-6E8A-4147-A177-3AD203B41FA5}">
+                      <a16:colId xmlns:a16="http://schemas.microsoft.com/office/drawing/2014/main" val="1213798661"/>
+                    </a:ext>
+                  </a:extLst>
+                </a:gridCol>
+                <a:gridCol w="864096">
+                  <a:extLst>
+                    <a:ext uri="{9D8B030D-6E8A-4147-A177-3AD203B41FA5}">
+                      <a16:colId xmlns:a16="http://schemas.microsoft.com/office/drawing/2014/main" val="1900091043"/>
+                    </a:ext>
+                  </a:extLst>
+                </a:gridCol>
+                <a:gridCol w="2736304">
+                  <a:extLst>
+                    <a:ext uri="{9D8B030D-6E8A-4147-A177-3AD203B41FA5}">
+                      <a16:colId xmlns:a16="http://schemas.microsoft.com/office/drawing/2014/main" val="3111461651"/>
+                    </a:ext>
+                  </a:extLst>
+                </a:gridCol>
+                <a:gridCol w="1088536">
+                  <a:extLst>
+                    <a:ext uri="{9D8B030D-6E8A-4147-A177-3AD203B41FA5}">
+                      <a16:colId xmlns:a16="http://schemas.microsoft.com/office/drawing/2014/main" val="3838753567"/>
+                    </a:ext>
+                  </a:extLst>
+                </a:gridCol>
+              </a:tblGrid>
+              <a:tr h="432047">
+                <a:tc>
+                  <a:txBody>
+                    <a:bodyPr/>
+                    <a:lstStyle/>
+                    <a:p>
+                      <a:r>
+                        <a:rPr lang="en-US" sz="1400" dirty="0"/>
+                        <a:t>Customer ID</a:t>
+                      </a:r>
+                    </a:p>
+                  </a:txBody>
+                  <a:tcPr/>
+                </a:tc>
+                <a:tc>
+                  <a:txBody>
+                    <a:bodyPr/>
+                    <a:lstStyle/>
+                    <a:p>
+                      <a:r>
+                        <a:rPr lang="en-US" sz="1400" dirty="0"/>
+                        <a:t>Average bank balance #1</a:t>
+                      </a:r>
+                    </a:p>
+                  </a:txBody>
+                  <a:tcPr/>
+                </a:tc>
+                <a:tc>
+                  <a:txBody>
+                    <a:bodyPr/>
+                    <a:lstStyle/>
+                    <a:p>
+                      <a:r>
+                        <a:rPr lang="en-US" sz="1400" dirty="0"/>
+                        <a:t>Velocity #1</a:t>
+                      </a:r>
+                    </a:p>
+                  </a:txBody>
+                  <a:tcPr/>
+                </a:tc>
+                <a:tc>
+                  <a:txBody>
+                    <a:bodyPr/>
+                    <a:lstStyle/>
+                    <a:p>
+                      <a:r>
+                        <a:rPr lang="en-US" sz="1400" dirty="0"/>
+                        <a:t>...</a:t>
+                      </a:r>
+                    </a:p>
+                  </a:txBody>
+                  <a:tcPr/>
+                </a:tc>
+                <a:tc>
+                  <a:txBody>
+                    <a:bodyPr/>
+                    <a:lstStyle/>
+                    <a:p>
+                      <a:r>
+                        <a:rPr lang="en-US" sz="1400" dirty="0"/>
+                        <a:t>Average bank balance #2</a:t>
+                      </a:r>
+                    </a:p>
+                    <a:p>
+                      <a:pPr marL="0" marR="0" lvl="0" indent="0" algn="l" defTabSz="914400" rtl="0" eaLnBrk="1" fontAlgn="auto" latinLnBrk="0" hangingPunct="1">
+                        <a:lnSpc>
+                          <a:spcPct val="100000"/>
+                        </a:lnSpc>
+                        <a:spcBef>
+                          <a:spcPts val="0"/>
+                        </a:spcBef>
+                        <a:spcAft>
+                          <a:spcPts val="0"/>
+                        </a:spcAft>
+                        <a:buClrTx/>
+                        <a:buSzTx/>
+                        <a:buFontTx/>
+                        <a:buNone/>
+                        <a:tabLst/>
+                        <a:defRPr/>
+                      </a:pPr>
+                      <a:endParaRPr lang="en-US" sz="1400" dirty="0"/>
+                    </a:p>
+                  </a:txBody>
+                  <a:tcPr/>
+                </a:tc>
+                <a:tc>
+                  <a:txBody>
+                    <a:bodyPr/>
+                    <a:lstStyle/>
+                    <a:p>
+                      <a:pPr marL="0" marR="0" lvl="0" indent="0" algn="l" defTabSz="914400" rtl="0" eaLnBrk="1" fontAlgn="auto" latinLnBrk="0" hangingPunct="1">
+                        <a:lnSpc>
+                          <a:spcPct val="100000"/>
+                        </a:lnSpc>
+                        <a:spcBef>
+                          <a:spcPts val="0"/>
+                        </a:spcBef>
+                        <a:spcAft>
+                          <a:spcPts val="0"/>
+                        </a:spcAft>
+                        <a:buClrTx/>
+                        <a:buSzTx/>
+                        <a:buFontTx/>
+                        <a:buNone/>
+                        <a:tabLst/>
+                        <a:defRPr/>
+                      </a:pPr>
+                      <a:r>
+                        <a:rPr lang="en-US" sz="1400" dirty="0"/>
+                        <a:t>…</a:t>
+                      </a:r>
+                    </a:p>
+                  </a:txBody>
+                  <a:tcPr/>
+                </a:tc>
+                <a:extLst>
+                  <a:ext uri="{0D108BD9-81ED-4DB2-BD59-A6C34878D82A}">
+                    <a16:rowId xmlns:a16="http://schemas.microsoft.com/office/drawing/2014/main" val="1965126023"/>
+                  </a:ext>
+                </a:extLst>
+              </a:tr>
+              <a:tr h="452771">
+                <a:tc>
+                  <a:txBody>
+                    <a:bodyPr/>
+                    <a:lstStyle/>
+                    <a:p>
+                      <a:r>
+                        <a:rPr lang="en-US" sz="1400" dirty="0"/>
+                        <a:t>45382920</a:t>
+                      </a:r>
+                    </a:p>
+                  </a:txBody>
+                  <a:tcPr/>
+                </a:tc>
+                <a:tc>
+                  <a:txBody>
+                    <a:bodyPr/>
+                    <a:lstStyle/>
+                    <a:p>
+                      <a:r>
+                        <a:rPr lang="en-US" sz="1400" dirty="0"/>
+                        <a:t>$1000</a:t>
+                      </a:r>
+                    </a:p>
+                  </a:txBody>
+                  <a:tcPr/>
+                </a:tc>
+                <a:tc>
+                  <a:txBody>
+                    <a:bodyPr/>
+                    <a:lstStyle/>
+                    <a:p>
+                      <a:r>
+                        <a:rPr lang="en-US" sz="1400" dirty="0"/>
+                        <a:t>13%</a:t>
+                      </a:r>
+                    </a:p>
+                  </a:txBody>
+                  <a:tcPr/>
+                </a:tc>
+                <a:tc>
+                  <a:txBody>
+                    <a:bodyPr/>
+                    <a:lstStyle/>
+                    <a:p>
+                      <a:r>
+                        <a:rPr lang="en-US" sz="1400" dirty="0"/>
+                        <a:t>…</a:t>
+                      </a:r>
+                    </a:p>
+                  </a:txBody>
+                  <a:tcPr/>
+                </a:tc>
+                <a:tc>
+                  <a:txBody>
+                    <a:bodyPr/>
+                    <a:lstStyle/>
+                    <a:p>
+                      <a:r>
+                        <a:rPr lang="en-US" sz="1400" dirty="0"/>
+                        <a:t>$4013</a:t>
+                      </a:r>
+                    </a:p>
+                  </a:txBody>
+                  <a:tcPr/>
+                </a:tc>
+                <a:tc>
+                  <a:txBody>
+                    <a:bodyPr/>
+                    <a:lstStyle/>
+                    <a:p>
+                      <a:r>
+                        <a:rPr lang="en-US" sz="1400" dirty="0"/>
+                        <a:t>…</a:t>
+                      </a:r>
+                    </a:p>
+                  </a:txBody>
+                  <a:tcPr/>
+                </a:tc>
+                <a:extLst>
+                  <a:ext uri="{0D108BD9-81ED-4DB2-BD59-A6C34878D82A}">
+                    <a16:rowId xmlns:a16="http://schemas.microsoft.com/office/drawing/2014/main" val="3091983700"/>
+                  </a:ext>
+                </a:extLst>
+              </a:tr>
+              <a:tr h="370843">
+                <a:tc>
+                  <a:txBody>
+                    <a:bodyPr/>
+                    <a:lstStyle/>
+                    <a:p>
+                      <a:r>
+                        <a:rPr lang="en-US" sz="1400" dirty="0"/>
+                        <a:t>23423425</a:t>
+                      </a:r>
+                    </a:p>
+                  </a:txBody>
+                  <a:tcPr/>
+                </a:tc>
+                <a:tc>
+                  <a:txBody>
+                    <a:bodyPr/>
+                    <a:lstStyle/>
+                    <a:p>
+                      <a:r>
+                        <a:rPr lang="en-US" sz="1400" dirty="0"/>
+                        <a:t>$63</a:t>
+                      </a:r>
+                    </a:p>
+                  </a:txBody>
+                  <a:tcPr/>
+                </a:tc>
+                <a:tc>
+                  <a:txBody>
+                    <a:bodyPr/>
+                    <a:lstStyle/>
+                    <a:p>
+                      <a:r>
+                        <a:rPr lang="en-US" sz="1400" dirty="0"/>
+                        <a:t>20%</a:t>
+                      </a:r>
+                    </a:p>
+                  </a:txBody>
+                  <a:tcPr/>
+                </a:tc>
+                <a:tc>
+                  <a:txBody>
+                    <a:bodyPr/>
+                    <a:lstStyle/>
+                    <a:p>
+                      <a:r>
+                        <a:rPr lang="en-US" sz="1400" dirty="0"/>
+                        <a:t>…</a:t>
+                      </a:r>
+                    </a:p>
+                  </a:txBody>
+                  <a:tcPr/>
+                </a:tc>
+                <a:tc>
+                  <a:txBody>
+                    <a:bodyPr/>
+                    <a:lstStyle/>
+                    <a:p>
+                      <a:r>
+                        <a:rPr lang="en-US" sz="1400" dirty="0"/>
+                        <a:t>$540</a:t>
+                      </a:r>
+                    </a:p>
+                  </a:txBody>
+                  <a:tcPr/>
+                </a:tc>
+                <a:tc>
+                  <a:txBody>
+                    <a:bodyPr/>
+                    <a:lstStyle/>
+                    <a:p>
+                      <a:r>
+                        <a:rPr lang="en-US" sz="1400" dirty="0"/>
+                        <a:t>…</a:t>
+                      </a:r>
+                    </a:p>
+                  </a:txBody>
+                  <a:tcPr/>
+                </a:tc>
+                <a:extLst>
+                  <a:ext uri="{0D108BD9-81ED-4DB2-BD59-A6C34878D82A}">
+                    <a16:rowId xmlns:a16="http://schemas.microsoft.com/office/drawing/2014/main" val="2777483785"/>
+                  </a:ext>
+                </a:extLst>
+              </a:tr>
+              <a:tr h="370843">
+                <a:tc>
+                  <a:txBody>
+                    <a:bodyPr/>
+                    <a:lstStyle/>
+                    <a:p>
+                      <a:r>
+                        <a:rPr lang="en-US" sz="1400" dirty="0"/>
+                        <a:t>23542345</a:t>
+                      </a:r>
+                    </a:p>
+                  </a:txBody>
+                  <a:tcPr/>
+                </a:tc>
+                <a:tc>
+                  <a:txBody>
+                    <a:bodyPr/>
+                    <a:lstStyle/>
+                    <a:p>
+                      <a:r>
+                        <a:rPr lang="en-US" sz="1400" dirty="0"/>
+                        <a:t>$124</a:t>
+                      </a:r>
+                    </a:p>
+                  </a:txBody>
+                  <a:tcPr/>
+                </a:tc>
+                <a:tc>
+                  <a:txBody>
+                    <a:bodyPr/>
+                    <a:lstStyle/>
+                    <a:p>
+                      <a:r>
+                        <a:rPr lang="en-US" sz="1400" dirty="0"/>
+                        <a:t>12%</a:t>
+                      </a:r>
+                    </a:p>
+                  </a:txBody>
+                  <a:tcPr/>
+                </a:tc>
+                <a:tc>
+                  <a:txBody>
+                    <a:bodyPr/>
+                    <a:lstStyle/>
+                    <a:p>
+                      <a:r>
+                        <a:rPr lang="en-US" sz="1400" dirty="0"/>
+                        <a:t>…</a:t>
+                      </a:r>
+                    </a:p>
+                  </a:txBody>
+                  <a:tcPr/>
+                </a:tc>
+                <a:tc>
+                  <a:txBody>
+                    <a:bodyPr/>
+                    <a:lstStyle/>
+                    <a:p>
+                      <a:r>
+                        <a:rPr lang="en-US" sz="1400" dirty="0"/>
+                        <a:t>$83</a:t>
+                      </a:r>
+                    </a:p>
+                  </a:txBody>
+                  <a:tcPr/>
+                </a:tc>
+                <a:tc>
+                  <a:txBody>
+                    <a:bodyPr/>
+                    <a:lstStyle/>
+                    <a:p>
+                      <a:r>
+                        <a:rPr lang="en-US" sz="1400" dirty="0"/>
+                        <a:t>…</a:t>
+                      </a:r>
+                    </a:p>
+                  </a:txBody>
+                  <a:tcPr/>
+                </a:tc>
+                <a:extLst>
+                  <a:ext uri="{0D108BD9-81ED-4DB2-BD59-A6C34878D82A}">
+                    <a16:rowId xmlns:a16="http://schemas.microsoft.com/office/drawing/2014/main" val="2729987021"/>
+                  </a:ext>
+                </a:extLst>
+              </a:tr>
+            </a:tbl>
+          </a:graphicData>
+        </a:graphic>
+      </p:graphicFrame>
+    </p:spTree>
+    <p:extLst>
+      <p:ext uri="{BB962C8B-B14F-4D97-AF65-F5344CB8AC3E}">
+        <p14:creationId xmlns:p14="http://schemas.microsoft.com/office/powerpoint/2010/main" val="1576808634"/>
       </p:ext>
     </p:extLst>
   </p:cSld>
@@ -19721,6 +19358,61 @@
 </file>
 
 <file path=customXml/item2.xml><?xml version="1.0" encoding="utf-8"?>
+<?mso-contentType ?>
+<spe:Receivers xmlns:spe="http://schemas.microsoft.com/sharepoint/events">
+  <Receiver>
+    <Name>Document ID Generator</Name>
+    <Synchronization>Synchronous</Synchronization>
+    <Type>10001</Type>
+    <SequenceNumber>1000</SequenceNumber>
+    <Assembly>Microsoft.Office.DocumentManagement, Version=14.0.0.0, Culture=neutral, PublicKeyToken=71e9bce111e9429c</Assembly>
+    <Class>Microsoft.Office.DocumentManagement.Internal.DocIdHandler</Class>
+    <Data/>
+    <Filter/>
+  </Receiver>
+  <Receiver>
+    <Name>Document ID Generator</Name>
+    <Synchronization>Synchronous</Synchronization>
+    <Type>10002</Type>
+    <SequenceNumber>1001</SequenceNumber>
+    <Assembly>Microsoft.Office.DocumentManagement, Version=14.0.0.0, Culture=neutral, PublicKeyToken=71e9bce111e9429c</Assembly>
+    <Class>Microsoft.Office.DocumentManagement.Internal.DocIdHandler</Class>
+    <Data/>
+    <Filter/>
+  </Receiver>
+  <Receiver>
+    <Name>Document ID Generator</Name>
+    <Synchronization>Synchronous</Synchronization>
+    <Type>10004</Type>
+    <SequenceNumber>1002</SequenceNumber>
+    <Assembly>Microsoft.Office.DocumentManagement, Version=14.0.0.0, Culture=neutral, PublicKeyToken=71e9bce111e9429c</Assembly>
+    <Class>Microsoft.Office.DocumentManagement.Internal.DocIdHandler</Class>
+    <Data/>
+    <Filter/>
+  </Receiver>
+  <Receiver>
+    <Name>Document ID Generator</Name>
+    <Synchronization>Synchronous</Synchronization>
+    <Type>10006</Type>
+    <SequenceNumber>1003</SequenceNumber>
+    <Assembly>Microsoft.Office.DocumentManagement, Version=14.0.0.0, Culture=neutral, PublicKeyToken=71e9bce111e9429c</Assembly>
+    <Class>Microsoft.Office.DocumentManagement.Internal.DocIdHandler</Class>
+    <Data/>
+    <Filter/>
+  </Receiver>
+</spe:Receivers>
+</file>
+
+<file path=customXml/item3.xml><?xml version="1.0" encoding="utf-8"?>
+<?mso-contentType ?>
+<FormTemplates xmlns="http://schemas.microsoft.com/sharepoint/v3/contenttype/forms">
+  <Display>DocumentLibraryForm</Display>
+  <Edit>DocumentLibraryForm</Edit>
+  <New>DocumentLibraryForm</New>
+</FormTemplates>
+</file>
+
+<file path=customXml/item4.xml><?xml version="1.0" encoding="utf-8"?>
 <ct:contentTypeSchema xmlns:ct="http://schemas.microsoft.com/office/2006/metadata/contentType" xmlns:ma="http://schemas.microsoft.com/office/2006/metadata/properties/metaAttributes" ct:_="" ma:_="" ma:contentTypeName="Document" ma:contentTypeID="0x010100672AA5B1FD9A67428117CDED5B606358" ma:contentTypeVersion="11" ma:contentTypeDescription="Create a new document." ma:contentTypeScope="" ma:versionID="5163215197482ba4ec314b6f9cd942dc">
   <xsd:schema xmlns:xsd="http://www.w3.org/2001/XMLSchema" xmlns:xs="http://www.w3.org/2001/XMLSchema" xmlns:p="http://schemas.microsoft.com/office/2006/metadata/properties" xmlns:ns1="http://schemas.microsoft.com/sharepoint/v3" xmlns:ns2="a96ac3ff-ca46-49f2-92a8-8df235880b82" targetNamespace="http://schemas.microsoft.com/office/2006/metadata/properties" ma:root="true" ma:fieldsID="219545bd4a16b31fae190c2f518c326f" ns1:_="" ns2:_="">
     <xsd:import namespace="http://schemas.microsoft.com/sharepoint/v3"/>
@@ -19920,61 +19612,6 @@
 </ct:contentTypeSchema>
 </file>
 
-<file path=customXml/item3.xml><?xml version="1.0" encoding="utf-8"?>
-<?mso-contentType ?>
-<FormTemplates xmlns="http://schemas.microsoft.com/sharepoint/v3/contenttype/forms">
-  <Display>DocumentLibraryForm</Display>
-  <Edit>DocumentLibraryForm</Edit>
-  <New>DocumentLibraryForm</New>
-</FormTemplates>
-</file>
-
-<file path=customXml/item4.xml><?xml version="1.0" encoding="utf-8"?>
-<?mso-contentType ?>
-<spe:Receivers xmlns:spe="http://schemas.microsoft.com/sharepoint/events">
-  <Receiver>
-    <Name>Document ID Generator</Name>
-    <Synchronization>Synchronous</Synchronization>
-    <Type>10001</Type>
-    <SequenceNumber>1000</SequenceNumber>
-    <Assembly>Microsoft.Office.DocumentManagement, Version=14.0.0.0, Culture=neutral, PublicKeyToken=71e9bce111e9429c</Assembly>
-    <Class>Microsoft.Office.DocumentManagement.Internal.DocIdHandler</Class>
-    <Data/>
-    <Filter/>
-  </Receiver>
-  <Receiver>
-    <Name>Document ID Generator</Name>
-    <Synchronization>Synchronous</Synchronization>
-    <Type>10002</Type>
-    <SequenceNumber>1001</SequenceNumber>
-    <Assembly>Microsoft.Office.DocumentManagement, Version=14.0.0.0, Culture=neutral, PublicKeyToken=71e9bce111e9429c</Assembly>
-    <Class>Microsoft.Office.DocumentManagement.Internal.DocIdHandler</Class>
-    <Data/>
-    <Filter/>
-  </Receiver>
-  <Receiver>
-    <Name>Document ID Generator</Name>
-    <Synchronization>Synchronous</Synchronization>
-    <Type>10004</Type>
-    <SequenceNumber>1002</SequenceNumber>
-    <Assembly>Microsoft.Office.DocumentManagement, Version=14.0.0.0, Culture=neutral, PublicKeyToken=71e9bce111e9429c</Assembly>
-    <Class>Microsoft.Office.DocumentManagement.Internal.DocIdHandler</Class>
-    <Data/>
-    <Filter/>
-  </Receiver>
-  <Receiver>
-    <Name>Document ID Generator</Name>
-    <Synchronization>Synchronous</Synchronization>
-    <Type>10006</Type>
-    <SequenceNumber>1003</SequenceNumber>
-    <Assembly>Microsoft.Office.DocumentManagement, Version=14.0.0.0, Culture=neutral, PublicKeyToken=71e9bce111e9429c</Assembly>
-    <Class>Microsoft.Office.DocumentManagement.Internal.DocIdHandler</Class>
-    <Data/>
-    <Filter/>
-  </Receiver>
-</spe:Receivers>
-</file>
-
 <file path=customXml/itemProps1.xml><?xml version="1.0" encoding="utf-8"?>
 <ds:datastoreItem xmlns:ds="http://schemas.openxmlformats.org/officeDocument/2006/customXml" ds:itemID="{70F7EA90-ABA1-48AF-96E2-20EA15FA9868}">
   <ds:schemaRefs>
@@ -19993,6 +19630,22 @@
 </file>
 
 <file path=customXml/itemProps2.xml><?xml version="1.0" encoding="utf-8"?>
+<ds:datastoreItem xmlns:ds="http://schemas.openxmlformats.org/officeDocument/2006/customXml" ds:itemID="{576EACE0-51E5-479E-9263-CF59C9650B50}">
+  <ds:schemaRefs>
+    <ds:schemaRef ds:uri="http://schemas.microsoft.com/sharepoint/events"/>
+  </ds:schemaRefs>
+</ds:datastoreItem>
+</file>
+
+<file path=customXml/itemProps3.xml><?xml version="1.0" encoding="utf-8"?>
+<ds:datastoreItem xmlns:ds="http://schemas.openxmlformats.org/officeDocument/2006/customXml" ds:itemID="{01B0F73D-0BC1-4E22-9394-55360E0A168C}">
+  <ds:schemaRefs>
+    <ds:schemaRef ds:uri="http://schemas.microsoft.com/sharepoint/v3/contenttype/forms"/>
+  </ds:schemaRefs>
+</ds:datastoreItem>
+</file>
+
+<file path=customXml/itemProps4.xml><?xml version="1.0" encoding="utf-8"?>
 <ds:datastoreItem xmlns:ds="http://schemas.openxmlformats.org/officeDocument/2006/customXml" ds:itemID="{A301A799-91EE-4E9D-9D8C-A04077ADDB1F}">
   <ds:schemaRefs>
     <ds:schemaRef ds:uri="http://schemas.microsoft.com/office/2006/metadata/contentType"/>
@@ -20009,20 +19662,4 @@
     <ds:schemaRef ds:uri="http://schemas.microsoft.com/internal/obd"/>
   </ds:schemaRefs>
 </ds:datastoreItem>
-</file>
-
-<file path=customXml/itemProps3.xml><?xml version="1.0" encoding="utf-8"?>
-<ds:datastoreItem xmlns:ds="http://schemas.openxmlformats.org/officeDocument/2006/customXml" ds:itemID="{01B0F73D-0BC1-4E22-9394-55360E0A168C}">
-  <ds:schemaRefs>
-    <ds:schemaRef ds:uri="http://schemas.microsoft.com/sharepoint/v3/contenttype/forms"/>
-  </ds:schemaRefs>
-</ds:datastoreItem>
-</file>
-
-<file path=customXml/itemProps4.xml><?xml version="1.0" encoding="utf-8"?>
-<ds:datastoreItem xmlns:ds="http://schemas.openxmlformats.org/officeDocument/2006/customXml" ds:itemID="{576EACE0-51E5-479E-9263-CF59C9650B50}">
-  <ds:schemaRefs>
-    <ds:schemaRef ds:uri="http://schemas.microsoft.com/sharepoint/events"/>
-  </ds:schemaRefs>
-</ds:datastoreItem>
 </file>